--- a/Analise de Aplicacao para controle da superlotacao de.pptx
+++ b/Analise de Aplicacao para controle da superlotacao de.pptx
@@ -5,10 +5,10 @@
     <p:sldMasterId id="2147483648" r:id="rId2"/>
   </p:sldMasterIdLst>
   <p:notesMasterIdLst>
-    <p:notesMasterId r:id="rId26"/>
+    <p:notesMasterId r:id="rId22"/>
   </p:notesMasterIdLst>
   <p:handoutMasterIdLst>
-    <p:handoutMasterId r:id="rId27"/>
+    <p:handoutMasterId r:id="rId23"/>
   </p:handoutMasterIdLst>
   <p:sldIdLst>
     <p:sldId id="257" r:id="rId3"/>
@@ -23,17 +23,13 @@
     <p:sldId id="272" r:id="rId12"/>
     <p:sldId id="273" r:id="rId13"/>
     <p:sldId id="274" r:id="rId14"/>
-    <p:sldId id="276" r:id="rId15"/>
-    <p:sldId id="260" r:id="rId16"/>
-    <p:sldId id="279" r:id="rId17"/>
-    <p:sldId id="263" r:id="rId18"/>
-    <p:sldId id="259" r:id="rId19"/>
-    <p:sldId id="264" r:id="rId20"/>
-    <p:sldId id="265" r:id="rId21"/>
-    <p:sldId id="266" r:id="rId22"/>
-    <p:sldId id="267" r:id="rId23"/>
-    <p:sldId id="268" r:id="rId24"/>
-    <p:sldId id="269" r:id="rId25"/>
+    <p:sldId id="260" r:id="rId15"/>
+    <p:sldId id="279" r:id="rId16"/>
+    <p:sldId id="263" r:id="rId17"/>
+    <p:sldId id="259" r:id="rId18"/>
+    <p:sldId id="264" r:id="rId19"/>
+    <p:sldId id="265" r:id="rId20"/>
+    <p:sldId id="280" r:id="rId21"/>
   </p:sldIdLst>
   <p:sldSz cx="12192000" cy="6858000"/>
   <p:notesSz cx="6858000" cy="9144000"/>
@@ -152,1066 +148,6 @@
     </p:ext>
   </p:extLst>
 </p:presentation>
-</file>
-
-<file path=ppt/charts/chart1.xml><?xml version="1.0" encoding="utf-8"?>
-<c:chartSpace xmlns:c="http://schemas.openxmlformats.org/drawingml/2006/chart" xmlns:a="http://schemas.openxmlformats.org/drawingml/2006/main" xmlns:r="http://schemas.openxmlformats.org/officeDocument/2006/relationships">
-  <c:date1904 val="0"/>
-  <c:lang val="pt-BR"/>
-  <c:roundedCorners val="0"/>
-  <mc:AlternateContent xmlns:mc="http://schemas.openxmlformats.org/markup-compatibility/2006">
-    <mc:Choice xmlns:c14="http://schemas.microsoft.com/office/drawing/2007/8/2/chart" Requires="c14">
-      <c14:style val="102"/>
-    </mc:Choice>
-    <mc:Fallback>
-      <c:style val="2"/>
-    </mc:Fallback>
-  </mc:AlternateContent>
-  <c:chart>
-    <c:autoTitleDeleted val="1"/>
-    <c:plotArea>
-      <c:layout/>
-      <c:barChart>
-        <c:barDir val="col"/>
-        <c:grouping val="clustered"/>
-        <c:varyColors val="0"/>
-        <c:ser>
-          <c:idx val="0"/>
-          <c:order val="0"/>
-          <c:tx>
-            <c:strRef>
-              <c:f>Plan1!$B$1</c:f>
-              <c:strCache>
-                <c:ptCount val="1"/>
-                <c:pt idx="0">
-                  <c:v>Série 1</c:v>
-                </c:pt>
-              </c:strCache>
-            </c:strRef>
-          </c:tx>
-          <c:spPr>
-            <a:gradFill rotWithShape="1">
-              <a:gsLst>
-                <a:gs pos="0">
-                  <a:schemeClr val="accent1">
-                    <a:satMod val="103000"/>
-                    <a:lumMod val="102000"/>
-                    <a:tint val="94000"/>
-                  </a:schemeClr>
-                </a:gs>
-                <a:gs pos="50000">
-                  <a:schemeClr val="accent1">
-                    <a:satMod val="110000"/>
-                    <a:lumMod val="100000"/>
-                    <a:shade val="100000"/>
-                  </a:schemeClr>
-                </a:gs>
-                <a:gs pos="100000">
-                  <a:schemeClr val="accent1">
-                    <a:lumMod val="99000"/>
-                    <a:satMod val="120000"/>
-                    <a:shade val="78000"/>
-                  </a:schemeClr>
-                </a:gs>
-              </a:gsLst>
-              <a:lin ang="5400000" scaled="0"/>
-            </a:gradFill>
-            <a:ln>
-              <a:noFill/>
-            </a:ln>
-            <a:effectLst>
-              <a:outerShdw blurRad="57150" dist="19050" dir="5400000" algn="ctr" rotWithShape="0">
-                <a:srgbClr val="000000">
-                  <a:alpha val="63000"/>
-                </a:srgbClr>
-              </a:outerShdw>
-            </a:effectLst>
-          </c:spPr>
-          <c:invertIfNegative val="0"/>
-          <c:cat>
-            <c:strRef>
-              <c:f>Plan1!$A$2:$A$5</c:f>
-              <c:strCache>
-                <c:ptCount val="4"/>
-                <c:pt idx="0">
-                  <c:v>Categoria 1</c:v>
-                </c:pt>
-                <c:pt idx="1">
-                  <c:v>Categoria 2</c:v>
-                </c:pt>
-                <c:pt idx="2">
-                  <c:v>Categoria 3</c:v>
-                </c:pt>
-                <c:pt idx="3">
-                  <c:v>Categoria 4</c:v>
-                </c:pt>
-              </c:strCache>
-            </c:strRef>
-          </c:cat>
-          <c:val>
-            <c:numRef>
-              <c:f>Plan1!$B$2:$B$5</c:f>
-              <c:numCache>
-                <c:formatCode>General</c:formatCode>
-                <c:ptCount val="4"/>
-                <c:pt idx="0">
-                  <c:v>4.3</c:v>
-                </c:pt>
-                <c:pt idx="1">
-                  <c:v>2.5</c:v>
-                </c:pt>
-                <c:pt idx="2">
-                  <c:v>3.5</c:v>
-                </c:pt>
-                <c:pt idx="3">
-                  <c:v>4.5</c:v>
-                </c:pt>
-              </c:numCache>
-            </c:numRef>
-          </c:val>
-          <c:extLst xmlns:c16r2="http://schemas.microsoft.com/office/drawing/2015/06/chart">
-            <c:ext xmlns:c16="http://schemas.microsoft.com/office/drawing/2014/chart" uri="{C3380CC4-5D6E-409C-BE32-E72D297353CC}">
-              <c16:uniqueId val="{00000000-156A-4963-A5D4-3659A962251B}"/>
-            </c:ext>
-          </c:extLst>
-        </c:ser>
-        <c:ser>
-          <c:idx val="1"/>
-          <c:order val="1"/>
-          <c:tx>
-            <c:strRef>
-              <c:f>Plan1!$C$1</c:f>
-              <c:strCache>
-                <c:ptCount val="1"/>
-                <c:pt idx="0">
-                  <c:v>Série 2</c:v>
-                </c:pt>
-              </c:strCache>
-            </c:strRef>
-          </c:tx>
-          <c:spPr>
-            <a:gradFill rotWithShape="1">
-              <a:gsLst>
-                <a:gs pos="0">
-                  <a:schemeClr val="accent2">
-                    <a:satMod val="103000"/>
-                    <a:lumMod val="102000"/>
-                    <a:tint val="94000"/>
-                  </a:schemeClr>
-                </a:gs>
-                <a:gs pos="50000">
-                  <a:schemeClr val="accent2">
-                    <a:satMod val="110000"/>
-                    <a:lumMod val="100000"/>
-                    <a:shade val="100000"/>
-                  </a:schemeClr>
-                </a:gs>
-                <a:gs pos="100000">
-                  <a:schemeClr val="accent2">
-                    <a:lumMod val="99000"/>
-                    <a:satMod val="120000"/>
-                    <a:shade val="78000"/>
-                  </a:schemeClr>
-                </a:gs>
-              </a:gsLst>
-              <a:lin ang="5400000" scaled="0"/>
-            </a:gradFill>
-            <a:ln>
-              <a:noFill/>
-            </a:ln>
-            <a:effectLst>
-              <a:outerShdw blurRad="57150" dist="19050" dir="5400000" algn="ctr" rotWithShape="0">
-                <a:srgbClr val="000000">
-                  <a:alpha val="63000"/>
-                </a:srgbClr>
-              </a:outerShdw>
-            </a:effectLst>
-          </c:spPr>
-          <c:invertIfNegative val="0"/>
-          <c:cat>
-            <c:strRef>
-              <c:f>Plan1!$A$2:$A$5</c:f>
-              <c:strCache>
-                <c:ptCount val="4"/>
-                <c:pt idx="0">
-                  <c:v>Categoria 1</c:v>
-                </c:pt>
-                <c:pt idx="1">
-                  <c:v>Categoria 2</c:v>
-                </c:pt>
-                <c:pt idx="2">
-                  <c:v>Categoria 3</c:v>
-                </c:pt>
-                <c:pt idx="3">
-                  <c:v>Categoria 4</c:v>
-                </c:pt>
-              </c:strCache>
-            </c:strRef>
-          </c:cat>
-          <c:val>
-            <c:numRef>
-              <c:f>Plan1!$C$2:$C$5</c:f>
-              <c:numCache>
-                <c:formatCode>General</c:formatCode>
-                <c:ptCount val="4"/>
-                <c:pt idx="0">
-                  <c:v>2.4</c:v>
-                </c:pt>
-                <c:pt idx="1">
-                  <c:v>4.4000000000000004</c:v>
-                </c:pt>
-                <c:pt idx="2">
-                  <c:v>1.8</c:v>
-                </c:pt>
-                <c:pt idx="3">
-                  <c:v>2.8</c:v>
-                </c:pt>
-              </c:numCache>
-            </c:numRef>
-          </c:val>
-          <c:extLst xmlns:c16r2="http://schemas.microsoft.com/office/drawing/2015/06/chart">
-            <c:ext xmlns:c16="http://schemas.microsoft.com/office/drawing/2014/chart" uri="{C3380CC4-5D6E-409C-BE32-E72D297353CC}">
-              <c16:uniqueId val="{00000001-156A-4963-A5D4-3659A962251B}"/>
-            </c:ext>
-          </c:extLst>
-        </c:ser>
-        <c:ser>
-          <c:idx val="2"/>
-          <c:order val="2"/>
-          <c:tx>
-            <c:strRef>
-              <c:f>Plan1!$D$1</c:f>
-              <c:strCache>
-                <c:ptCount val="1"/>
-                <c:pt idx="0">
-                  <c:v>Série 3</c:v>
-                </c:pt>
-              </c:strCache>
-            </c:strRef>
-          </c:tx>
-          <c:spPr>
-            <a:gradFill rotWithShape="1">
-              <a:gsLst>
-                <a:gs pos="0">
-                  <a:schemeClr val="accent3">
-                    <a:satMod val="103000"/>
-                    <a:lumMod val="102000"/>
-                    <a:tint val="94000"/>
-                  </a:schemeClr>
-                </a:gs>
-                <a:gs pos="50000">
-                  <a:schemeClr val="accent3">
-                    <a:satMod val="110000"/>
-                    <a:lumMod val="100000"/>
-                    <a:shade val="100000"/>
-                  </a:schemeClr>
-                </a:gs>
-                <a:gs pos="100000">
-                  <a:schemeClr val="accent3">
-                    <a:lumMod val="99000"/>
-                    <a:satMod val="120000"/>
-                    <a:shade val="78000"/>
-                  </a:schemeClr>
-                </a:gs>
-              </a:gsLst>
-              <a:lin ang="5400000" scaled="0"/>
-            </a:gradFill>
-            <a:ln>
-              <a:noFill/>
-            </a:ln>
-            <a:effectLst>
-              <a:outerShdw blurRad="57150" dist="19050" dir="5400000" algn="ctr" rotWithShape="0">
-                <a:srgbClr val="000000">
-                  <a:alpha val="63000"/>
-                </a:srgbClr>
-              </a:outerShdw>
-            </a:effectLst>
-          </c:spPr>
-          <c:invertIfNegative val="0"/>
-          <c:cat>
-            <c:strRef>
-              <c:f>Plan1!$A$2:$A$5</c:f>
-              <c:strCache>
-                <c:ptCount val="4"/>
-                <c:pt idx="0">
-                  <c:v>Categoria 1</c:v>
-                </c:pt>
-                <c:pt idx="1">
-                  <c:v>Categoria 2</c:v>
-                </c:pt>
-                <c:pt idx="2">
-                  <c:v>Categoria 3</c:v>
-                </c:pt>
-                <c:pt idx="3">
-                  <c:v>Categoria 4</c:v>
-                </c:pt>
-              </c:strCache>
-            </c:strRef>
-          </c:cat>
-          <c:val>
-            <c:numRef>
-              <c:f>Plan1!$D$2:$D$5</c:f>
-              <c:numCache>
-                <c:formatCode>General</c:formatCode>
-                <c:ptCount val="4"/>
-                <c:pt idx="0">
-                  <c:v>2</c:v>
-                </c:pt>
-                <c:pt idx="1">
-                  <c:v>2</c:v>
-                </c:pt>
-                <c:pt idx="2">
-                  <c:v>3</c:v>
-                </c:pt>
-                <c:pt idx="3">
-                  <c:v>5</c:v>
-                </c:pt>
-              </c:numCache>
-            </c:numRef>
-          </c:val>
-          <c:extLst xmlns:c16r2="http://schemas.microsoft.com/office/drawing/2015/06/chart">
-            <c:ext xmlns:c16="http://schemas.microsoft.com/office/drawing/2014/chart" uri="{C3380CC4-5D6E-409C-BE32-E72D297353CC}">
-              <c16:uniqueId val="{00000002-156A-4963-A5D4-3659A962251B}"/>
-            </c:ext>
-          </c:extLst>
-        </c:ser>
-        <c:dLbls>
-          <c:showLegendKey val="0"/>
-          <c:showVal val="0"/>
-          <c:showCatName val="0"/>
-          <c:showSerName val="0"/>
-          <c:showPercent val="0"/>
-          <c:showBubbleSize val="0"/>
-        </c:dLbls>
-        <c:gapWidth val="100"/>
-        <c:overlap val="-24"/>
-        <c:axId val="85051072"/>
-        <c:axId val="85051632"/>
-      </c:barChart>
-      <c:catAx>
-        <c:axId val="85051072"/>
-        <c:scaling>
-          <c:orientation val="minMax"/>
-        </c:scaling>
-        <c:delete val="0"/>
-        <c:axPos val="b"/>
-        <c:numFmt formatCode="General" sourceLinked="1"/>
-        <c:majorTickMark val="none"/>
-        <c:minorTickMark val="none"/>
-        <c:tickLblPos val="nextTo"/>
-        <c:spPr>
-          <a:noFill/>
-          <a:ln w="12700" cap="flat" cmpd="sng" algn="ctr">
-            <a:solidFill>
-              <a:schemeClr val="lt1">
-                <a:lumMod val="95000"/>
-                <a:alpha val="54000"/>
-              </a:schemeClr>
-            </a:solidFill>
-            <a:round/>
-          </a:ln>
-          <a:effectLst/>
-        </c:spPr>
-        <c:txPr>
-          <a:bodyPr rot="-60000000" spcFirstLastPara="1" vertOverflow="ellipsis" vert="horz" wrap="square" anchor="ctr" anchorCtr="1"/>
-          <a:lstStyle/>
-          <a:p>
-            <a:pPr>
-              <a:defRPr sz="1197" b="0" i="0" u="none" strike="noStrike" kern="1200" baseline="0">
-                <a:solidFill>
-                  <a:schemeClr val="lt1">
-                    <a:lumMod val="85000"/>
-                  </a:schemeClr>
-                </a:solidFill>
-                <a:latin typeface="+mn-lt"/>
-                <a:ea typeface="+mn-ea"/>
-                <a:cs typeface="+mn-cs"/>
-              </a:defRPr>
-            </a:pPr>
-            <a:endParaRPr lang="pt-BR"/>
-          </a:p>
-        </c:txPr>
-        <c:crossAx val="85051632"/>
-        <c:crosses val="autoZero"/>
-        <c:auto val="1"/>
-        <c:lblAlgn val="ctr"/>
-        <c:lblOffset val="100"/>
-        <c:noMultiLvlLbl val="0"/>
-      </c:catAx>
-      <c:valAx>
-        <c:axId val="85051632"/>
-        <c:scaling>
-          <c:orientation val="minMax"/>
-        </c:scaling>
-        <c:delete val="0"/>
-        <c:axPos val="l"/>
-        <c:majorGridlines>
-          <c:spPr>
-            <a:ln w="9525" cap="flat" cmpd="sng" algn="ctr">
-              <a:solidFill>
-                <a:schemeClr val="lt1">
-                  <a:lumMod val="95000"/>
-                  <a:alpha val="10000"/>
-                </a:schemeClr>
-              </a:solidFill>
-              <a:round/>
-            </a:ln>
-            <a:effectLst/>
-          </c:spPr>
-        </c:majorGridlines>
-        <c:numFmt formatCode="General" sourceLinked="1"/>
-        <c:majorTickMark val="none"/>
-        <c:minorTickMark val="none"/>
-        <c:tickLblPos val="nextTo"/>
-        <c:spPr>
-          <a:noFill/>
-          <a:ln>
-            <a:noFill/>
-          </a:ln>
-          <a:effectLst/>
-        </c:spPr>
-        <c:txPr>
-          <a:bodyPr rot="-60000000" spcFirstLastPara="1" vertOverflow="ellipsis" vert="horz" wrap="square" anchor="ctr" anchorCtr="1"/>
-          <a:lstStyle/>
-          <a:p>
-            <a:pPr>
-              <a:defRPr sz="1197" b="0" i="0" u="none" strike="noStrike" kern="1200" baseline="0">
-                <a:solidFill>
-                  <a:schemeClr val="lt1">
-                    <a:lumMod val="85000"/>
-                  </a:schemeClr>
-                </a:solidFill>
-                <a:latin typeface="+mn-lt"/>
-                <a:ea typeface="+mn-ea"/>
-                <a:cs typeface="+mn-cs"/>
-              </a:defRPr>
-            </a:pPr>
-            <a:endParaRPr lang="pt-BR"/>
-          </a:p>
-        </c:txPr>
-        <c:crossAx val="85051072"/>
-        <c:crosses val="autoZero"/>
-        <c:crossBetween val="between"/>
-      </c:valAx>
-      <c:spPr>
-        <a:noFill/>
-        <a:ln>
-          <a:noFill/>
-        </a:ln>
-        <a:effectLst/>
-      </c:spPr>
-    </c:plotArea>
-    <c:legend>
-      <c:legendPos val="b"/>
-      <c:layout/>
-      <c:overlay val="0"/>
-      <c:spPr>
-        <a:noFill/>
-        <a:ln>
-          <a:noFill/>
-        </a:ln>
-        <a:effectLst/>
-      </c:spPr>
-      <c:txPr>
-        <a:bodyPr rot="0" spcFirstLastPara="1" vertOverflow="ellipsis" vert="horz" wrap="square" anchor="ctr" anchorCtr="1"/>
-        <a:lstStyle/>
-        <a:p>
-          <a:pPr>
-            <a:defRPr sz="1197" b="0" i="0" u="none" strike="noStrike" kern="1200" baseline="0">
-              <a:solidFill>
-                <a:schemeClr val="lt1">
-                  <a:lumMod val="85000"/>
-                </a:schemeClr>
-              </a:solidFill>
-              <a:latin typeface="+mn-lt"/>
-              <a:ea typeface="+mn-ea"/>
-              <a:cs typeface="+mn-cs"/>
-            </a:defRPr>
-          </a:pPr>
-          <a:endParaRPr lang="pt-BR"/>
-        </a:p>
-      </c:txPr>
-    </c:legend>
-    <c:plotVisOnly val="1"/>
-    <c:dispBlanksAs val="gap"/>
-    <c:showDLblsOverMax val="0"/>
-  </c:chart>
-  <c:spPr>
-    <a:gradFill flip="none" rotWithShape="1">
-      <a:gsLst>
-        <a:gs pos="0">
-          <a:schemeClr val="dk1">
-            <a:lumMod val="65000"/>
-            <a:lumOff val="35000"/>
-          </a:schemeClr>
-        </a:gs>
-        <a:gs pos="100000">
-          <a:schemeClr val="dk1">
-            <a:lumMod val="85000"/>
-            <a:lumOff val="15000"/>
-          </a:schemeClr>
-        </a:gs>
-      </a:gsLst>
-      <a:path path="circle">
-        <a:fillToRect l="50000" t="50000" r="50000" b="50000"/>
-      </a:path>
-      <a:tileRect/>
-    </a:gradFill>
-    <a:ln>
-      <a:noFill/>
-    </a:ln>
-    <a:effectLst/>
-  </c:spPr>
-  <c:txPr>
-    <a:bodyPr/>
-    <a:lstStyle/>
-    <a:p>
-      <a:pPr>
-        <a:defRPr/>
-      </a:pPr>
-      <a:endParaRPr lang="pt-BR"/>
-    </a:p>
-  </c:txPr>
-  <c:externalData r:id="rId3">
-    <c:autoUpdate val="0"/>
-  </c:externalData>
-</c:chartSpace>
-</file>
-
-<file path=ppt/charts/colors1.xml><?xml version="1.0" encoding="utf-8"?>
-<cs:colorStyle xmlns:cs="http://schemas.microsoft.com/office/drawing/2012/chartStyle" xmlns:a="http://schemas.openxmlformats.org/drawingml/2006/main" meth="cycle" id="10">
-  <a:schemeClr val="accent1"/>
-  <a:schemeClr val="accent2"/>
-  <a:schemeClr val="accent3"/>
-  <a:schemeClr val="accent4"/>
-  <a:schemeClr val="accent5"/>
-  <a:schemeClr val="accent6"/>
-  <cs:variation/>
-  <cs:variation>
-    <a:lumMod val="60000"/>
-  </cs:variation>
-  <cs:variation>
-    <a:lumMod val="80000"/>
-    <a:lumOff val="20000"/>
-  </cs:variation>
-  <cs:variation>
-    <a:lumMod val="80000"/>
-  </cs:variation>
-  <cs:variation>
-    <a:lumMod val="60000"/>
-    <a:lumOff val="40000"/>
-  </cs:variation>
-  <cs:variation>
-    <a:lumMod val="50000"/>
-  </cs:variation>
-  <cs:variation>
-    <a:lumMod val="70000"/>
-    <a:lumOff val="30000"/>
-  </cs:variation>
-  <cs:variation>
-    <a:lumMod val="70000"/>
-  </cs:variation>
-  <cs:variation>
-    <a:lumMod val="50000"/>
-    <a:lumOff val="50000"/>
-  </cs:variation>
-</cs:colorStyle>
-</file>
-
-<file path=ppt/charts/style1.xml><?xml version="1.0" encoding="utf-8"?>
-<cs:chartStyle xmlns:cs="http://schemas.microsoft.com/office/drawing/2012/chartStyle" xmlns:a="http://schemas.openxmlformats.org/drawingml/2006/main" id="209">
-  <cs:axisTitle>
-    <cs:lnRef idx="0"/>
-    <cs:fillRef idx="0"/>
-    <cs:effectRef idx="0"/>
-    <cs:fontRef idx="minor">
-      <a:schemeClr val="lt1">
-        <a:lumMod val="85000"/>
-      </a:schemeClr>
-    </cs:fontRef>
-    <cs:defRPr sz="1197" b="1" kern="1200" cap="all"/>
-  </cs:axisTitle>
-  <cs:categoryAxis>
-    <cs:lnRef idx="0"/>
-    <cs:fillRef idx="0"/>
-    <cs:effectRef idx="0"/>
-    <cs:fontRef idx="minor">
-      <a:schemeClr val="lt1">
-        <a:lumMod val="85000"/>
-      </a:schemeClr>
-    </cs:fontRef>
-    <cs:spPr>
-      <a:ln w="12700" cap="flat" cmpd="sng" algn="ctr">
-        <a:solidFill>
-          <a:schemeClr val="lt1">
-            <a:lumMod val="95000"/>
-            <a:alpha val="54000"/>
-          </a:schemeClr>
-        </a:solidFill>
-        <a:round/>
-      </a:ln>
-    </cs:spPr>
-    <cs:defRPr sz="1197" kern="1200"/>
-  </cs:categoryAxis>
-  <cs:chartArea>
-    <cs:lnRef idx="0"/>
-    <cs:fillRef idx="0"/>
-    <cs:effectRef idx="0"/>
-    <cs:fontRef idx="minor">
-      <a:schemeClr val="dk1"/>
-    </cs:fontRef>
-    <cs:spPr>
-      <a:gradFill flip="none" rotWithShape="1">
-        <a:gsLst>
-          <a:gs pos="0">
-            <a:schemeClr val="dk1">
-              <a:lumMod val="65000"/>
-              <a:lumOff val="35000"/>
-            </a:schemeClr>
-          </a:gs>
-          <a:gs pos="100000">
-            <a:schemeClr val="dk1">
-              <a:lumMod val="85000"/>
-              <a:lumOff val="15000"/>
-            </a:schemeClr>
-          </a:gs>
-        </a:gsLst>
-        <a:path path="circle">
-          <a:fillToRect l="50000" t="50000" r="50000" b="50000"/>
-        </a:path>
-        <a:tileRect/>
-      </a:gradFill>
-    </cs:spPr>
-    <cs:defRPr sz="1330" kern="1200"/>
-  </cs:chartArea>
-  <cs:dataLabel>
-    <cs:lnRef idx="0"/>
-    <cs:fillRef idx="0"/>
-    <cs:effectRef idx="0"/>
-    <cs:fontRef idx="minor">
-      <a:schemeClr val="lt1">
-        <a:lumMod val="85000"/>
-      </a:schemeClr>
-    </cs:fontRef>
-    <cs:defRPr sz="1197" kern="1200"/>
-  </cs:dataLabel>
-  <cs:dataLabelCallout>
-    <cs:lnRef idx="0"/>
-    <cs:fillRef idx="0"/>
-    <cs:effectRef idx="0"/>
-    <cs:fontRef idx="minor">
-      <a:schemeClr val="dk1">
-        <a:lumMod val="65000"/>
-        <a:lumOff val="35000"/>
-      </a:schemeClr>
-    </cs:fontRef>
-    <cs:spPr>
-      <a:solidFill>
-        <a:schemeClr val="lt1"/>
-      </a:solidFill>
-    </cs:spPr>
-    <cs:defRPr sz="1197" kern="1200"/>
-    <cs:bodyPr rot="0" spcFirstLastPara="1" vertOverflow="clip" horzOverflow="clip" vert="horz" wrap="square" lIns="36576" tIns="18288" rIns="36576" bIns="18288" anchor="ctr" anchorCtr="1">
-      <a:spAutoFit/>
-    </cs:bodyPr>
-  </cs:dataLabelCallout>
-  <cs:dataPoint>
-    <cs:lnRef idx="0"/>
-    <cs:fillRef idx="3">
-      <cs:styleClr val="auto"/>
-    </cs:fillRef>
-    <cs:effectRef idx="3"/>
-    <cs:fontRef idx="minor">
-      <a:schemeClr val="lt1"/>
-    </cs:fontRef>
-  </cs:dataPoint>
-  <cs:dataPoint3D>
-    <cs:lnRef idx="0"/>
-    <cs:fillRef idx="3">
-      <cs:styleClr val="auto"/>
-    </cs:fillRef>
-    <cs:effectRef idx="3"/>
-    <cs:fontRef idx="minor">
-      <a:schemeClr val="lt1"/>
-    </cs:fontRef>
-  </cs:dataPoint3D>
-  <cs:dataPointLine>
-    <cs:lnRef idx="0">
-      <cs:styleClr val="auto"/>
-    </cs:lnRef>
-    <cs:fillRef idx="3"/>
-    <cs:effectRef idx="3"/>
-    <cs:fontRef idx="minor">
-      <a:schemeClr val="lt1"/>
-    </cs:fontRef>
-    <cs:spPr>
-      <a:ln w="34925" cap="rnd">
-        <a:solidFill>
-          <a:schemeClr val="phClr"/>
-        </a:solidFill>
-        <a:round/>
-      </a:ln>
-    </cs:spPr>
-  </cs:dataPointLine>
-  <cs:dataPointMarker>
-    <cs:lnRef idx="0">
-      <cs:styleClr val="auto"/>
-    </cs:lnRef>
-    <cs:fillRef idx="3">
-      <cs:styleClr val="auto"/>
-    </cs:fillRef>
-    <cs:effectRef idx="3"/>
-    <cs:fontRef idx="minor">
-      <a:schemeClr val="lt1"/>
-    </cs:fontRef>
-    <cs:spPr>
-      <a:ln w="9525">
-        <a:solidFill>
-          <a:schemeClr val="phClr"/>
-        </a:solidFill>
-        <a:round/>
-      </a:ln>
-    </cs:spPr>
-  </cs:dataPointMarker>
-  <cs:dataPointMarkerLayout symbol="circle" size="6"/>
-  <cs:dataPointWireframe>
-    <cs:lnRef idx="0">
-      <cs:styleClr val="auto"/>
-    </cs:lnRef>
-    <cs:fillRef idx="3"/>
-    <cs:effectRef idx="3"/>
-    <cs:fontRef idx="minor">
-      <a:schemeClr val="lt1"/>
-    </cs:fontRef>
-    <cs:spPr>
-      <a:ln w="9525" cap="rnd">
-        <a:solidFill>
-          <a:schemeClr val="phClr"/>
-        </a:solidFill>
-        <a:round/>
-      </a:ln>
-    </cs:spPr>
-  </cs:dataPointWireframe>
-  <cs:dataTable>
-    <cs:lnRef idx="0"/>
-    <cs:fillRef idx="0"/>
-    <cs:effectRef idx="0"/>
-    <cs:fontRef idx="minor">
-      <a:schemeClr val="lt1">
-        <a:lumMod val="85000"/>
-      </a:schemeClr>
-    </cs:fontRef>
-    <cs:spPr>
-      <a:ln w="9525">
-        <a:solidFill>
-          <a:schemeClr val="lt1">
-            <a:lumMod val="95000"/>
-            <a:alpha val="54000"/>
-          </a:schemeClr>
-        </a:solidFill>
-      </a:ln>
-    </cs:spPr>
-    <cs:defRPr sz="1197" kern="1200"/>
-  </cs:dataTable>
-  <cs:downBar>
-    <cs:lnRef idx="0"/>
-    <cs:fillRef idx="0"/>
-    <cs:effectRef idx="0"/>
-    <cs:fontRef idx="minor">
-      <a:schemeClr val="lt1"/>
-    </cs:fontRef>
-    <cs:spPr>
-      <a:solidFill>
-        <a:schemeClr val="dk1">
-          <a:lumMod val="75000"/>
-          <a:lumOff val="25000"/>
-        </a:schemeClr>
-      </a:solidFill>
-      <a:ln w="9525">
-        <a:solidFill>
-          <a:schemeClr val="lt1">
-            <a:lumMod val="95000"/>
-            <a:alpha val="54000"/>
-          </a:schemeClr>
-        </a:solidFill>
-      </a:ln>
-    </cs:spPr>
-  </cs:downBar>
-  <cs:dropLine>
-    <cs:lnRef idx="0"/>
-    <cs:fillRef idx="0"/>
-    <cs:effectRef idx="0"/>
-    <cs:fontRef idx="minor">
-      <a:schemeClr val="lt1"/>
-    </cs:fontRef>
-    <cs:spPr>
-      <a:ln w="9525">
-        <a:solidFill>
-          <a:schemeClr val="lt1">
-            <a:lumMod val="95000"/>
-            <a:alpha val="54000"/>
-          </a:schemeClr>
-        </a:solidFill>
-        <a:prstDash val="dash"/>
-      </a:ln>
-    </cs:spPr>
-  </cs:dropLine>
-  <cs:errorBar>
-    <cs:lnRef idx="0"/>
-    <cs:fillRef idx="0"/>
-    <cs:effectRef idx="0"/>
-    <cs:fontRef idx="minor">
-      <a:schemeClr val="lt1"/>
-    </cs:fontRef>
-    <cs:spPr>
-      <a:ln w="9525" cap="flat" cmpd="sng" algn="ctr">
-        <a:solidFill>
-          <a:schemeClr val="lt1">
-            <a:lumMod val="95000"/>
-          </a:schemeClr>
-        </a:solidFill>
-        <a:round/>
-      </a:ln>
-    </cs:spPr>
-  </cs:errorBar>
-  <cs:floor>
-    <cs:lnRef idx="0"/>
-    <cs:fillRef idx="0"/>
-    <cs:effectRef idx="0"/>
-    <cs:fontRef idx="minor">
-      <a:schemeClr val="lt1"/>
-    </cs:fontRef>
-  </cs:floor>
-  <cs:gridlineMajor>
-    <cs:lnRef idx="0"/>
-    <cs:fillRef idx="0"/>
-    <cs:effectRef idx="0"/>
-    <cs:fontRef idx="minor">
-      <a:schemeClr val="lt1"/>
-    </cs:fontRef>
-    <cs:spPr>
-      <a:ln w="9525" cap="flat" cmpd="sng" algn="ctr">
-        <a:solidFill>
-          <a:schemeClr val="lt1">
-            <a:lumMod val="95000"/>
-            <a:alpha val="10000"/>
-          </a:schemeClr>
-        </a:solidFill>
-        <a:round/>
-      </a:ln>
-    </cs:spPr>
-  </cs:gridlineMajor>
-  <cs:gridlineMinor>
-    <cs:lnRef idx="0"/>
-    <cs:fillRef idx="0"/>
-    <cs:effectRef idx="0"/>
-    <cs:fontRef idx="minor">
-      <a:schemeClr val="lt1"/>
-    </cs:fontRef>
-    <cs:spPr>
-      <a:ln>
-        <a:solidFill>
-          <a:schemeClr val="lt1">
-            <a:lumMod val="95000"/>
-            <a:alpha val="5000"/>
-          </a:schemeClr>
-        </a:solidFill>
-      </a:ln>
-    </cs:spPr>
-  </cs:gridlineMinor>
-  <cs:hiLoLine>
-    <cs:lnRef idx="0"/>
-    <cs:fillRef idx="0"/>
-    <cs:effectRef idx="0"/>
-    <cs:fontRef idx="minor">
-      <a:schemeClr val="lt1"/>
-    </cs:fontRef>
-    <cs:spPr>
-      <a:ln w="9525">
-        <a:solidFill>
-          <a:schemeClr val="lt1">
-            <a:lumMod val="95000"/>
-            <a:alpha val="54000"/>
-          </a:schemeClr>
-        </a:solidFill>
-        <a:prstDash val="dash"/>
-      </a:ln>
-    </cs:spPr>
-  </cs:hiLoLine>
-  <cs:leaderLine>
-    <cs:lnRef idx="0"/>
-    <cs:fillRef idx="0"/>
-    <cs:effectRef idx="0"/>
-    <cs:fontRef idx="minor">
-      <a:schemeClr val="lt1"/>
-    </cs:fontRef>
-    <cs:spPr>
-      <a:ln w="9525">
-        <a:solidFill>
-          <a:schemeClr val="lt1">
-            <a:lumMod val="95000"/>
-            <a:alpha val="54000"/>
-          </a:schemeClr>
-        </a:solidFill>
-      </a:ln>
-    </cs:spPr>
-  </cs:leaderLine>
-  <cs:legend>
-    <cs:lnRef idx="0"/>
-    <cs:fillRef idx="0"/>
-    <cs:effectRef idx="0"/>
-    <cs:fontRef idx="minor">
-      <a:schemeClr val="lt1">
-        <a:lumMod val="85000"/>
-      </a:schemeClr>
-    </cs:fontRef>
-    <cs:defRPr sz="1197" kern="1200"/>
-  </cs:legend>
-  <cs:plotArea>
-    <cs:lnRef idx="0"/>
-    <cs:fillRef idx="0"/>
-    <cs:effectRef idx="0"/>
-    <cs:fontRef idx="minor">
-      <a:schemeClr val="lt1"/>
-    </cs:fontRef>
-  </cs:plotArea>
-  <cs:plotArea3D>
-    <cs:lnRef idx="0"/>
-    <cs:fillRef idx="0"/>
-    <cs:effectRef idx="0"/>
-    <cs:fontRef idx="minor">
-      <a:schemeClr val="lt1"/>
-    </cs:fontRef>
-  </cs:plotArea3D>
-  <cs:seriesAxis>
-    <cs:lnRef idx="0"/>
-    <cs:fillRef idx="0"/>
-    <cs:effectRef idx="0"/>
-    <cs:fontRef idx="minor">
-      <a:schemeClr val="lt1">
-        <a:lumMod val="85000"/>
-      </a:schemeClr>
-    </cs:fontRef>
-    <cs:spPr>
-      <a:ln w="12700" cap="flat" cmpd="sng" algn="ctr">
-        <a:solidFill>
-          <a:schemeClr val="lt1">
-            <a:lumMod val="95000"/>
-            <a:alpha val="54000"/>
-          </a:schemeClr>
-        </a:solidFill>
-        <a:round/>
-      </a:ln>
-    </cs:spPr>
-    <cs:defRPr sz="1197" kern="1200"/>
-  </cs:seriesAxis>
-  <cs:seriesLine>
-    <cs:lnRef idx="0"/>
-    <cs:fillRef idx="0"/>
-    <cs:effectRef idx="0"/>
-    <cs:fontRef idx="minor">
-      <a:schemeClr val="lt1"/>
-    </cs:fontRef>
-    <cs:spPr>
-      <a:ln w="9525" cap="flat" cmpd="sng" algn="ctr">
-        <a:solidFill>
-          <a:schemeClr val="lt1">
-            <a:lumMod val="95000"/>
-            <a:alpha val="54000"/>
-          </a:schemeClr>
-        </a:solidFill>
-        <a:round/>
-      </a:ln>
-    </cs:spPr>
-  </cs:seriesLine>
-  <cs:title>
-    <cs:lnRef idx="0"/>
-    <cs:fillRef idx="0"/>
-    <cs:effectRef idx="0"/>
-    <cs:fontRef idx="minor">
-      <a:schemeClr val="lt1">
-        <a:lumMod val="95000"/>
-      </a:schemeClr>
-    </cs:fontRef>
-    <cs:defRPr sz="2128" b="1" kern="1200" spc="100" baseline="0">
-      <a:effectLst>
-        <a:outerShdw blurRad="50800" dist="38100" dir="5400000" algn="t" rotWithShape="0">
-          <a:prstClr val="black">
-            <a:alpha val="40000"/>
-          </a:prstClr>
-        </a:outerShdw>
-      </a:effectLst>
-    </cs:defRPr>
-  </cs:title>
-  <cs:trendline>
-    <cs:lnRef idx="0">
-      <cs:styleClr val="auto"/>
-    </cs:lnRef>
-    <cs:fillRef idx="0"/>
-    <cs:effectRef idx="0"/>
-    <cs:fontRef idx="minor">
-      <a:schemeClr val="lt1"/>
-    </cs:fontRef>
-    <cs:spPr>
-      <a:ln w="19050" cap="rnd">
-        <a:solidFill>
-          <a:schemeClr val="phClr"/>
-        </a:solidFill>
-      </a:ln>
-    </cs:spPr>
-  </cs:trendline>
-  <cs:trendlineLabel>
-    <cs:lnRef idx="0"/>
-    <cs:fillRef idx="0"/>
-    <cs:effectRef idx="0"/>
-    <cs:fontRef idx="minor">
-      <a:schemeClr val="lt1">
-        <a:lumMod val="85000"/>
-      </a:schemeClr>
-    </cs:fontRef>
-    <cs:defRPr sz="1197" kern="1200"/>
-  </cs:trendlineLabel>
-  <cs:upBar>
-    <cs:lnRef idx="0"/>
-    <cs:fillRef idx="0"/>
-    <cs:effectRef idx="0"/>
-    <cs:fontRef idx="minor">
-      <a:schemeClr val="lt1"/>
-    </cs:fontRef>
-    <cs:spPr>
-      <a:solidFill>
-        <a:schemeClr val="lt1"/>
-      </a:solidFill>
-      <a:ln w="9525">
-        <a:solidFill>
-          <a:schemeClr val="lt1">
-            <a:lumMod val="95000"/>
-            <a:alpha val="54000"/>
-          </a:schemeClr>
-        </a:solidFill>
-      </a:ln>
-    </cs:spPr>
-  </cs:upBar>
-  <cs:valueAxis>
-    <cs:lnRef idx="0"/>
-    <cs:fillRef idx="0"/>
-    <cs:effectRef idx="0"/>
-    <cs:fontRef idx="minor">
-      <a:schemeClr val="lt1">
-        <a:lumMod val="85000"/>
-      </a:schemeClr>
-    </cs:fontRef>
-    <cs:defRPr sz="1197" kern="1200"/>
-  </cs:valueAxis>
-  <cs:wall>
-    <cs:lnRef idx="0"/>
-    <cs:fillRef idx="0"/>
-    <cs:effectRef idx="0"/>
-    <cs:fontRef idx="minor">
-      <a:schemeClr val="lt1"/>
-    </cs:fontRef>
-  </cs:wall>
-</cs:chartStyle>
 </file>
 
 <file path=ppt/diagrams/colors1.xml><?xml version="1.0" encoding="utf-8"?>
@@ -2487,13 +1423,6 @@
         </dgm:presLayoutVars>
       </dgm:prSet>
       <dgm:spPr/>
-      <dgm:t>
-        <a:bodyPr/>
-        <a:lstStyle/>
-        <a:p>
-          <a:endParaRPr lang="pt-BR"/>
-        </a:p>
-      </dgm:t>
     </dgm:pt>
     <dgm:pt modelId="{705DFC51-4C30-4A07-9F0C-6EB770961C6F}" type="pres">
       <dgm:prSet presAssocID="{6CFF1BD9-AE1F-4488-8B72-01186EADA6FF}" presName="parTxOnlySpace" presStyleCnt="0"/>
@@ -2508,13 +1437,6 @@
         </dgm:presLayoutVars>
       </dgm:prSet>
       <dgm:spPr/>
-      <dgm:t>
-        <a:bodyPr/>
-        <a:lstStyle/>
-        <a:p>
-          <a:endParaRPr lang="pt-BR"/>
-        </a:p>
-      </dgm:t>
     </dgm:pt>
     <dgm:pt modelId="{01C6BCDE-530E-4D03-9CF5-9AB36CDC1FE1}" type="pres">
       <dgm:prSet presAssocID="{E1826C46-15A2-4345-B986-53D05F21F155}" presName="parTxOnlySpace" presStyleCnt="0"/>
@@ -2529,13 +1451,6 @@
         </dgm:presLayoutVars>
       </dgm:prSet>
       <dgm:spPr/>
-      <dgm:t>
-        <a:bodyPr/>
-        <a:lstStyle/>
-        <a:p>
-          <a:endParaRPr lang="pt-BR"/>
-        </a:p>
-      </dgm:t>
     </dgm:pt>
     <dgm:pt modelId="{8CB78EC1-7B74-4B6E-94C6-5F808A049A1F}" type="pres">
       <dgm:prSet presAssocID="{B6438016-7365-4FC0-A372-D90585B4B6EE}" presName="parTxOnlySpace" presStyleCnt="0"/>
@@ -2550,13 +1465,6 @@
         </dgm:presLayoutVars>
       </dgm:prSet>
       <dgm:spPr/>
-      <dgm:t>
-        <a:bodyPr/>
-        <a:lstStyle/>
-        <a:p>
-          <a:endParaRPr lang="pt-BR"/>
-        </a:p>
-      </dgm:t>
     </dgm:pt>
   </dgm:ptLst>
   <dgm:cxnLst>
@@ -2671,7 +1579,7 @@
         </a:bodyPr>
         <a:lstStyle/>
         <a:p>
-          <a:pPr lvl="0" algn="l" defTabSz="914400">
+          <a:pPr marL="0" lvl="0" indent="0" algn="l" defTabSz="914400">
             <a:lnSpc>
               <a:spcPct val="90000"/>
             </a:lnSpc>
@@ -2803,7 +1711,7 @@
         </a:bodyPr>
         <a:lstStyle/>
         <a:p>
-          <a:pPr lvl="0" algn="l" defTabSz="914400">
+          <a:pPr marL="0" lvl="0" indent="0" algn="l" defTabSz="914400">
             <a:lnSpc>
               <a:spcPct val="90000"/>
             </a:lnSpc>
@@ -2959,7 +1867,7 @@
         </a:bodyPr>
         <a:lstStyle/>
         <a:p>
-          <a:pPr lvl="0" algn="l" defTabSz="914400">
+          <a:pPr marL="0" lvl="0" indent="0" algn="l" defTabSz="914400">
             <a:lnSpc>
               <a:spcPct val="90000"/>
             </a:lnSpc>
@@ -3115,7 +2023,7 @@
         </a:bodyPr>
         <a:lstStyle/>
         <a:p>
-          <a:pPr lvl="0" algn="l" defTabSz="914400">
+          <a:pPr marL="0" lvl="0" indent="0" algn="l" defTabSz="914400">
             <a:lnSpc>
               <a:spcPct val="90000"/>
             </a:lnSpc>
@@ -4566,7 +3474,7 @@
           <a:p>
             <a:fld id="{D63D5444-F62C-42C3-A75A-D9DBA807730F}" type="datetimeFigureOut">
               <a:rPr lang="pt-BR" smtClean="0"/>
-              <a:t>05/12/2016</a:t>
+              <a:t>11/12/2016</a:t>
             </a:fld>
             <a:endParaRPr lang="pt-BR" dirty="0"/>
           </a:p>
@@ -4731,7 +3639,7 @@
           <a:p>
             <a:fld id="{12CAA1FA-7B6A-47D2-8D61-F225D71B51FF}" type="datetimeFigureOut">
               <a:rPr lang="pt-BR" smtClean="0"/>
-              <a:t>05/12/2016</a:t>
+              <a:t>11/12/2016</a:t>
             </a:fld>
             <a:endParaRPr lang="pt-BR" dirty="0"/>
           </a:p>
@@ -5571,7 +4479,7 @@
           <a:p>
             <a:fld id="{A79A3335-6331-4872-A8B7-ECD55539F4D0}" type="datetimeFigureOut">
               <a:rPr lang="pt-BR" smtClean="0"/>
-              <a:t>05/12/2016</a:t>
+              <a:t>11/12/2016</a:t>
             </a:fld>
             <a:endParaRPr lang="pt-BR" dirty="0"/>
           </a:p>
@@ -5830,7 +4738,7 @@
           <a:p>
             <a:fld id="{A79A3335-6331-4872-A8B7-ECD55539F4D0}" type="datetimeFigureOut">
               <a:rPr lang="pt-BR" smtClean="0"/>
-              <a:t>05/12/2016</a:t>
+              <a:t>11/12/2016</a:t>
             </a:fld>
             <a:endParaRPr lang="pt-BR" dirty="0"/>
           </a:p>
@@ -6358,7 +5266,7 @@
           <a:p>
             <a:fld id="{A79A3335-6331-4872-A8B7-ECD55539F4D0}" type="datetimeFigureOut">
               <a:rPr lang="pt-BR" smtClean="0"/>
-              <a:t>05/12/2016</a:t>
+              <a:t>11/12/2016</a:t>
             </a:fld>
             <a:endParaRPr lang="pt-BR" dirty="0"/>
           </a:p>
@@ -6690,7 +5598,7 @@
           <a:p>
             <a:fld id="{A79A3335-6331-4872-A8B7-ECD55539F4D0}" type="datetimeFigureOut">
               <a:rPr lang="pt-BR" smtClean="0"/>
-              <a:t>05/12/2016</a:t>
+              <a:t>11/12/2016</a:t>
             </a:fld>
             <a:endParaRPr lang="pt-BR" dirty="0"/>
           </a:p>
@@ -6872,7 +5780,7 @@
           <a:p>
             <a:fld id="{A79A3335-6331-4872-A8B7-ECD55539F4D0}" type="datetimeFigureOut">
               <a:rPr lang="pt-BR" smtClean="0"/>
-              <a:t>05/12/2016</a:t>
+              <a:t>11/12/2016</a:t>
             </a:fld>
             <a:endParaRPr lang="pt-BR" dirty="0"/>
           </a:p>
@@ -8110,7 +7018,7 @@
           <a:p>
             <a:fld id="{A79A3335-6331-4872-A8B7-ECD55539F4D0}" type="datetimeFigureOut">
               <a:rPr lang="pt-BR" smtClean="0"/>
-              <a:t>05/12/2016</a:t>
+              <a:t>11/12/2016</a:t>
             </a:fld>
             <a:endParaRPr lang="pt-BR" dirty="0"/>
           </a:p>
@@ -8493,7 +7401,7 @@
           <a:p>
             <a:fld id="{A79A3335-6331-4872-A8B7-ECD55539F4D0}" type="datetimeFigureOut">
               <a:rPr lang="pt-BR" smtClean="0"/>
-              <a:t>05/12/2016</a:t>
+              <a:t>11/12/2016</a:t>
             </a:fld>
             <a:endParaRPr lang="pt-BR" dirty="0"/>
           </a:p>
@@ -8623,7 +7531,7 @@
           <a:p>
             <a:fld id="{A79A3335-6331-4872-A8B7-ECD55539F4D0}" type="datetimeFigureOut">
               <a:rPr lang="pt-BR" smtClean="0"/>
-              <a:t>05/12/2016</a:t>
+              <a:t>11/12/2016</a:t>
             </a:fld>
             <a:endParaRPr lang="pt-BR" dirty="0"/>
           </a:p>
@@ -8730,7 +7638,7 @@
           <a:p>
             <a:fld id="{A79A3335-6331-4872-A8B7-ECD55539F4D0}" type="datetimeFigureOut">
               <a:rPr lang="pt-BR" smtClean="0"/>
-              <a:t>05/12/2016</a:t>
+              <a:t>11/12/2016</a:t>
             </a:fld>
             <a:endParaRPr lang="pt-BR" dirty="0"/>
           </a:p>
@@ -9021,7 +7929,7 @@
           <a:p>
             <a:fld id="{A79A3335-6331-4872-A8B7-ECD55539F4D0}" type="datetimeFigureOut">
               <a:rPr lang="pt-BR" smtClean="0"/>
-              <a:t>05/12/2016</a:t>
+              <a:t>11/12/2016</a:t>
             </a:fld>
             <a:endParaRPr lang="pt-BR" dirty="0"/>
           </a:p>
@@ -9383,7 +8291,7 @@
             <a:fld id="{A79A3335-6331-4872-A8B7-ECD55539F4D0}" type="datetimeFigureOut">
               <a:rPr lang="pt-BR" smtClean="0"/>
               <a:pPr/>
-              <a:t>05/12/2016</a:t>
+              <a:t>11/12/2016</a:t>
             </a:fld>
             <a:endParaRPr lang="pt-BR" dirty="0"/>
           </a:p>
@@ -9940,19 +8848,6 @@
               <a:buNone/>
               <a:tabLst/>
             </a:pPr>
-            <a:r>
-              <a:rPr kumimoji="0" lang="pt-BR" altLang="pt-BR" sz="1800" b="0" i="0" u="none" strike="noStrike" cap="none" normalizeH="0" baseline="0">
-                <a:ln>
-                  <a:noFill/>
-                </a:ln>
-                <a:solidFill>
-                  <a:schemeClr val="tx1"/>
-                </a:solidFill>
-                <a:effectLst/>
-                <a:latin typeface="Arial" panose="020B0604020202020204" pitchFamily="34" charset="0"/>
-              </a:rPr>
-              <a:t/>
-            </a:r>
             <a:br>
               <a:rPr kumimoji="0" lang="pt-BR" altLang="pt-BR" sz="1800" b="0" i="0" u="none" strike="noStrike" cap="none" normalizeH="0" baseline="0">
                 <a:ln>
@@ -10029,13 +8924,6 @@
       </p:transition>
     </mc:Fallback>
   </mc:AlternateContent>
-  <p:timing>
-    <p:tnLst>
-      <p:par>
-        <p:cTn id="1" dur="indefinite" restart="never" nodeType="tmRoot"/>
-      </p:par>
-    </p:tnLst>
-  </p:timing>
 </p:sld>
 </file>
 
@@ -10297,13 +9185,6 @@
       </p:transition>
     </mc:Fallback>
   </mc:AlternateContent>
-  <p:timing>
-    <p:tnLst>
-      <p:par>
-        <p:cTn id="1" dur="indefinite" restart="never" nodeType="tmRoot"/>
-      </p:par>
-    </p:tnLst>
-  </p:timing>
 </p:sld>
 </file>
 
@@ -10565,13 +9446,6 @@
       </p:transition>
     </mc:Fallback>
   </mc:AlternateContent>
-  <p:timing>
-    <p:tnLst>
-      <p:par>
-        <p:cTn id="1" dur="indefinite" restart="never" nodeType="tmRoot"/>
-      </p:par>
-    </p:tnLst>
-  </p:timing>
 </p:sld>
 </file>
 
@@ -10825,13 +9699,6 @@
       </p:transition>
     </mc:Fallback>
   </mc:AlternateContent>
-  <p:timing>
-    <p:tnLst>
-      <p:par>
-        <p:cTn id="1" dur="indefinite" restart="never" nodeType="tmRoot"/>
-      </p:par>
-    </p:tnLst>
-  </p:timing>
 </p:sld>
 </file>
 
@@ -10864,190 +9731,6 @@
         </p:nvSpPr>
         <p:spPr/>
         <p:txBody>
-          <a:bodyPr/>
-          <a:lstStyle/>
-          <a:p>
-            <a:r>
-              <a:rPr lang="pt-BR" dirty="0"/>
-              <a:t>Desenvolvimento</a:t>
-            </a:r>
-          </a:p>
-        </p:txBody>
-      </p:sp>
-      <p:pic>
-        <p:nvPicPr>
-          <p:cNvPr id="6" name="Imagem 5"/>
-          <p:cNvPicPr>
-            <a:picLocks noChangeAspect="1"/>
-          </p:cNvPicPr>
-          <p:nvPr/>
-        </p:nvPicPr>
-        <p:blipFill>
-          <a:blip r:embed="rId2"/>
-          <a:stretch>
-            <a:fillRect/>
-          </a:stretch>
-        </p:blipFill>
-        <p:spPr>
-          <a:xfrm rot="614203">
-            <a:off x="7584384" y="1662709"/>
-            <a:ext cx="3494433" cy="4923974"/>
-          </a:xfrm>
-          <a:prstGeom prst="rect">
-            <a:avLst/>
-          </a:prstGeom>
-        </p:spPr>
-      </p:pic>
-      <p:pic>
-        <p:nvPicPr>
-          <p:cNvPr id="7" name="Imagem 6"/>
-          <p:cNvPicPr>
-            <a:picLocks noChangeAspect="1"/>
-          </p:cNvPicPr>
-          <p:nvPr/>
-        </p:nvPicPr>
-        <p:blipFill>
-          <a:blip r:embed="rId3"/>
-          <a:stretch>
-            <a:fillRect/>
-          </a:stretch>
-        </p:blipFill>
-        <p:spPr>
-          <a:xfrm rot="21405079">
-            <a:off x="5010458" y="1576219"/>
-            <a:ext cx="3463834" cy="4901439"/>
-          </a:xfrm>
-          <a:prstGeom prst="rect">
-            <a:avLst/>
-          </a:prstGeom>
-        </p:spPr>
-      </p:pic>
-      <p:pic>
-        <p:nvPicPr>
-          <p:cNvPr id="8" name="Imagem 7"/>
-          <p:cNvPicPr>
-            <a:picLocks noChangeAspect="1"/>
-          </p:cNvPicPr>
-          <p:nvPr/>
-        </p:nvPicPr>
-        <p:blipFill>
-          <a:blip r:embed="rId4"/>
-          <a:stretch>
-            <a:fillRect/>
-          </a:stretch>
-        </p:blipFill>
-        <p:spPr>
-          <a:xfrm rot="20721401">
-            <a:off x="2953949" y="1367283"/>
-            <a:ext cx="3501473" cy="5131469"/>
-          </a:xfrm>
-          <a:prstGeom prst="rect">
-            <a:avLst/>
-          </a:prstGeom>
-        </p:spPr>
-      </p:pic>
-      <p:sp>
-        <p:nvSpPr>
-          <p:cNvPr id="9" name="CaixaDeTexto 8"/>
-          <p:cNvSpPr txBox="1"/>
-          <p:nvPr/>
-        </p:nvSpPr>
-        <p:spPr>
-          <a:xfrm>
-            <a:off x="423367" y="2044884"/>
-            <a:ext cx="2346337" cy="3785652"/>
-          </a:xfrm>
-          <a:prstGeom prst="rect">
-            <a:avLst/>
-          </a:prstGeom>
-          <a:noFill/>
-        </p:spPr>
-        <p:txBody>
-          <a:bodyPr wrap="square" rtlCol="0">
-            <a:spAutoFit/>
-          </a:bodyPr>
-          <a:lstStyle/>
-          <a:p>
-            <a:r>
-              <a:rPr lang="pt-BR" sz="4000" dirty="0"/>
-              <a:t>Alguns dos Artigos </a:t>
-            </a:r>
-          </a:p>
-          <a:p>
-            <a:r>
-              <a:rPr lang="pt-BR" sz="4000" dirty="0"/>
-              <a:t>usados no </a:t>
-            </a:r>
-          </a:p>
-          <a:p>
-            <a:r>
-              <a:rPr lang="pt-BR" sz="4000" dirty="0"/>
-              <a:t>o projeto</a:t>
-            </a:r>
-          </a:p>
-        </p:txBody>
-      </p:sp>
-    </p:spTree>
-    <p:extLst>
-      <p:ext uri="{BB962C8B-B14F-4D97-AF65-F5344CB8AC3E}">
-        <p14:creationId xmlns:p14="http://schemas.microsoft.com/office/powerpoint/2010/main" val="4293762998"/>
-      </p:ext>
-    </p:extLst>
-  </p:cSld>
-  <p:clrMapOvr>
-    <a:masterClrMapping/>
-  </p:clrMapOvr>
-  <mc:AlternateContent xmlns:mc="http://schemas.openxmlformats.org/markup-compatibility/2006" xmlns:p14="http://schemas.microsoft.com/office/powerpoint/2010/main">
-    <mc:Choice Requires="p14">
-      <p:transition spd="med" p14:dur="700">
-        <p:fade/>
-      </p:transition>
-    </mc:Choice>
-    <mc:Fallback xmlns="">
-      <p:transition spd="med">
-        <p:fade/>
-      </p:transition>
-    </mc:Fallback>
-  </mc:AlternateContent>
-  <p:timing>
-    <p:tnLst>
-      <p:par>
-        <p:cTn id="1" dur="indefinite" restart="never" nodeType="tmRoot"/>
-      </p:par>
-    </p:tnLst>
-  </p:timing>
-</p:sld>
-</file>
-
-<file path=ppt/slides/slide14.xml><?xml version="1.0" encoding="utf-8"?>
-<p:sld xmlns:a="http://schemas.openxmlformats.org/drawingml/2006/main" xmlns:r="http://schemas.openxmlformats.org/officeDocument/2006/relationships" xmlns:p="http://schemas.openxmlformats.org/presentationml/2006/main">
-  <p:cSld>
-    <p:spTree>
-      <p:nvGrpSpPr>
-        <p:cNvPr id="1" name=""/>
-        <p:cNvGrpSpPr/>
-        <p:nvPr/>
-      </p:nvGrpSpPr>
-      <p:grpSpPr>
-        <a:xfrm>
-          <a:off x="0" y="0"/>
-          <a:ext cx="0" cy="0"/>
-          <a:chOff x="0" y="0"/>
-          <a:chExt cx="0" cy="0"/>
-        </a:xfrm>
-      </p:grpSpPr>
-      <p:sp>
-        <p:nvSpPr>
-          <p:cNvPr id="2" name="Título 1"/>
-          <p:cNvSpPr>
-            <a:spLocks noGrp="1"/>
-          </p:cNvSpPr>
-          <p:nvPr>
-            <p:ph type="title"/>
-          </p:nvPr>
-        </p:nvSpPr>
-        <p:spPr/>
-        <p:txBody>
           <a:bodyPr>
             <a:normAutofit/>
           </a:bodyPr>
@@ -11107,27 +9790,8 @@
                 <a:ea typeface="+mn-ea"/>
                 <a:cs typeface="+mn-cs"/>
               </a:rPr>
-              <a:t>Utilização do cenário modelado em </a:t>
+              <a:t>Utilização do cenário modelado em conhecimento e logica Difusa:</a:t>
             </a:r>
-            <a:r>
-              <a:rPr lang="pt-BR" sz="2400" b="0" i="0" dirty="0" smtClean="0">
-                <a:solidFill>
-                  <a:srgbClr val="595959"/>
-                </a:solidFill>
-                <a:latin typeface="Book Antiqua"/>
-                <a:ea typeface="+mn-ea"/>
-                <a:cs typeface="+mn-cs"/>
-              </a:rPr>
-              <a:t>conhecimento e logica Difusa:</a:t>
-            </a:r>
-            <a:endParaRPr lang="pt-BR" sz="2400" b="0" i="0" dirty="0">
-              <a:solidFill>
-                <a:srgbClr val="595959"/>
-              </a:solidFill>
-              <a:latin typeface="Book Antiqua"/>
-              <a:ea typeface="+mn-ea"/>
-              <a:cs typeface="+mn-cs"/>
-            </a:endParaRPr>
           </a:p>
           <a:p>
             <a:pPr lvl="1">
@@ -11258,23 +9922,8 @@
                 </a:solidFill>
                 <a:latin typeface="Book Antiqua"/>
               </a:rPr>
-              <a:t>O sistema precisa considerar o tempo </a:t>
+              <a:t>O sistema precisa considerar o tempo de entrada do carro,  </a:t>
             </a:r>
-            <a:r>
-              <a:rPr lang="pt-BR" dirty="0" smtClean="0">
-                <a:solidFill>
-                  <a:srgbClr val="595959"/>
-                </a:solidFill>
-                <a:latin typeface="Book Antiqua"/>
-              </a:rPr>
-              <a:t>de entrada do carro,  </a:t>
-            </a:r>
-            <a:endParaRPr lang="pt-BR" dirty="0">
-              <a:solidFill>
-                <a:srgbClr val="595959"/>
-              </a:solidFill>
-              <a:latin typeface="Book Antiqua"/>
-            </a:endParaRPr>
           </a:p>
         </p:txBody>
       </p:sp>
@@ -11300,17 +9949,10 @@
       </p:transition>
     </mc:Fallback>
   </mc:AlternateContent>
-  <p:timing>
-    <p:tnLst>
-      <p:par>
-        <p:cTn id="1" dur="indefinite" restart="never" nodeType="tmRoot"/>
-      </p:par>
-    </p:tnLst>
-  </p:timing>
 </p:sld>
 </file>
 
-<file path=ppt/slides/slide15.xml><?xml version="1.0" encoding="utf-8"?>
+<file path=ppt/slides/slide14.xml><?xml version="1.0" encoding="utf-8"?>
 <p:sld xmlns:a="http://schemas.openxmlformats.org/drawingml/2006/main" xmlns:r="http://schemas.openxmlformats.org/officeDocument/2006/relationships" xmlns:p="http://schemas.openxmlformats.org/presentationml/2006/main">
   <p:cSld>
     <p:spTree>
@@ -11382,13 +10024,92 @@
       </p:transition>
     </mc:Fallback>
   </mc:AlternateContent>
-  <p:timing>
-    <p:tnLst>
-      <p:par>
-        <p:cTn id="1" dur="indefinite" restart="never" nodeType="tmRoot"/>
-      </p:par>
-    </p:tnLst>
-  </p:timing>
+</p:sld>
+</file>
+
+<file path=ppt/slides/slide15.xml><?xml version="1.0" encoding="utf-8"?>
+<p:sld xmlns:a="http://schemas.openxmlformats.org/drawingml/2006/main" xmlns:r="http://schemas.openxmlformats.org/officeDocument/2006/relationships" xmlns:p="http://schemas.openxmlformats.org/presentationml/2006/main">
+  <p:cSld>
+    <p:spTree>
+      <p:nvGrpSpPr>
+        <p:cNvPr id="1" name=""/>
+        <p:cNvGrpSpPr/>
+        <p:nvPr/>
+      </p:nvGrpSpPr>
+      <p:grpSpPr>
+        <a:xfrm>
+          <a:off x="0" y="0"/>
+          <a:ext cx="0" cy="0"/>
+          <a:chOff x="0" y="0"/>
+          <a:chExt cx="0" cy="0"/>
+        </a:xfrm>
+      </p:grpSpPr>
+      <p:sp>
+        <p:nvSpPr>
+          <p:cNvPr id="2" name="Título 1"/>
+          <p:cNvSpPr>
+            <a:spLocks noGrp="1"/>
+          </p:cNvSpPr>
+          <p:nvPr>
+            <p:ph type="title"/>
+          </p:nvPr>
+        </p:nvSpPr>
+        <p:spPr/>
+        <p:txBody>
+          <a:bodyPr/>
+          <a:lstStyle/>
+          <a:p>
+            <a:r>
+              <a:rPr lang="pt-BR" dirty="0"/>
+              <a:t>Conclusão</a:t>
+            </a:r>
+          </a:p>
+        </p:txBody>
+      </p:sp>
+      <p:sp>
+        <p:nvSpPr>
+          <p:cNvPr id="3" name="Espaço Reservado para Texto 2"/>
+          <p:cNvSpPr>
+            <a:spLocks noGrp="1"/>
+          </p:cNvSpPr>
+          <p:nvPr>
+            <p:ph type="body" idx="1"/>
+          </p:nvPr>
+        </p:nvSpPr>
+        <p:spPr/>
+        <p:txBody>
+          <a:bodyPr/>
+          <a:lstStyle/>
+          <a:p>
+            <a:r>
+              <a:rPr lang="pt-BR" dirty="0"/>
+              <a:t>Quais os resultados obtidos pela pesquisa</a:t>
+            </a:r>
+          </a:p>
+        </p:txBody>
+      </p:sp>
+    </p:spTree>
+    <p:extLst>
+      <p:ext uri="{BB962C8B-B14F-4D97-AF65-F5344CB8AC3E}">
+        <p14:creationId xmlns:p14="http://schemas.microsoft.com/office/powerpoint/2010/main" val="3374778722"/>
+      </p:ext>
+    </p:extLst>
+  </p:cSld>
+  <p:clrMapOvr>
+    <a:masterClrMapping/>
+  </p:clrMapOvr>
+  <mc:AlternateContent xmlns:mc="http://schemas.openxmlformats.org/markup-compatibility/2006" xmlns:p14="http://schemas.microsoft.com/office/powerpoint/2010/main">
+    <mc:Choice Requires="p14">
+      <p:transition spd="med" p14:dur="700">
+        <p:fade/>
+      </p:transition>
+    </mc:Choice>
+    <mc:Fallback xmlns="">
+      <p:transition spd="med">
+        <p:fade/>
+      </p:transition>
+    </mc:Fallback>
+  </mc:AlternateContent>
 </p:sld>
 </file>
 
@@ -11421,44 +10142,1929 @@
         </p:nvSpPr>
         <p:spPr/>
         <p:txBody>
-          <a:bodyPr/>
+          <a:bodyPr>
+            <a:normAutofit/>
+          </a:bodyPr>
           <a:lstStyle/>
           <a:p>
+            <a:pPr algn="l" defTabSz="914400">
+              <a:spcBef>
+                <a:spcPts val="0"/>
+              </a:spcBef>
+              <a:buNone/>
+            </a:pPr>
             <a:r>
-              <a:rPr lang="pt-BR" dirty="0" smtClean="0"/>
-              <a:t>Conclusão</a:t>
+              <a:rPr lang="pt-BR" sz="3200" b="0" i="0" dirty="0" err="1">
+                <a:solidFill>
+                  <a:schemeClr val="bg1"/>
+                </a:solidFill>
+                <a:latin typeface="Book Antiqua"/>
+                <a:ea typeface="+mj-ea"/>
+                <a:cs typeface="+mj-cs"/>
+              </a:rPr>
+              <a:t>Recaptulação</a:t>
             </a:r>
-            <a:endParaRPr lang="pt-BR" dirty="0"/>
+            <a:endParaRPr lang="pt-BR" sz="3200" b="0" i="0" dirty="0">
+              <a:solidFill>
+                <a:schemeClr val="bg1"/>
+              </a:solidFill>
+              <a:latin typeface="Book Antiqua"/>
+              <a:ea typeface="+mj-ea"/>
+              <a:cs typeface="+mj-cs"/>
+            </a:endParaRPr>
           </a:p>
         </p:txBody>
       </p:sp>
+      <p:graphicFrame>
+        <p:nvGraphicFramePr>
+          <p:cNvPr id="4" name="Espaço Reservado para Conteúdo 3"/>
+          <p:cNvGraphicFramePr>
+            <a:graphicFrameLocks noGrp="1"/>
+          </p:cNvGraphicFramePr>
+          <p:nvPr>
+            <p:ph idx="1"/>
+            <p:extLst>
+              <p:ext uri="{D42A27DB-BD31-4B8C-83A1-F6EECF244321}">
+                <p14:modId xmlns:p14="http://schemas.microsoft.com/office/powerpoint/2010/main" val="3532452236"/>
+              </p:ext>
+            </p:extLst>
+          </p:nvPr>
+        </p:nvGraphicFramePr>
+        <p:xfrm>
+          <a:off x="7252251" y="1853232"/>
+          <a:ext cx="3644349" cy="2642983"/>
+        </p:xfrm>
+        <a:graphic>
+          <a:graphicData uri="http://schemas.openxmlformats.org/drawingml/2006/table">
+            <a:tbl>
+              <a:tblPr firstRow="1" firstCol="1" bandRow="1">
+                <a:tableStyleId>{5C22544A-7EE6-4342-B048-85BDC9FD1C3A}</a:tableStyleId>
+              </a:tblPr>
+              <a:tblGrid>
+                <a:gridCol w="1706218">
+                  <a:extLst>
+                    <a:ext uri="{9D8B030D-6E8A-4147-A177-3AD203B41FA5}">
+                      <a16:colId xmlns:a16="http://schemas.microsoft.com/office/drawing/2014/main" val="339253757"/>
+                    </a:ext>
+                  </a:extLst>
+                </a:gridCol>
+                <a:gridCol w="1938131">
+                  <a:extLst>
+                    <a:ext uri="{9D8B030D-6E8A-4147-A177-3AD203B41FA5}">
+                      <a16:colId xmlns:a16="http://schemas.microsoft.com/office/drawing/2014/main" val="2922991458"/>
+                    </a:ext>
+                  </a:extLst>
+                </a:gridCol>
+              </a:tblGrid>
+              <a:tr h="377569">
+                <a:tc>
+                  <a:txBody>
+                    <a:bodyPr/>
+                    <a:lstStyle/>
+                    <a:p>
+                      <a:pPr>
+                        <a:spcAft>
+                          <a:spcPts val="0"/>
+                        </a:spcAft>
+                      </a:pPr>
+                      <a:r>
+                        <a:rPr lang="pt-BR" sz="2000" dirty="0">
+                          <a:effectLst/>
+                        </a:rPr>
+                        <a:t>SETOR</a:t>
+                      </a:r>
+                      <a:endParaRPr lang="pt-BR" sz="2000" dirty="0">
+                        <a:effectLst/>
+                        <a:latin typeface="Times New Roman" panose="02020603050405020304" pitchFamily="18" charset="0"/>
+                        <a:ea typeface="Times New Roman" panose="02020603050405020304" pitchFamily="18" charset="0"/>
+                      </a:endParaRPr>
+                    </a:p>
+                  </a:txBody>
+                  <a:tcPr marL="44450" marR="44450" marT="0" marB="0" anchor="b"/>
+                </a:tc>
+                <a:tc>
+                  <a:txBody>
+                    <a:bodyPr/>
+                    <a:lstStyle/>
+                    <a:p>
+                      <a:pPr>
+                        <a:spcAft>
+                          <a:spcPts val="0"/>
+                        </a:spcAft>
+                      </a:pPr>
+                      <a:r>
+                        <a:rPr lang="pt-BR" sz="2000" dirty="0">
+                          <a:effectLst/>
+                        </a:rPr>
+                        <a:t>% de vagas</a:t>
+                      </a:r>
+                      <a:endParaRPr lang="pt-BR" sz="2000" dirty="0">
+                        <a:effectLst/>
+                        <a:latin typeface="Times New Roman" panose="02020603050405020304" pitchFamily="18" charset="0"/>
+                        <a:ea typeface="Times New Roman" panose="02020603050405020304" pitchFamily="18" charset="0"/>
+                      </a:endParaRPr>
+                    </a:p>
+                  </a:txBody>
+                  <a:tcPr marL="44450" marR="44450" marT="0" marB="0" anchor="b"/>
+                </a:tc>
+                <a:extLst>
+                  <a:ext uri="{0D108BD9-81ED-4DB2-BD59-A6C34878D82A}">
+                    <a16:rowId xmlns:a16="http://schemas.microsoft.com/office/drawing/2014/main" val="3981019533"/>
+                  </a:ext>
+                </a:extLst>
+              </a:tr>
+              <a:tr h="377569">
+                <a:tc>
+                  <a:txBody>
+                    <a:bodyPr/>
+                    <a:lstStyle/>
+                    <a:p>
+                      <a:pPr>
+                        <a:spcAft>
+                          <a:spcPts val="0"/>
+                        </a:spcAft>
+                      </a:pPr>
+                      <a:r>
+                        <a:rPr lang="pt-BR" sz="2000" dirty="0">
+                          <a:effectLst/>
+                        </a:rPr>
+                        <a:t>A</a:t>
+                      </a:r>
+                      <a:endParaRPr lang="pt-BR" sz="2000" dirty="0">
+                        <a:effectLst/>
+                        <a:latin typeface="Times New Roman" panose="02020603050405020304" pitchFamily="18" charset="0"/>
+                        <a:ea typeface="Times New Roman" panose="02020603050405020304" pitchFamily="18" charset="0"/>
+                      </a:endParaRPr>
+                    </a:p>
+                  </a:txBody>
+                  <a:tcPr marL="44450" marR="44450" marT="0" marB="0" anchor="b"/>
+                </a:tc>
+                <a:tc>
+                  <a:txBody>
+                    <a:bodyPr/>
+                    <a:lstStyle/>
+                    <a:p>
+                      <a:pPr algn="r">
+                        <a:spcAft>
+                          <a:spcPts val="0"/>
+                        </a:spcAft>
+                      </a:pPr>
+                      <a:r>
+                        <a:rPr lang="pt-BR" sz="2000">
+                          <a:effectLst/>
+                        </a:rPr>
+                        <a:t>1%</a:t>
+                      </a:r>
+                      <a:endParaRPr lang="pt-BR" sz="2000">
+                        <a:effectLst/>
+                        <a:latin typeface="Times New Roman" panose="02020603050405020304" pitchFamily="18" charset="0"/>
+                        <a:ea typeface="Times New Roman" panose="02020603050405020304" pitchFamily="18" charset="0"/>
+                      </a:endParaRPr>
+                    </a:p>
+                  </a:txBody>
+                  <a:tcPr marL="44450" marR="44450" marT="0" marB="0" anchor="b"/>
+                </a:tc>
+                <a:extLst>
+                  <a:ext uri="{0D108BD9-81ED-4DB2-BD59-A6C34878D82A}">
+                    <a16:rowId xmlns:a16="http://schemas.microsoft.com/office/drawing/2014/main" val="6818028"/>
+                  </a:ext>
+                </a:extLst>
+              </a:tr>
+              <a:tr h="377569">
+                <a:tc>
+                  <a:txBody>
+                    <a:bodyPr/>
+                    <a:lstStyle/>
+                    <a:p>
+                      <a:pPr>
+                        <a:spcAft>
+                          <a:spcPts val="0"/>
+                        </a:spcAft>
+                      </a:pPr>
+                      <a:r>
+                        <a:rPr lang="pt-BR" sz="2000" dirty="0">
+                          <a:effectLst/>
+                        </a:rPr>
+                        <a:t>B</a:t>
+                      </a:r>
+                      <a:endParaRPr lang="pt-BR" sz="2000" dirty="0">
+                        <a:effectLst/>
+                        <a:latin typeface="Times New Roman" panose="02020603050405020304" pitchFamily="18" charset="0"/>
+                        <a:ea typeface="Times New Roman" panose="02020603050405020304" pitchFamily="18" charset="0"/>
+                      </a:endParaRPr>
+                    </a:p>
+                  </a:txBody>
+                  <a:tcPr marL="44450" marR="44450" marT="0" marB="0" anchor="b"/>
+                </a:tc>
+                <a:tc>
+                  <a:txBody>
+                    <a:bodyPr/>
+                    <a:lstStyle/>
+                    <a:p>
+                      <a:pPr algn="r">
+                        <a:spcAft>
+                          <a:spcPts val="0"/>
+                        </a:spcAft>
+                      </a:pPr>
+                      <a:r>
+                        <a:rPr lang="pt-BR" sz="2000" dirty="0">
+                          <a:effectLst/>
+                        </a:rPr>
+                        <a:t>14%</a:t>
+                      </a:r>
+                      <a:endParaRPr lang="pt-BR" sz="2000" dirty="0">
+                        <a:effectLst/>
+                        <a:latin typeface="Times New Roman" panose="02020603050405020304" pitchFamily="18" charset="0"/>
+                        <a:ea typeface="Times New Roman" panose="02020603050405020304" pitchFamily="18" charset="0"/>
+                      </a:endParaRPr>
+                    </a:p>
+                  </a:txBody>
+                  <a:tcPr marL="44450" marR="44450" marT="0" marB="0" anchor="b"/>
+                </a:tc>
+                <a:extLst>
+                  <a:ext uri="{0D108BD9-81ED-4DB2-BD59-A6C34878D82A}">
+                    <a16:rowId xmlns:a16="http://schemas.microsoft.com/office/drawing/2014/main" val="473005794"/>
+                  </a:ext>
+                </a:extLst>
+              </a:tr>
+              <a:tr h="377569">
+                <a:tc>
+                  <a:txBody>
+                    <a:bodyPr/>
+                    <a:lstStyle/>
+                    <a:p>
+                      <a:pPr>
+                        <a:spcAft>
+                          <a:spcPts val="0"/>
+                        </a:spcAft>
+                      </a:pPr>
+                      <a:r>
+                        <a:rPr lang="pt-BR" sz="2000">
+                          <a:effectLst/>
+                        </a:rPr>
+                        <a:t>C</a:t>
+                      </a:r>
+                      <a:endParaRPr lang="pt-BR" sz="2000">
+                        <a:effectLst/>
+                        <a:latin typeface="Times New Roman" panose="02020603050405020304" pitchFamily="18" charset="0"/>
+                        <a:ea typeface="Times New Roman" panose="02020603050405020304" pitchFamily="18" charset="0"/>
+                      </a:endParaRPr>
+                    </a:p>
+                  </a:txBody>
+                  <a:tcPr marL="44450" marR="44450" marT="0" marB="0" anchor="b"/>
+                </a:tc>
+                <a:tc>
+                  <a:txBody>
+                    <a:bodyPr/>
+                    <a:lstStyle/>
+                    <a:p>
+                      <a:pPr algn="r">
+                        <a:spcAft>
+                          <a:spcPts val="0"/>
+                        </a:spcAft>
+                      </a:pPr>
+                      <a:r>
+                        <a:rPr lang="pt-BR" sz="2000" dirty="0">
+                          <a:effectLst/>
+                        </a:rPr>
+                        <a:t>13%</a:t>
+                      </a:r>
+                      <a:endParaRPr lang="pt-BR" sz="2000" dirty="0">
+                        <a:effectLst/>
+                        <a:latin typeface="Times New Roman" panose="02020603050405020304" pitchFamily="18" charset="0"/>
+                        <a:ea typeface="Times New Roman" panose="02020603050405020304" pitchFamily="18" charset="0"/>
+                      </a:endParaRPr>
+                    </a:p>
+                  </a:txBody>
+                  <a:tcPr marL="44450" marR="44450" marT="0" marB="0" anchor="b"/>
+                </a:tc>
+                <a:extLst>
+                  <a:ext uri="{0D108BD9-81ED-4DB2-BD59-A6C34878D82A}">
+                    <a16:rowId xmlns:a16="http://schemas.microsoft.com/office/drawing/2014/main" val="1042231905"/>
+                  </a:ext>
+                </a:extLst>
+              </a:tr>
+              <a:tr h="377569">
+                <a:tc>
+                  <a:txBody>
+                    <a:bodyPr/>
+                    <a:lstStyle/>
+                    <a:p>
+                      <a:pPr>
+                        <a:spcAft>
+                          <a:spcPts val="0"/>
+                        </a:spcAft>
+                      </a:pPr>
+                      <a:r>
+                        <a:rPr lang="pt-BR" sz="2000">
+                          <a:effectLst/>
+                        </a:rPr>
+                        <a:t>D</a:t>
+                      </a:r>
+                      <a:endParaRPr lang="pt-BR" sz="2000">
+                        <a:effectLst/>
+                        <a:latin typeface="Times New Roman" panose="02020603050405020304" pitchFamily="18" charset="0"/>
+                        <a:ea typeface="Times New Roman" panose="02020603050405020304" pitchFamily="18" charset="0"/>
+                      </a:endParaRPr>
+                    </a:p>
+                  </a:txBody>
+                  <a:tcPr marL="44450" marR="44450" marT="0" marB="0" anchor="b"/>
+                </a:tc>
+                <a:tc>
+                  <a:txBody>
+                    <a:bodyPr/>
+                    <a:lstStyle/>
+                    <a:p>
+                      <a:pPr algn="r">
+                        <a:spcAft>
+                          <a:spcPts val="0"/>
+                        </a:spcAft>
+                      </a:pPr>
+                      <a:r>
+                        <a:rPr lang="pt-BR" sz="2000" dirty="0">
+                          <a:effectLst/>
+                        </a:rPr>
+                        <a:t>15%</a:t>
+                      </a:r>
+                      <a:endParaRPr lang="pt-BR" sz="2000" dirty="0">
+                        <a:effectLst/>
+                        <a:latin typeface="Times New Roman" panose="02020603050405020304" pitchFamily="18" charset="0"/>
+                        <a:ea typeface="Times New Roman" panose="02020603050405020304" pitchFamily="18" charset="0"/>
+                      </a:endParaRPr>
+                    </a:p>
+                  </a:txBody>
+                  <a:tcPr marL="44450" marR="44450" marT="0" marB="0" anchor="b"/>
+                </a:tc>
+                <a:extLst>
+                  <a:ext uri="{0D108BD9-81ED-4DB2-BD59-A6C34878D82A}">
+                    <a16:rowId xmlns:a16="http://schemas.microsoft.com/office/drawing/2014/main" val="399693862"/>
+                  </a:ext>
+                </a:extLst>
+              </a:tr>
+              <a:tr h="377569">
+                <a:tc>
+                  <a:txBody>
+                    <a:bodyPr/>
+                    <a:lstStyle/>
+                    <a:p>
+                      <a:pPr>
+                        <a:spcAft>
+                          <a:spcPts val="0"/>
+                        </a:spcAft>
+                      </a:pPr>
+                      <a:r>
+                        <a:rPr lang="pt-BR" sz="2000">
+                          <a:effectLst/>
+                        </a:rPr>
+                        <a:t>E</a:t>
+                      </a:r>
+                      <a:endParaRPr lang="pt-BR" sz="2000">
+                        <a:effectLst/>
+                        <a:latin typeface="Times New Roman" panose="02020603050405020304" pitchFamily="18" charset="0"/>
+                        <a:ea typeface="Times New Roman" panose="02020603050405020304" pitchFamily="18" charset="0"/>
+                      </a:endParaRPr>
+                    </a:p>
+                  </a:txBody>
+                  <a:tcPr marL="44450" marR="44450" marT="0" marB="0" anchor="b"/>
+                </a:tc>
+                <a:tc>
+                  <a:txBody>
+                    <a:bodyPr/>
+                    <a:lstStyle/>
+                    <a:p>
+                      <a:pPr algn="r">
+                        <a:spcAft>
+                          <a:spcPts val="0"/>
+                        </a:spcAft>
+                      </a:pPr>
+                      <a:r>
+                        <a:rPr lang="pt-BR" sz="2000" dirty="0">
+                          <a:effectLst/>
+                        </a:rPr>
+                        <a:t>20%</a:t>
+                      </a:r>
+                      <a:endParaRPr lang="pt-BR" sz="2000" dirty="0">
+                        <a:effectLst/>
+                        <a:latin typeface="Times New Roman" panose="02020603050405020304" pitchFamily="18" charset="0"/>
+                        <a:ea typeface="Times New Roman" panose="02020603050405020304" pitchFamily="18" charset="0"/>
+                      </a:endParaRPr>
+                    </a:p>
+                  </a:txBody>
+                  <a:tcPr marL="44450" marR="44450" marT="0" marB="0" anchor="b"/>
+                </a:tc>
+                <a:extLst>
+                  <a:ext uri="{0D108BD9-81ED-4DB2-BD59-A6C34878D82A}">
+                    <a16:rowId xmlns:a16="http://schemas.microsoft.com/office/drawing/2014/main" val="938886443"/>
+                  </a:ext>
+                </a:extLst>
+              </a:tr>
+              <a:tr h="377569">
+                <a:tc>
+                  <a:txBody>
+                    <a:bodyPr/>
+                    <a:lstStyle/>
+                    <a:p>
+                      <a:pPr>
+                        <a:spcAft>
+                          <a:spcPts val="0"/>
+                        </a:spcAft>
+                      </a:pPr>
+                      <a:r>
+                        <a:rPr lang="pt-BR" sz="2000">
+                          <a:effectLst/>
+                        </a:rPr>
+                        <a:t>F</a:t>
+                      </a:r>
+                      <a:endParaRPr lang="pt-BR" sz="2000">
+                        <a:effectLst/>
+                        <a:latin typeface="Times New Roman" panose="02020603050405020304" pitchFamily="18" charset="0"/>
+                        <a:ea typeface="Times New Roman" panose="02020603050405020304" pitchFamily="18" charset="0"/>
+                      </a:endParaRPr>
+                    </a:p>
+                  </a:txBody>
+                  <a:tcPr marL="44450" marR="44450" marT="0" marB="0" anchor="b"/>
+                </a:tc>
+                <a:tc>
+                  <a:txBody>
+                    <a:bodyPr/>
+                    <a:lstStyle/>
+                    <a:p>
+                      <a:pPr algn="r">
+                        <a:spcAft>
+                          <a:spcPts val="0"/>
+                        </a:spcAft>
+                      </a:pPr>
+                      <a:r>
+                        <a:rPr lang="pt-BR" sz="2000" dirty="0">
+                          <a:effectLst/>
+                        </a:rPr>
+                        <a:t>37%</a:t>
+                      </a:r>
+                      <a:endParaRPr lang="pt-BR" sz="2000" dirty="0">
+                        <a:effectLst/>
+                        <a:latin typeface="Times New Roman" panose="02020603050405020304" pitchFamily="18" charset="0"/>
+                        <a:ea typeface="Times New Roman" panose="02020603050405020304" pitchFamily="18" charset="0"/>
+                      </a:endParaRPr>
+                    </a:p>
+                  </a:txBody>
+                  <a:tcPr marL="44450" marR="44450" marT="0" marB="0" anchor="b"/>
+                </a:tc>
+                <a:extLst>
+                  <a:ext uri="{0D108BD9-81ED-4DB2-BD59-A6C34878D82A}">
+                    <a16:rowId xmlns:a16="http://schemas.microsoft.com/office/drawing/2014/main" val="1430539827"/>
+                  </a:ext>
+                </a:extLst>
+              </a:tr>
+            </a:tbl>
+          </a:graphicData>
+        </a:graphic>
+      </p:graphicFrame>
+      <p:graphicFrame>
+        <p:nvGraphicFramePr>
+          <p:cNvPr id="5" name="Tabela 4"/>
+          <p:cNvGraphicFramePr>
+            <a:graphicFrameLocks noGrp="1"/>
+          </p:cNvGraphicFramePr>
+          <p:nvPr>
+            <p:extLst>
+              <p:ext uri="{D42A27DB-BD31-4B8C-83A1-F6EECF244321}">
+                <p14:modId xmlns:p14="http://schemas.microsoft.com/office/powerpoint/2010/main" val="3089238058"/>
+              </p:ext>
+            </p:extLst>
+          </p:nvPr>
+        </p:nvGraphicFramePr>
+        <p:xfrm>
+          <a:off x="556592" y="1853232"/>
+          <a:ext cx="3909390" cy="2642983"/>
+        </p:xfrm>
+        <a:graphic>
+          <a:graphicData uri="http://schemas.openxmlformats.org/drawingml/2006/table">
+            <a:tbl>
+              <a:tblPr firstRow="1" firstCol="1" bandRow="1">
+                <a:tableStyleId>{5C22544A-7EE6-4342-B048-85BDC9FD1C3A}</a:tableStyleId>
+              </a:tblPr>
+              <a:tblGrid>
+                <a:gridCol w="1830306">
+                  <a:extLst>
+                    <a:ext uri="{9D8B030D-6E8A-4147-A177-3AD203B41FA5}">
+                      <a16:colId xmlns:a16="http://schemas.microsoft.com/office/drawing/2014/main" val="3898241004"/>
+                    </a:ext>
+                  </a:extLst>
+                </a:gridCol>
+                <a:gridCol w="2079084">
+                  <a:extLst>
+                    <a:ext uri="{9D8B030D-6E8A-4147-A177-3AD203B41FA5}">
+                      <a16:colId xmlns:a16="http://schemas.microsoft.com/office/drawing/2014/main" val="2266632575"/>
+                    </a:ext>
+                  </a:extLst>
+                </a:gridCol>
+              </a:tblGrid>
+              <a:tr h="377569">
+                <a:tc>
+                  <a:txBody>
+                    <a:bodyPr/>
+                    <a:lstStyle/>
+                    <a:p>
+                      <a:pPr>
+                        <a:spcAft>
+                          <a:spcPts val="0"/>
+                        </a:spcAft>
+                      </a:pPr>
+                      <a:r>
+                        <a:rPr lang="pt-BR" sz="2000">
+                          <a:effectLst/>
+                        </a:rPr>
+                        <a:t>SETOR</a:t>
+                      </a:r>
+                      <a:endParaRPr lang="pt-BR" sz="2000">
+                        <a:effectLst/>
+                        <a:latin typeface="Times New Roman" panose="02020603050405020304" pitchFamily="18" charset="0"/>
+                        <a:ea typeface="Times New Roman" panose="02020603050405020304" pitchFamily="18" charset="0"/>
+                      </a:endParaRPr>
+                    </a:p>
+                  </a:txBody>
+                  <a:tcPr marL="44450" marR="44450" marT="0" marB="0" anchor="b"/>
+                </a:tc>
+                <a:tc>
+                  <a:txBody>
+                    <a:bodyPr/>
+                    <a:lstStyle/>
+                    <a:p>
+                      <a:pPr algn="r">
+                        <a:spcAft>
+                          <a:spcPts val="0"/>
+                        </a:spcAft>
+                      </a:pPr>
+                      <a:r>
+                        <a:rPr lang="pt-BR" sz="2000" dirty="0">
+                          <a:effectLst/>
+                        </a:rPr>
+                        <a:t>% de alocação</a:t>
+                      </a:r>
+                      <a:endParaRPr lang="pt-BR" sz="2000" dirty="0">
+                        <a:effectLst/>
+                        <a:latin typeface="Times New Roman" panose="02020603050405020304" pitchFamily="18" charset="0"/>
+                        <a:ea typeface="Times New Roman" panose="02020603050405020304" pitchFamily="18" charset="0"/>
+                      </a:endParaRPr>
+                    </a:p>
+                  </a:txBody>
+                  <a:tcPr marL="44450" marR="44450" marT="0" marB="0" anchor="b"/>
+                </a:tc>
+                <a:extLst>
+                  <a:ext uri="{0D108BD9-81ED-4DB2-BD59-A6C34878D82A}">
+                    <a16:rowId xmlns:a16="http://schemas.microsoft.com/office/drawing/2014/main" val="2077820036"/>
+                  </a:ext>
+                </a:extLst>
+              </a:tr>
+              <a:tr h="377569">
+                <a:tc>
+                  <a:txBody>
+                    <a:bodyPr/>
+                    <a:lstStyle/>
+                    <a:p>
+                      <a:pPr>
+                        <a:spcAft>
+                          <a:spcPts val="0"/>
+                        </a:spcAft>
+                      </a:pPr>
+                      <a:r>
+                        <a:rPr lang="pt-BR" sz="2000" dirty="0">
+                          <a:effectLst/>
+                        </a:rPr>
+                        <a:t>A</a:t>
+                      </a:r>
+                      <a:endParaRPr lang="pt-BR" sz="2000" dirty="0">
+                        <a:effectLst/>
+                        <a:latin typeface="Times New Roman" panose="02020603050405020304" pitchFamily="18" charset="0"/>
+                        <a:ea typeface="Times New Roman" panose="02020603050405020304" pitchFamily="18" charset="0"/>
+                      </a:endParaRPr>
+                    </a:p>
+                  </a:txBody>
+                  <a:tcPr marL="44450" marR="44450" marT="0" marB="0" anchor="b"/>
+                </a:tc>
+                <a:tc>
+                  <a:txBody>
+                    <a:bodyPr/>
+                    <a:lstStyle/>
+                    <a:p>
+                      <a:pPr algn="r">
+                        <a:spcAft>
+                          <a:spcPts val="0"/>
+                        </a:spcAft>
+                      </a:pPr>
+                      <a:r>
+                        <a:rPr lang="pt-BR" sz="2000" dirty="0">
+                          <a:effectLst/>
+                        </a:rPr>
+                        <a:t>3%</a:t>
+                      </a:r>
+                      <a:endParaRPr lang="pt-BR" sz="2000" dirty="0">
+                        <a:effectLst/>
+                        <a:latin typeface="Times New Roman" panose="02020603050405020304" pitchFamily="18" charset="0"/>
+                        <a:ea typeface="Times New Roman" panose="02020603050405020304" pitchFamily="18" charset="0"/>
+                      </a:endParaRPr>
+                    </a:p>
+                  </a:txBody>
+                  <a:tcPr marL="44450" marR="44450" marT="0" marB="0" anchor="b"/>
+                </a:tc>
+                <a:extLst>
+                  <a:ext uri="{0D108BD9-81ED-4DB2-BD59-A6C34878D82A}">
+                    <a16:rowId xmlns:a16="http://schemas.microsoft.com/office/drawing/2014/main" val="3230265221"/>
+                  </a:ext>
+                </a:extLst>
+              </a:tr>
+              <a:tr h="377569">
+                <a:tc>
+                  <a:txBody>
+                    <a:bodyPr/>
+                    <a:lstStyle/>
+                    <a:p>
+                      <a:pPr>
+                        <a:spcAft>
+                          <a:spcPts val="0"/>
+                        </a:spcAft>
+                      </a:pPr>
+                      <a:r>
+                        <a:rPr lang="pt-BR" sz="2000" dirty="0">
+                          <a:effectLst/>
+                        </a:rPr>
+                        <a:t>B</a:t>
+                      </a:r>
+                      <a:endParaRPr lang="pt-BR" sz="2000" dirty="0">
+                        <a:effectLst/>
+                        <a:latin typeface="Times New Roman" panose="02020603050405020304" pitchFamily="18" charset="0"/>
+                        <a:ea typeface="Times New Roman" panose="02020603050405020304" pitchFamily="18" charset="0"/>
+                      </a:endParaRPr>
+                    </a:p>
+                  </a:txBody>
+                  <a:tcPr marL="44450" marR="44450" marT="0" marB="0" anchor="b"/>
+                </a:tc>
+                <a:tc>
+                  <a:txBody>
+                    <a:bodyPr/>
+                    <a:lstStyle/>
+                    <a:p>
+                      <a:pPr algn="r">
+                        <a:spcAft>
+                          <a:spcPts val="0"/>
+                        </a:spcAft>
+                      </a:pPr>
+                      <a:r>
+                        <a:rPr lang="pt-BR" sz="2000" dirty="0">
+                          <a:effectLst/>
+                        </a:rPr>
+                        <a:t>24%</a:t>
+                      </a:r>
+                      <a:endParaRPr lang="pt-BR" sz="2000" dirty="0">
+                        <a:effectLst/>
+                        <a:latin typeface="Times New Roman" panose="02020603050405020304" pitchFamily="18" charset="0"/>
+                        <a:ea typeface="Times New Roman" panose="02020603050405020304" pitchFamily="18" charset="0"/>
+                      </a:endParaRPr>
+                    </a:p>
+                  </a:txBody>
+                  <a:tcPr marL="44450" marR="44450" marT="0" marB="0" anchor="b"/>
+                </a:tc>
+                <a:extLst>
+                  <a:ext uri="{0D108BD9-81ED-4DB2-BD59-A6C34878D82A}">
+                    <a16:rowId xmlns:a16="http://schemas.microsoft.com/office/drawing/2014/main" val="717181546"/>
+                  </a:ext>
+                </a:extLst>
+              </a:tr>
+              <a:tr h="377569">
+                <a:tc>
+                  <a:txBody>
+                    <a:bodyPr/>
+                    <a:lstStyle/>
+                    <a:p>
+                      <a:pPr>
+                        <a:spcAft>
+                          <a:spcPts val="0"/>
+                        </a:spcAft>
+                      </a:pPr>
+                      <a:r>
+                        <a:rPr lang="pt-BR" sz="2000">
+                          <a:effectLst/>
+                        </a:rPr>
+                        <a:t>C</a:t>
+                      </a:r>
+                      <a:endParaRPr lang="pt-BR" sz="2000">
+                        <a:effectLst/>
+                        <a:latin typeface="Times New Roman" panose="02020603050405020304" pitchFamily="18" charset="0"/>
+                        <a:ea typeface="Times New Roman" panose="02020603050405020304" pitchFamily="18" charset="0"/>
+                      </a:endParaRPr>
+                    </a:p>
+                  </a:txBody>
+                  <a:tcPr marL="44450" marR="44450" marT="0" marB="0" anchor="b"/>
+                </a:tc>
+                <a:tc>
+                  <a:txBody>
+                    <a:bodyPr/>
+                    <a:lstStyle/>
+                    <a:p>
+                      <a:pPr algn="r">
+                        <a:spcAft>
+                          <a:spcPts val="0"/>
+                        </a:spcAft>
+                      </a:pPr>
+                      <a:r>
+                        <a:rPr lang="pt-BR" sz="2000" dirty="0">
+                          <a:effectLst/>
+                        </a:rPr>
+                        <a:t>21%</a:t>
+                      </a:r>
+                      <a:endParaRPr lang="pt-BR" sz="2000" dirty="0">
+                        <a:effectLst/>
+                        <a:latin typeface="Times New Roman" panose="02020603050405020304" pitchFamily="18" charset="0"/>
+                        <a:ea typeface="Times New Roman" panose="02020603050405020304" pitchFamily="18" charset="0"/>
+                      </a:endParaRPr>
+                    </a:p>
+                  </a:txBody>
+                  <a:tcPr marL="44450" marR="44450" marT="0" marB="0" anchor="b"/>
+                </a:tc>
+                <a:extLst>
+                  <a:ext uri="{0D108BD9-81ED-4DB2-BD59-A6C34878D82A}">
+                    <a16:rowId xmlns:a16="http://schemas.microsoft.com/office/drawing/2014/main" val="2154411336"/>
+                  </a:ext>
+                </a:extLst>
+              </a:tr>
+              <a:tr h="377569">
+                <a:tc>
+                  <a:txBody>
+                    <a:bodyPr/>
+                    <a:lstStyle/>
+                    <a:p>
+                      <a:pPr>
+                        <a:spcAft>
+                          <a:spcPts val="0"/>
+                        </a:spcAft>
+                      </a:pPr>
+                      <a:r>
+                        <a:rPr lang="pt-BR" sz="2000">
+                          <a:effectLst/>
+                        </a:rPr>
+                        <a:t>D</a:t>
+                      </a:r>
+                      <a:endParaRPr lang="pt-BR" sz="2000">
+                        <a:effectLst/>
+                        <a:latin typeface="Times New Roman" panose="02020603050405020304" pitchFamily="18" charset="0"/>
+                        <a:ea typeface="Times New Roman" panose="02020603050405020304" pitchFamily="18" charset="0"/>
+                      </a:endParaRPr>
+                    </a:p>
+                  </a:txBody>
+                  <a:tcPr marL="44450" marR="44450" marT="0" marB="0" anchor="b"/>
+                </a:tc>
+                <a:tc>
+                  <a:txBody>
+                    <a:bodyPr/>
+                    <a:lstStyle/>
+                    <a:p>
+                      <a:pPr algn="r">
+                        <a:spcAft>
+                          <a:spcPts val="0"/>
+                        </a:spcAft>
+                      </a:pPr>
+                      <a:r>
+                        <a:rPr lang="pt-BR" sz="2000" dirty="0">
+                          <a:effectLst/>
+                        </a:rPr>
+                        <a:t>24%</a:t>
+                      </a:r>
+                      <a:endParaRPr lang="pt-BR" sz="2000" dirty="0">
+                        <a:effectLst/>
+                        <a:latin typeface="Times New Roman" panose="02020603050405020304" pitchFamily="18" charset="0"/>
+                        <a:ea typeface="Times New Roman" panose="02020603050405020304" pitchFamily="18" charset="0"/>
+                      </a:endParaRPr>
+                    </a:p>
+                  </a:txBody>
+                  <a:tcPr marL="44450" marR="44450" marT="0" marB="0" anchor="b"/>
+                </a:tc>
+                <a:extLst>
+                  <a:ext uri="{0D108BD9-81ED-4DB2-BD59-A6C34878D82A}">
+                    <a16:rowId xmlns:a16="http://schemas.microsoft.com/office/drawing/2014/main" val="4214036086"/>
+                  </a:ext>
+                </a:extLst>
+              </a:tr>
+              <a:tr h="377569">
+                <a:tc>
+                  <a:txBody>
+                    <a:bodyPr/>
+                    <a:lstStyle/>
+                    <a:p>
+                      <a:pPr>
+                        <a:spcAft>
+                          <a:spcPts val="0"/>
+                        </a:spcAft>
+                      </a:pPr>
+                      <a:r>
+                        <a:rPr lang="pt-BR" sz="2000">
+                          <a:effectLst/>
+                        </a:rPr>
+                        <a:t>E</a:t>
+                      </a:r>
+                      <a:endParaRPr lang="pt-BR" sz="2000">
+                        <a:effectLst/>
+                        <a:latin typeface="Times New Roman" panose="02020603050405020304" pitchFamily="18" charset="0"/>
+                        <a:ea typeface="Times New Roman" panose="02020603050405020304" pitchFamily="18" charset="0"/>
+                      </a:endParaRPr>
+                    </a:p>
+                  </a:txBody>
+                  <a:tcPr marL="44450" marR="44450" marT="0" marB="0" anchor="b"/>
+                </a:tc>
+                <a:tc>
+                  <a:txBody>
+                    <a:bodyPr/>
+                    <a:lstStyle/>
+                    <a:p>
+                      <a:pPr algn="r">
+                        <a:spcAft>
+                          <a:spcPts val="0"/>
+                        </a:spcAft>
+                      </a:pPr>
+                      <a:r>
+                        <a:rPr lang="pt-BR" sz="2000" dirty="0">
+                          <a:effectLst/>
+                        </a:rPr>
+                        <a:t>10%</a:t>
+                      </a:r>
+                      <a:endParaRPr lang="pt-BR" sz="2000" dirty="0">
+                        <a:effectLst/>
+                        <a:latin typeface="Times New Roman" panose="02020603050405020304" pitchFamily="18" charset="0"/>
+                        <a:ea typeface="Times New Roman" panose="02020603050405020304" pitchFamily="18" charset="0"/>
+                      </a:endParaRPr>
+                    </a:p>
+                  </a:txBody>
+                  <a:tcPr marL="44450" marR="44450" marT="0" marB="0" anchor="b"/>
+                </a:tc>
+                <a:extLst>
+                  <a:ext uri="{0D108BD9-81ED-4DB2-BD59-A6C34878D82A}">
+                    <a16:rowId xmlns:a16="http://schemas.microsoft.com/office/drawing/2014/main" val="2690525965"/>
+                  </a:ext>
+                </a:extLst>
+              </a:tr>
+              <a:tr h="377569">
+                <a:tc>
+                  <a:txBody>
+                    <a:bodyPr/>
+                    <a:lstStyle/>
+                    <a:p>
+                      <a:pPr>
+                        <a:spcAft>
+                          <a:spcPts val="0"/>
+                        </a:spcAft>
+                      </a:pPr>
+                      <a:r>
+                        <a:rPr lang="pt-BR" sz="2000">
+                          <a:effectLst/>
+                        </a:rPr>
+                        <a:t>F</a:t>
+                      </a:r>
+                      <a:endParaRPr lang="pt-BR" sz="2000">
+                        <a:effectLst/>
+                        <a:latin typeface="Times New Roman" panose="02020603050405020304" pitchFamily="18" charset="0"/>
+                        <a:ea typeface="Times New Roman" panose="02020603050405020304" pitchFamily="18" charset="0"/>
+                      </a:endParaRPr>
+                    </a:p>
+                  </a:txBody>
+                  <a:tcPr marL="44450" marR="44450" marT="0" marB="0" anchor="b"/>
+                </a:tc>
+                <a:tc>
+                  <a:txBody>
+                    <a:bodyPr/>
+                    <a:lstStyle/>
+                    <a:p>
+                      <a:pPr algn="r">
+                        <a:spcAft>
+                          <a:spcPts val="0"/>
+                        </a:spcAft>
+                      </a:pPr>
+                      <a:r>
+                        <a:rPr lang="pt-BR" sz="2000" dirty="0">
+                          <a:effectLst/>
+                        </a:rPr>
+                        <a:t>19%</a:t>
+                      </a:r>
+                      <a:endParaRPr lang="pt-BR" sz="2000" dirty="0">
+                        <a:effectLst/>
+                        <a:latin typeface="Times New Roman" panose="02020603050405020304" pitchFamily="18" charset="0"/>
+                        <a:ea typeface="Times New Roman" panose="02020603050405020304" pitchFamily="18" charset="0"/>
+                      </a:endParaRPr>
+                    </a:p>
+                  </a:txBody>
+                  <a:tcPr marL="44450" marR="44450" marT="0" marB="0" anchor="b"/>
+                </a:tc>
+                <a:extLst>
+                  <a:ext uri="{0D108BD9-81ED-4DB2-BD59-A6C34878D82A}">
+                    <a16:rowId xmlns:a16="http://schemas.microsoft.com/office/drawing/2014/main" val="1538772696"/>
+                  </a:ext>
+                </a:extLst>
+              </a:tr>
+            </a:tbl>
+          </a:graphicData>
+        </a:graphic>
+      </p:graphicFrame>
+      <p:graphicFrame>
+        <p:nvGraphicFramePr>
+          <p:cNvPr id="6" name="Tabela 5"/>
+          <p:cNvGraphicFramePr>
+            <a:graphicFrameLocks noGrp="1"/>
+          </p:cNvGraphicFramePr>
+          <p:nvPr>
+            <p:extLst>
+              <p:ext uri="{D42A27DB-BD31-4B8C-83A1-F6EECF244321}">
+                <p14:modId xmlns:p14="http://schemas.microsoft.com/office/powerpoint/2010/main" val="3555767490"/>
+              </p:ext>
+            </p:extLst>
+          </p:nvPr>
+        </p:nvGraphicFramePr>
+        <p:xfrm>
+          <a:off x="556592" y="4676913"/>
+          <a:ext cx="7116418" cy="1731168"/>
+        </p:xfrm>
+        <a:graphic>
+          <a:graphicData uri="http://schemas.openxmlformats.org/drawingml/2006/table">
+            <a:tbl>
+              <a:tblPr firstRow="1" firstCol="1" bandRow="1">
+                <a:tableStyleId>{5C22544A-7EE6-4342-B048-85BDC9FD1C3A}</a:tableStyleId>
+              </a:tblPr>
+              <a:tblGrid>
+                <a:gridCol w="3507410">
+                  <a:extLst>
+                    <a:ext uri="{9D8B030D-6E8A-4147-A177-3AD203B41FA5}">
+                      <a16:colId xmlns:a16="http://schemas.microsoft.com/office/drawing/2014/main" val="2594652446"/>
+                    </a:ext>
+                  </a:extLst>
+                </a:gridCol>
+                <a:gridCol w="697540">
+                  <a:extLst>
+                    <a:ext uri="{9D8B030D-6E8A-4147-A177-3AD203B41FA5}">
+                      <a16:colId xmlns:a16="http://schemas.microsoft.com/office/drawing/2014/main" val="4285908255"/>
+                    </a:ext>
+                  </a:extLst>
+                </a:gridCol>
+                <a:gridCol w="545901">
+                  <a:extLst>
+                    <a:ext uri="{9D8B030D-6E8A-4147-A177-3AD203B41FA5}">
+                      <a16:colId xmlns:a16="http://schemas.microsoft.com/office/drawing/2014/main" val="1251392115"/>
+                    </a:ext>
+                  </a:extLst>
+                </a:gridCol>
+                <a:gridCol w="606556">
+                  <a:extLst>
+                    <a:ext uri="{9D8B030D-6E8A-4147-A177-3AD203B41FA5}">
+                      <a16:colId xmlns:a16="http://schemas.microsoft.com/office/drawing/2014/main" val="1783950684"/>
+                    </a:ext>
+                  </a:extLst>
+                </a:gridCol>
+                <a:gridCol w="515572">
+                  <a:extLst>
+                    <a:ext uri="{9D8B030D-6E8A-4147-A177-3AD203B41FA5}">
+                      <a16:colId xmlns:a16="http://schemas.microsoft.com/office/drawing/2014/main" val="3994660460"/>
+                    </a:ext>
+                  </a:extLst>
+                </a:gridCol>
+                <a:gridCol w="727867">
+                  <a:extLst>
+                    <a:ext uri="{9D8B030D-6E8A-4147-A177-3AD203B41FA5}">
+                      <a16:colId xmlns:a16="http://schemas.microsoft.com/office/drawing/2014/main" val="2606341531"/>
+                    </a:ext>
+                  </a:extLst>
+                </a:gridCol>
+                <a:gridCol w="515572">
+                  <a:extLst>
+                    <a:ext uri="{9D8B030D-6E8A-4147-A177-3AD203B41FA5}">
+                      <a16:colId xmlns:a16="http://schemas.microsoft.com/office/drawing/2014/main" val="2095147085"/>
+                    </a:ext>
+                  </a:extLst>
+                </a:gridCol>
+              </a:tblGrid>
+              <a:tr h="640095">
+                <a:tc>
+                  <a:txBody>
+                    <a:bodyPr/>
+                    <a:lstStyle/>
+                    <a:p>
+                      <a:pPr>
+                        <a:spcAft>
+                          <a:spcPts val="0"/>
+                        </a:spcAft>
+                      </a:pPr>
+                      <a:r>
+                        <a:rPr lang="pt-BR" sz="1100">
+                          <a:effectLst/>
+                        </a:rPr>
+                        <a:t>DISPONIBILIDADE\BLOCO</a:t>
+                      </a:r>
+                      <a:endParaRPr lang="pt-BR" sz="1000">
+                        <a:effectLst/>
+                        <a:latin typeface="Times New Roman" panose="02020603050405020304" pitchFamily="18" charset="0"/>
+                        <a:ea typeface="Times New Roman" panose="02020603050405020304" pitchFamily="18" charset="0"/>
+                      </a:endParaRPr>
+                    </a:p>
+                  </a:txBody>
+                  <a:tcPr marL="44450" marR="44450" marT="0" marB="0" anchor="b"/>
+                </a:tc>
+                <a:tc>
+                  <a:txBody>
+                    <a:bodyPr/>
+                    <a:lstStyle/>
+                    <a:p>
+                      <a:pPr>
+                        <a:spcAft>
+                          <a:spcPts val="0"/>
+                        </a:spcAft>
+                      </a:pPr>
+                      <a:r>
+                        <a:rPr lang="pt-BR" sz="1100" dirty="0">
+                          <a:effectLst/>
+                        </a:rPr>
+                        <a:t>A</a:t>
+                      </a:r>
+                      <a:endParaRPr lang="pt-BR" sz="1000" dirty="0">
+                        <a:effectLst/>
+                        <a:latin typeface="Times New Roman" panose="02020603050405020304" pitchFamily="18" charset="0"/>
+                        <a:ea typeface="Times New Roman" panose="02020603050405020304" pitchFamily="18" charset="0"/>
+                      </a:endParaRPr>
+                    </a:p>
+                  </a:txBody>
+                  <a:tcPr marL="44450" marR="44450" marT="0" marB="0" anchor="b"/>
+                </a:tc>
+                <a:tc>
+                  <a:txBody>
+                    <a:bodyPr/>
+                    <a:lstStyle/>
+                    <a:p>
+                      <a:pPr>
+                        <a:spcAft>
+                          <a:spcPts val="0"/>
+                        </a:spcAft>
+                      </a:pPr>
+                      <a:r>
+                        <a:rPr lang="pt-BR" sz="1100">
+                          <a:effectLst/>
+                        </a:rPr>
+                        <a:t>B</a:t>
+                      </a:r>
+                      <a:endParaRPr lang="pt-BR" sz="1000">
+                        <a:effectLst/>
+                        <a:latin typeface="Times New Roman" panose="02020603050405020304" pitchFamily="18" charset="0"/>
+                        <a:ea typeface="Times New Roman" panose="02020603050405020304" pitchFamily="18" charset="0"/>
+                      </a:endParaRPr>
+                    </a:p>
+                  </a:txBody>
+                  <a:tcPr marL="44450" marR="44450" marT="0" marB="0" anchor="b"/>
+                </a:tc>
+                <a:tc>
+                  <a:txBody>
+                    <a:bodyPr/>
+                    <a:lstStyle/>
+                    <a:p>
+                      <a:pPr>
+                        <a:spcAft>
+                          <a:spcPts val="0"/>
+                        </a:spcAft>
+                      </a:pPr>
+                      <a:r>
+                        <a:rPr lang="pt-BR" sz="1100">
+                          <a:effectLst/>
+                        </a:rPr>
+                        <a:t>C</a:t>
+                      </a:r>
+                      <a:endParaRPr lang="pt-BR" sz="1000">
+                        <a:effectLst/>
+                        <a:latin typeface="Times New Roman" panose="02020603050405020304" pitchFamily="18" charset="0"/>
+                        <a:ea typeface="Times New Roman" panose="02020603050405020304" pitchFamily="18" charset="0"/>
+                      </a:endParaRPr>
+                    </a:p>
+                  </a:txBody>
+                  <a:tcPr marL="44450" marR="44450" marT="0" marB="0" anchor="b"/>
+                </a:tc>
+                <a:tc>
+                  <a:txBody>
+                    <a:bodyPr/>
+                    <a:lstStyle/>
+                    <a:p>
+                      <a:pPr>
+                        <a:spcAft>
+                          <a:spcPts val="0"/>
+                        </a:spcAft>
+                      </a:pPr>
+                      <a:r>
+                        <a:rPr lang="pt-BR" sz="1100">
+                          <a:effectLst/>
+                        </a:rPr>
+                        <a:t>D</a:t>
+                      </a:r>
+                      <a:endParaRPr lang="pt-BR" sz="1000">
+                        <a:effectLst/>
+                        <a:latin typeface="Times New Roman" panose="02020603050405020304" pitchFamily="18" charset="0"/>
+                        <a:ea typeface="Times New Roman" panose="02020603050405020304" pitchFamily="18" charset="0"/>
+                      </a:endParaRPr>
+                    </a:p>
+                  </a:txBody>
+                  <a:tcPr marL="44450" marR="44450" marT="0" marB="0" anchor="b"/>
+                </a:tc>
+                <a:tc>
+                  <a:txBody>
+                    <a:bodyPr/>
+                    <a:lstStyle/>
+                    <a:p>
+                      <a:pPr>
+                        <a:spcAft>
+                          <a:spcPts val="0"/>
+                        </a:spcAft>
+                      </a:pPr>
+                      <a:r>
+                        <a:rPr lang="pt-BR" sz="1100">
+                          <a:effectLst/>
+                        </a:rPr>
+                        <a:t>E</a:t>
+                      </a:r>
+                      <a:endParaRPr lang="pt-BR" sz="1000">
+                        <a:effectLst/>
+                        <a:latin typeface="Times New Roman" panose="02020603050405020304" pitchFamily="18" charset="0"/>
+                        <a:ea typeface="Times New Roman" panose="02020603050405020304" pitchFamily="18" charset="0"/>
+                      </a:endParaRPr>
+                    </a:p>
+                  </a:txBody>
+                  <a:tcPr marL="44450" marR="44450" marT="0" marB="0" anchor="b"/>
+                </a:tc>
+                <a:tc>
+                  <a:txBody>
+                    <a:bodyPr/>
+                    <a:lstStyle/>
+                    <a:p>
+                      <a:pPr>
+                        <a:spcAft>
+                          <a:spcPts val="0"/>
+                        </a:spcAft>
+                      </a:pPr>
+                      <a:r>
+                        <a:rPr lang="pt-BR" sz="1100" dirty="0">
+                          <a:effectLst/>
+                        </a:rPr>
+                        <a:t>F</a:t>
+                      </a:r>
+                      <a:endParaRPr lang="pt-BR" sz="1000" dirty="0">
+                        <a:effectLst/>
+                        <a:latin typeface="Times New Roman" panose="02020603050405020304" pitchFamily="18" charset="0"/>
+                        <a:ea typeface="Times New Roman" panose="02020603050405020304" pitchFamily="18" charset="0"/>
+                      </a:endParaRPr>
+                    </a:p>
+                  </a:txBody>
+                  <a:tcPr marL="44450" marR="44450" marT="0" marB="0" anchor="b"/>
+                </a:tc>
+                <a:extLst>
+                  <a:ext uri="{0D108BD9-81ED-4DB2-BD59-A6C34878D82A}">
+                    <a16:rowId xmlns:a16="http://schemas.microsoft.com/office/drawing/2014/main" val="378931023"/>
+                  </a:ext>
+                </a:extLst>
+              </a:tr>
+              <a:tr h="363691">
+                <a:tc>
+                  <a:txBody>
+                    <a:bodyPr/>
+                    <a:lstStyle/>
+                    <a:p>
+                      <a:pPr>
+                        <a:spcAft>
+                          <a:spcPts val="0"/>
+                        </a:spcAft>
+                      </a:pPr>
+                      <a:r>
+                        <a:rPr lang="pt-BR" sz="1100">
+                          <a:effectLst/>
+                        </a:rPr>
+                        <a:t>Perto</a:t>
+                      </a:r>
+                      <a:endParaRPr lang="pt-BR" sz="1000">
+                        <a:effectLst/>
+                        <a:latin typeface="Times New Roman" panose="02020603050405020304" pitchFamily="18" charset="0"/>
+                        <a:ea typeface="Times New Roman" panose="02020603050405020304" pitchFamily="18" charset="0"/>
+                      </a:endParaRPr>
+                    </a:p>
+                  </a:txBody>
+                  <a:tcPr marL="44450" marR="44450" marT="0" marB="0" anchor="b"/>
+                </a:tc>
+                <a:tc>
+                  <a:txBody>
+                    <a:bodyPr/>
+                    <a:lstStyle/>
+                    <a:p>
+                      <a:pPr>
+                        <a:spcAft>
+                          <a:spcPts val="0"/>
+                        </a:spcAft>
+                      </a:pPr>
+                      <a:r>
+                        <a:rPr lang="pt-BR" sz="1100" dirty="0">
+                          <a:effectLst/>
+                        </a:rPr>
+                        <a:t> </a:t>
+                      </a:r>
+                      <a:endParaRPr lang="pt-BR" sz="1000" dirty="0">
+                        <a:effectLst/>
+                        <a:latin typeface="Times New Roman" panose="02020603050405020304" pitchFamily="18" charset="0"/>
+                        <a:ea typeface="Times New Roman" panose="02020603050405020304" pitchFamily="18" charset="0"/>
+                      </a:endParaRPr>
+                    </a:p>
+                  </a:txBody>
+                  <a:tcPr marL="44450" marR="44450" marT="0" marB="0" anchor="b">
+                    <a:solidFill>
+                      <a:srgbClr val="00B050"/>
+                    </a:solidFill>
+                  </a:tcPr>
+                </a:tc>
+                <a:tc>
+                  <a:txBody>
+                    <a:bodyPr/>
+                    <a:lstStyle/>
+                    <a:p>
+                      <a:pPr>
+                        <a:spcAft>
+                          <a:spcPts val="0"/>
+                        </a:spcAft>
+                      </a:pPr>
+                      <a:r>
+                        <a:rPr lang="pt-BR" sz="1100" dirty="0">
+                          <a:effectLst/>
+                        </a:rPr>
+                        <a:t> </a:t>
+                      </a:r>
+                      <a:endParaRPr lang="pt-BR" sz="1000" dirty="0">
+                        <a:effectLst/>
+                        <a:latin typeface="Times New Roman" panose="02020603050405020304" pitchFamily="18" charset="0"/>
+                        <a:ea typeface="Times New Roman" panose="02020603050405020304" pitchFamily="18" charset="0"/>
+                      </a:endParaRPr>
+                    </a:p>
+                  </a:txBody>
+                  <a:tcPr marL="44450" marR="44450" marT="0" marB="0" anchor="b">
+                    <a:solidFill>
+                      <a:srgbClr val="00B050"/>
+                    </a:solidFill>
+                  </a:tcPr>
+                </a:tc>
+                <a:tc>
+                  <a:txBody>
+                    <a:bodyPr/>
+                    <a:lstStyle/>
+                    <a:p>
+                      <a:pPr>
+                        <a:spcAft>
+                          <a:spcPts val="0"/>
+                        </a:spcAft>
+                      </a:pPr>
+                      <a:r>
+                        <a:rPr lang="pt-BR" sz="1100" dirty="0">
+                          <a:effectLst/>
+                        </a:rPr>
+                        <a:t> </a:t>
+                      </a:r>
+                      <a:endParaRPr lang="pt-BR" sz="1000" dirty="0">
+                        <a:effectLst/>
+                        <a:latin typeface="Times New Roman" panose="02020603050405020304" pitchFamily="18" charset="0"/>
+                        <a:ea typeface="Times New Roman" panose="02020603050405020304" pitchFamily="18" charset="0"/>
+                      </a:endParaRPr>
+                    </a:p>
+                  </a:txBody>
+                  <a:tcPr marL="44450" marR="44450" marT="0" marB="0" anchor="b">
+                    <a:solidFill>
+                      <a:srgbClr val="00B050"/>
+                    </a:solidFill>
+                  </a:tcPr>
+                </a:tc>
+                <a:tc>
+                  <a:txBody>
+                    <a:bodyPr/>
+                    <a:lstStyle/>
+                    <a:p>
+                      <a:pPr>
+                        <a:spcAft>
+                          <a:spcPts val="0"/>
+                        </a:spcAft>
+                      </a:pPr>
+                      <a:r>
+                        <a:rPr lang="pt-BR" sz="1100" dirty="0">
+                          <a:effectLst/>
+                        </a:rPr>
+                        <a:t> </a:t>
+                      </a:r>
+                      <a:endParaRPr lang="pt-BR" sz="1000" dirty="0">
+                        <a:effectLst/>
+                        <a:latin typeface="Times New Roman" panose="02020603050405020304" pitchFamily="18" charset="0"/>
+                        <a:ea typeface="Times New Roman" panose="02020603050405020304" pitchFamily="18" charset="0"/>
+                      </a:endParaRPr>
+                    </a:p>
+                  </a:txBody>
+                  <a:tcPr marL="44450" marR="44450" marT="0" marB="0" anchor="b">
+                    <a:solidFill>
+                      <a:srgbClr val="00B050"/>
+                    </a:solidFill>
+                  </a:tcPr>
+                </a:tc>
+                <a:tc>
+                  <a:txBody>
+                    <a:bodyPr/>
+                    <a:lstStyle/>
+                    <a:p>
+                      <a:pPr>
+                        <a:spcAft>
+                          <a:spcPts val="0"/>
+                        </a:spcAft>
+                      </a:pPr>
+                      <a:r>
+                        <a:rPr lang="pt-BR" sz="1100" dirty="0">
+                          <a:effectLst/>
+                        </a:rPr>
+                        <a:t> </a:t>
+                      </a:r>
+                      <a:endParaRPr lang="pt-BR" sz="1000" dirty="0">
+                        <a:effectLst/>
+                        <a:latin typeface="Times New Roman" panose="02020603050405020304" pitchFamily="18" charset="0"/>
+                        <a:ea typeface="Times New Roman" panose="02020603050405020304" pitchFamily="18" charset="0"/>
+                      </a:endParaRPr>
+                    </a:p>
+                  </a:txBody>
+                  <a:tcPr marL="44450" marR="44450" marT="0" marB="0" anchor="b">
+                    <a:solidFill>
+                      <a:srgbClr val="00B050"/>
+                    </a:solidFill>
+                  </a:tcPr>
+                </a:tc>
+                <a:tc>
+                  <a:txBody>
+                    <a:bodyPr/>
+                    <a:lstStyle/>
+                    <a:p>
+                      <a:pPr>
+                        <a:spcAft>
+                          <a:spcPts val="0"/>
+                        </a:spcAft>
+                      </a:pPr>
+                      <a:r>
+                        <a:rPr lang="pt-BR" sz="1100" dirty="0">
+                          <a:effectLst/>
+                        </a:rPr>
+                        <a:t> </a:t>
+                      </a:r>
+                      <a:endParaRPr lang="pt-BR" sz="1000" dirty="0">
+                        <a:effectLst/>
+                        <a:latin typeface="Times New Roman" panose="02020603050405020304" pitchFamily="18" charset="0"/>
+                        <a:ea typeface="Times New Roman" panose="02020603050405020304" pitchFamily="18" charset="0"/>
+                      </a:endParaRPr>
+                    </a:p>
+                  </a:txBody>
+                  <a:tcPr marL="44450" marR="44450" marT="0" marB="0" anchor="b">
+                    <a:solidFill>
+                      <a:srgbClr val="00B050"/>
+                    </a:solidFill>
+                  </a:tcPr>
+                </a:tc>
+                <a:extLst>
+                  <a:ext uri="{0D108BD9-81ED-4DB2-BD59-A6C34878D82A}">
+                    <a16:rowId xmlns:a16="http://schemas.microsoft.com/office/drawing/2014/main" val="1682365421"/>
+                  </a:ext>
+                </a:extLst>
+              </a:tr>
+              <a:tr h="363691">
+                <a:tc>
+                  <a:txBody>
+                    <a:bodyPr/>
+                    <a:lstStyle/>
+                    <a:p>
+                      <a:pPr>
+                        <a:spcAft>
+                          <a:spcPts val="0"/>
+                        </a:spcAft>
+                      </a:pPr>
+                      <a:r>
+                        <a:rPr lang="pt-BR" sz="1100">
+                          <a:effectLst/>
+                        </a:rPr>
+                        <a:t>Razoável</a:t>
+                      </a:r>
+                      <a:endParaRPr lang="pt-BR" sz="1000">
+                        <a:effectLst/>
+                        <a:latin typeface="Times New Roman" panose="02020603050405020304" pitchFamily="18" charset="0"/>
+                        <a:ea typeface="Times New Roman" panose="02020603050405020304" pitchFamily="18" charset="0"/>
+                      </a:endParaRPr>
+                    </a:p>
+                  </a:txBody>
+                  <a:tcPr marL="44450" marR="44450" marT="0" marB="0" anchor="b"/>
+                </a:tc>
+                <a:tc>
+                  <a:txBody>
+                    <a:bodyPr/>
+                    <a:lstStyle/>
+                    <a:p>
+                      <a:pPr>
+                        <a:spcAft>
+                          <a:spcPts val="0"/>
+                        </a:spcAft>
+                      </a:pPr>
+                      <a:r>
+                        <a:rPr lang="pt-BR" sz="1100" dirty="0">
+                          <a:effectLst/>
+                        </a:rPr>
+                        <a:t> </a:t>
+                      </a:r>
+                      <a:endParaRPr lang="pt-BR" sz="1000" dirty="0">
+                        <a:effectLst/>
+                        <a:latin typeface="Times New Roman" panose="02020603050405020304" pitchFamily="18" charset="0"/>
+                        <a:ea typeface="Times New Roman" panose="02020603050405020304" pitchFamily="18" charset="0"/>
+                      </a:endParaRPr>
+                    </a:p>
+                  </a:txBody>
+                  <a:tcPr marL="44450" marR="44450" marT="0" marB="0" anchor="b">
+                    <a:solidFill>
+                      <a:srgbClr val="00B050"/>
+                    </a:solidFill>
+                  </a:tcPr>
+                </a:tc>
+                <a:tc>
+                  <a:txBody>
+                    <a:bodyPr/>
+                    <a:lstStyle/>
+                    <a:p>
+                      <a:pPr>
+                        <a:spcAft>
+                          <a:spcPts val="0"/>
+                        </a:spcAft>
+                      </a:pPr>
+                      <a:r>
+                        <a:rPr lang="pt-BR" sz="1100" dirty="0">
+                          <a:effectLst/>
+                        </a:rPr>
+                        <a:t> </a:t>
+                      </a:r>
+                      <a:endParaRPr lang="pt-BR" sz="1000" dirty="0">
+                        <a:effectLst/>
+                        <a:latin typeface="Times New Roman" panose="02020603050405020304" pitchFamily="18" charset="0"/>
+                        <a:ea typeface="Times New Roman" panose="02020603050405020304" pitchFamily="18" charset="0"/>
+                      </a:endParaRPr>
+                    </a:p>
+                  </a:txBody>
+                  <a:tcPr marL="44450" marR="44450" marT="0" marB="0" anchor="b">
+                    <a:solidFill>
+                      <a:srgbClr val="00B050"/>
+                    </a:solidFill>
+                  </a:tcPr>
+                </a:tc>
+                <a:tc>
+                  <a:txBody>
+                    <a:bodyPr/>
+                    <a:lstStyle/>
+                    <a:p>
+                      <a:pPr>
+                        <a:spcAft>
+                          <a:spcPts val="0"/>
+                        </a:spcAft>
+                      </a:pPr>
+                      <a:r>
+                        <a:rPr lang="pt-BR" sz="1100" dirty="0">
+                          <a:effectLst/>
+                        </a:rPr>
+                        <a:t> </a:t>
+                      </a:r>
+                      <a:endParaRPr lang="pt-BR" sz="1000" dirty="0">
+                        <a:effectLst/>
+                        <a:latin typeface="Times New Roman" panose="02020603050405020304" pitchFamily="18" charset="0"/>
+                        <a:ea typeface="Times New Roman" panose="02020603050405020304" pitchFamily="18" charset="0"/>
+                      </a:endParaRPr>
+                    </a:p>
+                  </a:txBody>
+                  <a:tcPr marL="44450" marR="44450" marT="0" marB="0" anchor="b">
+                    <a:solidFill>
+                      <a:schemeClr val="accent3">
+                        <a:lumMod val="60000"/>
+                        <a:lumOff val="40000"/>
+                      </a:schemeClr>
+                    </a:solidFill>
+                  </a:tcPr>
+                </a:tc>
+                <a:tc>
+                  <a:txBody>
+                    <a:bodyPr/>
+                    <a:lstStyle/>
+                    <a:p>
+                      <a:pPr>
+                        <a:spcAft>
+                          <a:spcPts val="0"/>
+                        </a:spcAft>
+                      </a:pPr>
+                      <a:r>
+                        <a:rPr lang="pt-BR" sz="1100" dirty="0">
+                          <a:effectLst/>
+                        </a:rPr>
+                        <a:t> </a:t>
+                      </a:r>
+                      <a:endParaRPr lang="pt-BR" sz="1000" dirty="0">
+                        <a:effectLst/>
+                        <a:latin typeface="Times New Roman" panose="02020603050405020304" pitchFamily="18" charset="0"/>
+                        <a:ea typeface="Times New Roman" panose="02020603050405020304" pitchFamily="18" charset="0"/>
+                      </a:endParaRPr>
+                    </a:p>
+                  </a:txBody>
+                  <a:tcPr marL="44450" marR="44450" marT="0" marB="0" anchor="b">
+                    <a:solidFill>
+                      <a:srgbClr val="00B050"/>
+                    </a:solidFill>
+                  </a:tcPr>
+                </a:tc>
+                <a:tc>
+                  <a:txBody>
+                    <a:bodyPr/>
+                    <a:lstStyle/>
+                    <a:p>
+                      <a:pPr>
+                        <a:spcAft>
+                          <a:spcPts val="0"/>
+                        </a:spcAft>
+                      </a:pPr>
+                      <a:r>
+                        <a:rPr lang="pt-BR" sz="1100" dirty="0">
+                          <a:effectLst/>
+                        </a:rPr>
+                        <a:t> </a:t>
+                      </a:r>
+                      <a:endParaRPr lang="pt-BR" sz="1000" dirty="0">
+                        <a:effectLst/>
+                        <a:latin typeface="Times New Roman" panose="02020603050405020304" pitchFamily="18" charset="0"/>
+                        <a:ea typeface="Times New Roman" panose="02020603050405020304" pitchFamily="18" charset="0"/>
+                      </a:endParaRPr>
+                    </a:p>
+                  </a:txBody>
+                  <a:tcPr marL="44450" marR="44450" marT="0" marB="0" anchor="b">
+                    <a:solidFill>
+                      <a:schemeClr val="accent3">
+                        <a:lumMod val="60000"/>
+                        <a:lumOff val="40000"/>
+                      </a:schemeClr>
+                    </a:solidFill>
+                  </a:tcPr>
+                </a:tc>
+                <a:tc>
+                  <a:txBody>
+                    <a:bodyPr/>
+                    <a:lstStyle/>
+                    <a:p>
+                      <a:pPr>
+                        <a:spcAft>
+                          <a:spcPts val="0"/>
+                        </a:spcAft>
+                      </a:pPr>
+                      <a:r>
+                        <a:rPr lang="pt-BR" sz="1100" dirty="0">
+                          <a:effectLst/>
+                        </a:rPr>
+                        <a:t> </a:t>
+                      </a:r>
+                      <a:endParaRPr lang="pt-BR" sz="1000" dirty="0">
+                        <a:effectLst/>
+                        <a:latin typeface="Times New Roman" panose="02020603050405020304" pitchFamily="18" charset="0"/>
+                        <a:ea typeface="Times New Roman" panose="02020603050405020304" pitchFamily="18" charset="0"/>
+                      </a:endParaRPr>
+                    </a:p>
+                  </a:txBody>
+                  <a:tcPr marL="44450" marR="44450" marT="0" marB="0" anchor="b">
+                    <a:solidFill>
+                      <a:schemeClr val="accent3">
+                        <a:lumMod val="60000"/>
+                        <a:lumOff val="40000"/>
+                      </a:schemeClr>
+                    </a:solidFill>
+                  </a:tcPr>
+                </a:tc>
+                <a:extLst>
+                  <a:ext uri="{0D108BD9-81ED-4DB2-BD59-A6C34878D82A}">
+                    <a16:rowId xmlns:a16="http://schemas.microsoft.com/office/drawing/2014/main" val="116728923"/>
+                  </a:ext>
+                </a:extLst>
+              </a:tr>
+              <a:tr h="363691">
+                <a:tc>
+                  <a:txBody>
+                    <a:bodyPr/>
+                    <a:lstStyle/>
+                    <a:p>
+                      <a:pPr>
+                        <a:spcAft>
+                          <a:spcPts val="0"/>
+                        </a:spcAft>
+                      </a:pPr>
+                      <a:r>
+                        <a:rPr lang="pt-BR" sz="1100" dirty="0">
+                          <a:effectLst/>
+                        </a:rPr>
+                        <a:t>Longe</a:t>
+                      </a:r>
+                      <a:endParaRPr lang="pt-BR" sz="1000" dirty="0">
+                        <a:effectLst/>
+                        <a:latin typeface="Times New Roman" panose="02020603050405020304" pitchFamily="18" charset="0"/>
+                        <a:ea typeface="Times New Roman" panose="02020603050405020304" pitchFamily="18" charset="0"/>
+                      </a:endParaRPr>
+                    </a:p>
+                  </a:txBody>
+                  <a:tcPr marL="44450" marR="44450" marT="0" marB="0" anchor="b"/>
+                </a:tc>
+                <a:tc>
+                  <a:txBody>
+                    <a:bodyPr/>
+                    <a:lstStyle/>
+                    <a:p>
+                      <a:pPr>
+                        <a:spcAft>
+                          <a:spcPts val="0"/>
+                        </a:spcAft>
+                      </a:pPr>
+                      <a:r>
+                        <a:rPr lang="pt-BR" sz="1100" dirty="0">
+                          <a:effectLst/>
+                        </a:rPr>
+                        <a:t> </a:t>
+                      </a:r>
+                      <a:endParaRPr lang="pt-BR" sz="1000" dirty="0">
+                        <a:effectLst/>
+                        <a:latin typeface="Times New Roman" panose="02020603050405020304" pitchFamily="18" charset="0"/>
+                        <a:ea typeface="Times New Roman" panose="02020603050405020304" pitchFamily="18" charset="0"/>
+                      </a:endParaRPr>
+                    </a:p>
+                  </a:txBody>
+                  <a:tcPr marL="44450" marR="44450" marT="0" marB="0" anchor="b">
+                    <a:solidFill>
+                      <a:schemeClr val="accent3">
+                        <a:lumMod val="60000"/>
+                        <a:lumOff val="40000"/>
+                      </a:schemeClr>
+                    </a:solidFill>
+                  </a:tcPr>
+                </a:tc>
+                <a:tc>
+                  <a:txBody>
+                    <a:bodyPr/>
+                    <a:lstStyle/>
+                    <a:p>
+                      <a:pPr>
+                        <a:spcAft>
+                          <a:spcPts val="0"/>
+                        </a:spcAft>
+                      </a:pPr>
+                      <a:r>
+                        <a:rPr lang="pt-BR" sz="1100" dirty="0">
+                          <a:effectLst/>
+                        </a:rPr>
+                        <a:t> </a:t>
+                      </a:r>
+                      <a:endParaRPr lang="pt-BR" sz="1000" dirty="0">
+                        <a:effectLst/>
+                        <a:latin typeface="Times New Roman" panose="02020603050405020304" pitchFamily="18" charset="0"/>
+                        <a:ea typeface="Times New Roman" panose="02020603050405020304" pitchFamily="18" charset="0"/>
+                      </a:endParaRPr>
+                    </a:p>
+                  </a:txBody>
+                  <a:tcPr marL="44450" marR="44450" marT="0" marB="0" anchor="b">
+                    <a:solidFill>
+                      <a:schemeClr val="accent2">
+                        <a:lumMod val="75000"/>
+                      </a:schemeClr>
+                    </a:solidFill>
+                  </a:tcPr>
+                </a:tc>
+                <a:tc>
+                  <a:txBody>
+                    <a:bodyPr/>
+                    <a:lstStyle/>
+                    <a:p>
+                      <a:pPr>
+                        <a:spcAft>
+                          <a:spcPts val="0"/>
+                        </a:spcAft>
+                      </a:pPr>
+                      <a:r>
+                        <a:rPr lang="pt-BR" sz="1100" dirty="0">
+                          <a:effectLst/>
+                        </a:rPr>
+                        <a:t> </a:t>
+                      </a:r>
+                      <a:endParaRPr lang="pt-BR" sz="1000" dirty="0">
+                        <a:effectLst/>
+                        <a:latin typeface="Times New Roman" panose="02020603050405020304" pitchFamily="18" charset="0"/>
+                        <a:ea typeface="Times New Roman" panose="02020603050405020304" pitchFamily="18" charset="0"/>
+                      </a:endParaRPr>
+                    </a:p>
+                  </a:txBody>
+                  <a:tcPr marL="44450" marR="44450" marT="0" marB="0" anchor="b">
+                    <a:solidFill>
+                      <a:schemeClr val="accent2">
+                        <a:lumMod val="75000"/>
+                      </a:schemeClr>
+                    </a:solidFill>
+                  </a:tcPr>
+                </a:tc>
+                <a:tc>
+                  <a:txBody>
+                    <a:bodyPr/>
+                    <a:lstStyle/>
+                    <a:p>
+                      <a:pPr>
+                        <a:spcAft>
+                          <a:spcPts val="0"/>
+                        </a:spcAft>
+                      </a:pPr>
+                      <a:r>
+                        <a:rPr lang="pt-BR" sz="1100" dirty="0">
+                          <a:effectLst/>
+                        </a:rPr>
+                        <a:t> </a:t>
+                      </a:r>
+                      <a:endParaRPr lang="pt-BR" sz="1000" dirty="0">
+                        <a:effectLst/>
+                        <a:latin typeface="Times New Roman" panose="02020603050405020304" pitchFamily="18" charset="0"/>
+                        <a:ea typeface="Times New Roman" panose="02020603050405020304" pitchFamily="18" charset="0"/>
+                      </a:endParaRPr>
+                    </a:p>
+                  </a:txBody>
+                  <a:tcPr marL="44450" marR="44450" marT="0" marB="0" anchor="b">
+                    <a:solidFill>
+                      <a:schemeClr val="accent2">
+                        <a:lumMod val="75000"/>
+                      </a:schemeClr>
+                    </a:solidFill>
+                  </a:tcPr>
+                </a:tc>
+                <a:tc>
+                  <a:txBody>
+                    <a:bodyPr/>
+                    <a:lstStyle/>
+                    <a:p>
+                      <a:pPr>
+                        <a:spcAft>
+                          <a:spcPts val="0"/>
+                        </a:spcAft>
+                      </a:pPr>
+                      <a:r>
+                        <a:rPr lang="pt-BR" sz="1100" dirty="0">
+                          <a:effectLst/>
+                        </a:rPr>
+                        <a:t> </a:t>
+                      </a:r>
+                      <a:endParaRPr lang="pt-BR" sz="1000" dirty="0">
+                        <a:effectLst/>
+                        <a:latin typeface="Times New Roman" panose="02020603050405020304" pitchFamily="18" charset="0"/>
+                        <a:ea typeface="Times New Roman" panose="02020603050405020304" pitchFamily="18" charset="0"/>
+                      </a:endParaRPr>
+                    </a:p>
+                  </a:txBody>
+                  <a:tcPr marL="44450" marR="44450" marT="0" marB="0" anchor="b">
+                    <a:solidFill>
+                      <a:schemeClr val="accent2">
+                        <a:lumMod val="75000"/>
+                      </a:schemeClr>
+                    </a:solidFill>
+                  </a:tcPr>
+                </a:tc>
+                <a:tc>
+                  <a:txBody>
+                    <a:bodyPr/>
+                    <a:lstStyle/>
+                    <a:p>
+                      <a:pPr>
+                        <a:spcAft>
+                          <a:spcPts val="0"/>
+                        </a:spcAft>
+                      </a:pPr>
+                      <a:r>
+                        <a:rPr lang="pt-BR" sz="1100" dirty="0">
+                          <a:effectLst/>
+                        </a:rPr>
+                        <a:t> </a:t>
+                      </a:r>
+                      <a:endParaRPr lang="pt-BR" sz="1000" dirty="0">
+                        <a:effectLst/>
+                        <a:latin typeface="Times New Roman" panose="02020603050405020304" pitchFamily="18" charset="0"/>
+                        <a:ea typeface="Times New Roman" panose="02020603050405020304" pitchFamily="18" charset="0"/>
+                      </a:endParaRPr>
+                    </a:p>
+                  </a:txBody>
+                  <a:tcPr marL="44450" marR="44450" marT="0" marB="0" anchor="b">
+                    <a:solidFill>
+                      <a:schemeClr val="accent2">
+                        <a:lumMod val="75000"/>
+                      </a:schemeClr>
+                    </a:solidFill>
+                  </a:tcPr>
+                </a:tc>
+                <a:extLst>
+                  <a:ext uri="{0D108BD9-81ED-4DB2-BD59-A6C34878D82A}">
+                    <a16:rowId xmlns:a16="http://schemas.microsoft.com/office/drawing/2014/main" val="1630521922"/>
+                  </a:ext>
+                </a:extLst>
+              </a:tr>
+            </a:tbl>
+          </a:graphicData>
+        </a:graphic>
+      </p:graphicFrame>
       <p:sp>
         <p:nvSpPr>
-          <p:cNvPr id="3" name="Espaço Reservado para Texto 2"/>
-          <p:cNvSpPr>
-            <a:spLocks noGrp="1"/>
-          </p:cNvSpPr>
-          <p:nvPr>
-            <p:ph type="body" idx="1"/>
-          </p:nvPr>
+          <p:cNvPr id="8" name="Retângulo 7"/>
+          <p:cNvSpPr/>
+          <p:nvPr/>
         </p:nvSpPr>
-        <p:spPr/>
+        <p:spPr>
+          <a:xfrm>
+            <a:off x="7673010" y="4861504"/>
+            <a:ext cx="4463775" cy="1546577"/>
+          </a:xfrm>
+          <a:prstGeom prst="rect">
+            <a:avLst/>
+          </a:prstGeom>
+        </p:spPr>
         <p:txBody>
-          <a:bodyPr/>
+          <a:bodyPr wrap="square">
+            <a:spAutoFit/>
+          </a:bodyPr>
           <a:lstStyle/>
           <a:p>
+            <a:pPr marL="342900" lvl="0" indent="-342900" algn="just">
+              <a:lnSpc>
+                <a:spcPct val="105000"/>
+              </a:lnSpc>
+              <a:spcAft>
+                <a:spcPts val="0"/>
+              </a:spcAft>
+              <a:buFont typeface="Wingdings" panose="05000000000000000000" pitchFamily="2" charset="2"/>
+              <a:buChar char=""/>
+            </a:pPr>
             <a:r>
-              <a:rPr lang="pt-BR" dirty="0" smtClean="0"/>
-              <a:t>Quais os resultados obtidos pela pesquisa</a:t>
+              <a:rPr lang="pt-BR" dirty="0">
+                <a:latin typeface="Times New Roman" panose="02020603050405020304" pitchFamily="18" charset="0"/>
+                <a:ea typeface="Times New Roman" panose="02020603050405020304" pitchFamily="18" charset="0"/>
+              </a:rPr>
+              <a:t>Verde: 1u;</a:t>
             </a:r>
-            <a:endParaRPr lang="pt-BR" dirty="0"/>
+          </a:p>
+          <a:p>
+            <a:pPr marL="342900" lvl="0" indent="-342900" algn="just">
+              <a:lnSpc>
+                <a:spcPct val="105000"/>
+              </a:lnSpc>
+              <a:spcAft>
+                <a:spcPts val="0"/>
+              </a:spcAft>
+              <a:buFont typeface="Wingdings" panose="05000000000000000000" pitchFamily="2" charset="2"/>
+              <a:buChar char=""/>
+            </a:pPr>
+            <a:r>
+              <a:rPr lang="pt-BR" dirty="0">
+                <a:latin typeface="Times New Roman" panose="02020603050405020304" pitchFamily="18" charset="0"/>
+                <a:ea typeface="Times New Roman" panose="02020603050405020304" pitchFamily="18" charset="0"/>
+              </a:rPr>
+              <a:t>Amarelo: 2u;</a:t>
+            </a:r>
+          </a:p>
+          <a:p>
+            <a:pPr marL="342900" lvl="0" indent="-342900" algn="just">
+              <a:lnSpc>
+                <a:spcPct val="105000"/>
+              </a:lnSpc>
+              <a:spcAft>
+                <a:spcPts val="0"/>
+              </a:spcAft>
+              <a:buFont typeface="Wingdings" panose="05000000000000000000" pitchFamily="2" charset="2"/>
+              <a:buChar char=""/>
+            </a:pPr>
+            <a:r>
+              <a:rPr lang="pt-BR" dirty="0">
+                <a:latin typeface="Times New Roman" panose="02020603050405020304" pitchFamily="18" charset="0"/>
+                <a:ea typeface="Times New Roman" panose="02020603050405020304" pitchFamily="18" charset="0"/>
+              </a:rPr>
+              <a:t>Vermelho: 3u;</a:t>
+            </a:r>
+          </a:p>
+          <a:p>
+            <a:pPr marL="342900" lvl="0" indent="-342900" algn="just">
+              <a:lnSpc>
+                <a:spcPct val="105000"/>
+              </a:lnSpc>
+              <a:spcAft>
+                <a:spcPts val="0"/>
+              </a:spcAft>
+              <a:buFont typeface="Wingdings" panose="05000000000000000000" pitchFamily="2" charset="2"/>
+              <a:buChar char=""/>
+            </a:pPr>
+            <a:r>
+              <a:rPr lang="pt-BR" dirty="0">
+                <a:latin typeface="Times New Roman" panose="02020603050405020304" pitchFamily="18" charset="0"/>
+                <a:ea typeface="Times New Roman" panose="02020603050405020304" pitchFamily="18" charset="0"/>
+              </a:rPr>
+              <a:t>Será atribuído peso 4 ao carro que não pôde estacionar;</a:t>
+            </a:r>
           </a:p>
         </p:txBody>
       </p:sp>
     </p:spTree>
     <p:extLst>
       <p:ext uri="{BB962C8B-B14F-4D97-AF65-F5344CB8AC3E}">
-        <p14:creationId xmlns:p14="http://schemas.microsoft.com/office/powerpoint/2010/main" val="3374778722"/>
+        <p14:creationId xmlns:p14="http://schemas.microsoft.com/office/powerpoint/2010/main" val="3574231650"/>
       </p:ext>
     </p:extLst>
   </p:cSld>
@@ -11477,13 +12083,6 @@
       </p:transition>
     </mc:Fallback>
   </mc:AlternateContent>
-  <p:timing>
-    <p:tnLst>
-      <p:par>
-        <p:cTn id="1" dur="indefinite" restart="never" nodeType="tmRoot"/>
-      </p:par>
-    </p:tnLst>
-  </p:timing>
 </p:sld>
 </file>
 
@@ -11516,28 +12115,47 @@
         </p:nvSpPr>
         <p:spPr/>
         <p:txBody>
-          <a:bodyPr>
-            <a:normAutofit/>
-          </a:bodyPr>
+          <a:bodyPr/>
           <a:lstStyle/>
           <a:p>
-            <a:pPr algn="l" defTabSz="914400">
-              <a:spcBef>
-                <a:spcPts val="0"/>
-              </a:spcBef>
-              <a:buNone/>
-            </a:pPr>
             <a:r>
-              <a:rPr lang="pt-BR" sz="3200" b="0" i="0" dirty="0">
-                <a:solidFill>
-                  <a:schemeClr val="bg1"/>
-                </a:solidFill>
-                <a:latin typeface="Book Antiqua"/>
-                <a:ea typeface="+mj-ea"/>
-                <a:cs typeface="+mj-cs"/>
-              </a:rPr>
-              <a:t>Layout de Título e Conteúdo com Gráfico</a:t>
+              <a:rPr lang="pt-BR" dirty="0"/>
+              <a:t>Conclusão</a:t>
             </a:r>
+          </a:p>
+        </p:txBody>
+      </p:sp>
+      <p:sp>
+        <p:nvSpPr>
+          <p:cNvPr id="3" name="Espaço Reservado para Texto 2"/>
+          <p:cNvSpPr>
+            <a:spLocks noGrp="1"/>
+          </p:cNvSpPr>
+          <p:nvPr>
+            <p:ph type="body" idx="1"/>
+          </p:nvPr>
+        </p:nvSpPr>
+        <p:spPr>
+          <a:xfrm>
+            <a:off x="546100" y="1806574"/>
+            <a:ext cx="4572000" cy="552450"/>
+          </a:xfrm>
+        </p:spPr>
+        <p:txBody>
+          <a:bodyPr/>
+          <a:lstStyle/>
+          <a:p>
+            <a:r>
+              <a:rPr lang="pt-BR" sz="2800" dirty="0"/>
+              <a:t> Simulação Matutino</a:t>
+            </a:r>
+            <a:endParaRPr lang="pt-BR" sz="2800" dirty="0">
+              <a:latin typeface="Times New Roman" panose="02020603050405020304" pitchFamily="18" charset="0"/>
+              <a:ea typeface="Times New Roman" panose="02020603050405020304" pitchFamily="18" charset="0"/>
+            </a:endParaRPr>
+          </a:p>
+          <a:p>
+            <a:endParaRPr lang="pt-BR" dirty="0"/>
           </a:p>
         </p:txBody>
       </p:sp>
@@ -11548,28 +12166,1642 @@
             <a:graphicFrameLocks noGrp="1"/>
           </p:cNvGraphicFramePr>
           <p:nvPr>
-            <p:ph idx="1"/>
+            <p:ph sz="half" idx="2"/>
             <p:extLst>
               <p:ext uri="{D42A27DB-BD31-4B8C-83A1-F6EECF244321}">
-                <p14:modId xmlns:p14="http://schemas.microsoft.com/office/powerpoint/2010/main" val="4241853086"/>
+                <p14:modId xmlns:p14="http://schemas.microsoft.com/office/powerpoint/2010/main" val="481446986"/>
               </p:ext>
             </p:extLst>
           </p:nvPr>
         </p:nvGraphicFramePr>
         <p:xfrm>
-          <a:off x="1295400" y="1828800"/>
-          <a:ext cx="9601200" cy="4343400"/>
+          <a:off x="546100" y="2082799"/>
+          <a:ext cx="4457701" cy="3178811"/>
         </p:xfrm>
         <a:graphic>
-          <a:graphicData uri="http://schemas.openxmlformats.org/drawingml/2006/chart">
-            <c:chart xmlns:c="http://schemas.openxmlformats.org/drawingml/2006/chart" xmlns:r="http://schemas.openxmlformats.org/officeDocument/2006/relationships" r:id="rId2"/>
+          <a:graphicData uri="http://schemas.openxmlformats.org/drawingml/2006/table">
+            <a:tbl>
+              <a:tblPr firstRow="1" firstCol="1" bandRow="1">
+                <a:tableStyleId>{5C22544A-7EE6-4342-B048-85BDC9FD1C3A}</a:tableStyleId>
+              </a:tblPr>
+              <a:tblGrid>
+                <a:gridCol w="955222">
+                  <a:extLst>
+                    <a:ext uri="{9D8B030D-6E8A-4147-A177-3AD203B41FA5}">
+                      <a16:colId xmlns:a16="http://schemas.microsoft.com/office/drawing/2014/main" val="702610461"/>
+                    </a:ext>
+                  </a:extLst>
+                </a:gridCol>
+                <a:gridCol w="955222">
+                  <a:extLst>
+                    <a:ext uri="{9D8B030D-6E8A-4147-A177-3AD203B41FA5}">
+                      <a16:colId xmlns:a16="http://schemas.microsoft.com/office/drawing/2014/main" val="807840258"/>
+                    </a:ext>
+                  </a:extLst>
+                </a:gridCol>
+                <a:gridCol w="955222">
+                  <a:extLst>
+                    <a:ext uri="{9D8B030D-6E8A-4147-A177-3AD203B41FA5}">
+                      <a16:colId xmlns:a16="http://schemas.microsoft.com/office/drawing/2014/main" val="3754120028"/>
+                    </a:ext>
+                  </a:extLst>
+                </a:gridCol>
+                <a:gridCol w="1592035">
+                  <a:extLst>
+                    <a:ext uri="{9D8B030D-6E8A-4147-A177-3AD203B41FA5}">
+                      <a16:colId xmlns:a16="http://schemas.microsoft.com/office/drawing/2014/main" val="1752581650"/>
+                    </a:ext>
+                  </a:extLst>
+                </a:gridCol>
+              </a:tblGrid>
+              <a:tr h="971303">
+                <a:tc>
+                  <a:txBody>
+                    <a:bodyPr/>
+                    <a:lstStyle/>
+                    <a:p>
+                      <a:pPr>
+                        <a:spcAft>
+                          <a:spcPts val="0"/>
+                        </a:spcAft>
+                      </a:pPr>
+                      <a:endParaRPr lang="pt-BR" sz="2000" dirty="0">
+                        <a:effectLst/>
+                        <a:latin typeface="Times New Roman" panose="02020603050405020304" pitchFamily="18" charset="0"/>
+                        <a:ea typeface="Times New Roman" panose="02020603050405020304" pitchFamily="18" charset="0"/>
+                      </a:endParaRPr>
+                    </a:p>
+                  </a:txBody>
+                  <a:tcPr marL="44450" marR="44450" marT="0" marB="0" anchor="b"/>
+                </a:tc>
+                <a:tc>
+                  <a:txBody>
+                    <a:bodyPr/>
+                    <a:lstStyle/>
+                    <a:p>
+                      <a:pPr>
+                        <a:spcAft>
+                          <a:spcPts val="0"/>
+                        </a:spcAft>
+                      </a:pPr>
+                      <a:r>
+                        <a:rPr lang="pt-BR" sz="2000">
+                          <a:effectLst/>
+                        </a:rPr>
+                        <a:t>Vagas</a:t>
+                      </a:r>
+                      <a:endParaRPr lang="pt-BR" sz="2000">
+                        <a:effectLst/>
+                        <a:latin typeface="Times New Roman" panose="02020603050405020304" pitchFamily="18" charset="0"/>
+                        <a:ea typeface="Times New Roman" panose="02020603050405020304" pitchFamily="18" charset="0"/>
+                      </a:endParaRPr>
+                    </a:p>
+                  </a:txBody>
+                  <a:tcPr marL="44450" marR="44450" marT="0" marB="0" anchor="b"/>
+                </a:tc>
+                <a:tc>
+                  <a:txBody>
+                    <a:bodyPr/>
+                    <a:lstStyle/>
+                    <a:p>
+                      <a:pPr>
+                        <a:spcAft>
+                          <a:spcPts val="0"/>
+                        </a:spcAft>
+                      </a:pPr>
+                      <a:r>
+                        <a:rPr lang="pt-BR" sz="2000">
+                          <a:effectLst/>
+                        </a:rPr>
+                        <a:t>Ocupação</a:t>
+                      </a:r>
+                      <a:endParaRPr lang="pt-BR" sz="2000">
+                        <a:effectLst/>
+                        <a:latin typeface="Times New Roman" panose="02020603050405020304" pitchFamily="18" charset="0"/>
+                        <a:ea typeface="Times New Roman" panose="02020603050405020304" pitchFamily="18" charset="0"/>
+                      </a:endParaRPr>
+                    </a:p>
+                  </a:txBody>
+                  <a:tcPr marL="44450" marR="44450" marT="0" marB="0" anchor="b"/>
+                </a:tc>
+                <a:tc>
+                  <a:txBody>
+                    <a:bodyPr/>
+                    <a:lstStyle/>
+                    <a:p>
+                      <a:pPr>
+                        <a:spcAft>
+                          <a:spcPts val="0"/>
+                        </a:spcAft>
+                      </a:pPr>
+                      <a:r>
+                        <a:rPr lang="pt-BR" sz="2000">
+                          <a:effectLst/>
+                        </a:rPr>
+                        <a:t>Disponibilidade</a:t>
+                      </a:r>
+                      <a:endParaRPr lang="pt-BR" sz="2000">
+                        <a:effectLst/>
+                        <a:latin typeface="Times New Roman" panose="02020603050405020304" pitchFamily="18" charset="0"/>
+                        <a:ea typeface="Times New Roman" panose="02020603050405020304" pitchFamily="18" charset="0"/>
+                      </a:endParaRPr>
+                    </a:p>
+                  </a:txBody>
+                  <a:tcPr marL="44450" marR="44450" marT="0" marB="0" anchor="b"/>
+                </a:tc>
+                <a:extLst>
+                  <a:ext uri="{0D108BD9-81ED-4DB2-BD59-A6C34878D82A}">
+                    <a16:rowId xmlns:a16="http://schemas.microsoft.com/office/drawing/2014/main" val="1395902980"/>
+                  </a:ext>
+                </a:extLst>
+              </a:tr>
+              <a:tr h="367918">
+                <a:tc>
+                  <a:txBody>
+                    <a:bodyPr/>
+                    <a:lstStyle/>
+                    <a:p>
+                      <a:pPr>
+                        <a:spcAft>
+                          <a:spcPts val="0"/>
+                        </a:spcAft>
+                      </a:pPr>
+                      <a:r>
+                        <a:rPr lang="pt-BR" sz="2000">
+                          <a:effectLst/>
+                        </a:rPr>
+                        <a:t>A</a:t>
+                      </a:r>
+                      <a:endParaRPr lang="pt-BR" sz="2000">
+                        <a:effectLst/>
+                        <a:latin typeface="Times New Roman" panose="02020603050405020304" pitchFamily="18" charset="0"/>
+                        <a:ea typeface="Times New Roman" panose="02020603050405020304" pitchFamily="18" charset="0"/>
+                      </a:endParaRPr>
+                    </a:p>
+                  </a:txBody>
+                  <a:tcPr marL="44450" marR="44450" marT="0" marB="0" anchor="b"/>
+                </a:tc>
+                <a:tc>
+                  <a:txBody>
+                    <a:bodyPr/>
+                    <a:lstStyle/>
+                    <a:p>
+                      <a:pPr algn="r">
+                        <a:spcAft>
+                          <a:spcPts val="0"/>
+                        </a:spcAft>
+                      </a:pPr>
+                      <a:r>
+                        <a:rPr lang="pt-BR" sz="2000">
+                          <a:effectLst/>
+                        </a:rPr>
+                        <a:t>11</a:t>
+                      </a:r>
+                      <a:endParaRPr lang="pt-BR" sz="2000">
+                        <a:effectLst/>
+                        <a:latin typeface="Times New Roman" panose="02020603050405020304" pitchFamily="18" charset="0"/>
+                        <a:ea typeface="Times New Roman" panose="02020603050405020304" pitchFamily="18" charset="0"/>
+                      </a:endParaRPr>
+                    </a:p>
+                  </a:txBody>
+                  <a:tcPr marL="44450" marR="44450" marT="0" marB="0" anchor="b"/>
+                </a:tc>
+                <a:tc>
+                  <a:txBody>
+                    <a:bodyPr/>
+                    <a:lstStyle/>
+                    <a:p>
+                      <a:pPr algn="r">
+                        <a:spcAft>
+                          <a:spcPts val="0"/>
+                        </a:spcAft>
+                      </a:pPr>
+                      <a:r>
+                        <a:rPr lang="pt-BR" sz="2000">
+                          <a:effectLst/>
+                        </a:rPr>
+                        <a:t>11</a:t>
+                      </a:r>
+                      <a:endParaRPr lang="pt-BR" sz="2000">
+                        <a:effectLst/>
+                        <a:latin typeface="Times New Roman" panose="02020603050405020304" pitchFamily="18" charset="0"/>
+                        <a:ea typeface="Times New Roman" panose="02020603050405020304" pitchFamily="18" charset="0"/>
+                      </a:endParaRPr>
+                    </a:p>
+                  </a:txBody>
+                  <a:tcPr marL="44450" marR="44450" marT="0" marB="0" anchor="b"/>
+                </a:tc>
+                <a:tc>
+                  <a:txBody>
+                    <a:bodyPr/>
+                    <a:lstStyle/>
+                    <a:p>
+                      <a:pPr algn="r">
+                        <a:spcAft>
+                          <a:spcPts val="0"/>
+                        </a:spcAft>
+                      </a:pPr>
+                      <a:r>
+                        <a:rPr lang="pt-BR" sz="2000">
+                          <a:effectLst/>
+                        </a:rPr>
+                        <a:t>1,45</a:t>
+                      </a:r>
+                      <a:endParaRPr lang="pt-BR" sz="2000">
+                        <a:effectLst/>
+                        <a:latin typeface="Times New Roman" panose="02020603050405020304" pitchFamily="18" charset="0"/>
+                        <a:ea typeface="Times New Roman" panose="02020603050405020304" pitchFamily="18" charset="0"/>
+                      </a:endParaRPr>
+                    </a:p>
+                  </a:txBody>
+                  <a:tcPr marL="44450" marR="44450" marT="0" marB="0" anchor="b"/>
+                </a:tc>
+                <a:extLst>
+                  <a:ext uri="{0D108BD9-81ED-4DB2-BD59-A6C34878D82A}">
+                    <a16:rowId xmlns:a16="http://schemas.microsoft.com/office/drawing/2014/main" val="3840409497"/>
+                  </a:ext>
+                </a:extLst>
+              </a:tr>
+              <a:tr h="367918">
+                <a:tc>
+                  <a:txBody>
+                    <a:bodyPr/>
+                    <a:lstStyle/>
+                    <a:p>
+                      <a:pPr>
+                        <a:spcAft>
+                          <a:spcPts val="0"/>
+                        </a:spcAft>
+                      </a:pPr>
+                      <a:r>
+                        <a:rPr lang="pt-BR" sz="2000">
+                          <a:effectLst/>
+                        </a:rPr>
+                        <a:t>B</a:t>
+                      </a:r>
+                      <a:endParaRPr lang="pt-BR" sz="2000">
+                        <a:effectLst/>
+                        <a:latin typeface="Times New Roman" panose="02020603050405020304" pitchFamily="18" charset="0"/>
+                        <a:ea typeface="Times New Roman" panose="02020603050405020304" pitchFamily="18" charset="0"/>
+                      </a:endParaRPr>
+                    </a:p>
+                  </a:txBody>
+                  <a:tcPr marL="44450" marR="44450" marT="0" marB="0" anchor="b"/>
+                </a:tc>
+                <a:tc>
+                  <a:txBody>
+                    <a:bodyPr/>
+                    <a:lstStyle/>
+                    <a:p>
+                      <a:pPr algn="r">
+                        <a:spcAft>
+                          <a:spcPts val="0"/>
+                        </a:spcAft>
+                      </a:pPr>
+                      <a:r>
+                        <a:rPr lang="pt-BR" sz="2000">
+                          <a:effectLst/>
+                        </a:rPr>
+                        <a:t>161</a:t>
+                      </a:r>
+                      <a:endParaRPr lang="pt-BR" sz="2000">
+                        <a:effectLst/>
+                        <a:latin typeface="Times New Roman" panose="02020603050405020304" pitchFamily="18" charset="0"/>
+                        <a:ea typeface="Times New Roman" panose="02020603050405020304" pitchFamily="18" charset="0"/>
+                      </a:endParaRPr>
+                    </a:p>
+                  </a:txBody>
+                  <a:tcPr marL="44450" marR="44450" marT="0" marB="0" anchor="b"/>
+                </a:tc>
+                <a:tc>
+                  <a:txBody>
+                    <a:bodyPr/>
+                    <a:lstStyle/>
+                    <a:p>
+                      <a:pPr algn="r">
+                        <a:spcAft>
+                          <a:spcPts val="0"/>
+                        </a:spcAft>
+                      </a:pPr>
+                      <a:r>
+                        <a:rPr lang="pt-BR" sz="2000">
+                          <a:effectLst/>
+                        </a:rPr>
+                        <a:t>161</a:t>
+                      </a:r>
+                      <a:endParaRPr lang="pt-BR" sz="2000">
+                        <a:effectLst/>
+                        <a:latin typeface="Times New Roman" panose="02020603050405020304" pitchFamily="18" charset="0"/>
+                        <a:ea typeface="Times New Roman" panose="02020603050405020304" pitchFamily="18" charset="0"/>
+                      </a:endParaRPr>
+                    </a:p>
+                  </a:txBody>
+                  <a:tcPr marL="44450" marR="44450" marT="0" marB="0" anchor="b"/>
+                </a:tc>
+                <a:tc>
+                  <a:txBody>
+                    <a:bodyPr/>
+                    <a:lstStyle/>
+                    <a:p>
+                      <a:pPr algn="r">
+                        <a:spcAft>
+                          <a:spcPts val="0"/>
+                        </a:spcAft>
+                      </a:pPr>
+                      <a:r>
+                        <a:rPr lang="pt-BR" sz="2000">
+                          <a:effectLst/>
+                        </a:rPr>
+                        <a:t>1,99</a:t>
+                      </a:r>
+                      <a:endParaRPr lang="pt-BR" sz="2000">
+                        <a:effectLst/>
+                        <a:latin typeface="Times New Roman" panose="02020603050405020304" pitchFamily="18" charset="0"/>
+                        <a:ea typeface="Times New Roman" panose="02020603050405020304" pitchFamily="18" charset="0"/>
+                      </a:endParaRPr>
+                    </a:p>
+                  </a:txBody>
+                  <a:tcPr marL="44450" marR="44450" marT="0" marB="0" anchor="b"/>
+                </a:tc>
+                <a:extLst>
+                  <a:ext uri="{0D108BD9-81ED-4DB2-BD59-A6C34878D82A}">
+                    <a16:rowId xmlns:a16="http://schemas.microsoft.com/office/drawing/2014/main" val="3738524959"/>
+                  </a:ext>
+                </a:extLst>
+              </a:tr>
+              <a:tr h="367918">
+                <a:tc>
+                  <a:txBody>
+                    <a:bodyPr/>
+                    <a:lstStyle/>
+                    <a:p>
+                      <a:pPr>
+                        <a:spcAft>
+                          <a:spcPts val="0"/>
+                        </a:spcAft>
+                      </a:pPr>
+                      <a:r>
+                        <a:rPr lang="pt-BR" sz="2000">
+                          <a:effectLst/>
+                        </a:rPr>
+                        <a:t>C</a:t>
+                      </a:r>
+                      <a:endParaRPr lang="pt-BR" sz="2000">
+                        <a:effectLst/>
+                        <a:latin typeface="Times New Roman" panose="02020603050405020304" pitchFamily="18" charset="0"/>
+                        <a:ea typeface="Times New Roman" panose="02020603050405020304" pitchFamily="18" charset="0"/>
+                      </a:endParaRPr>
+                    </a:p>
+                  </a:txBody>
+                  <a:tcPr marL="44450" marR="44450" marT="0" marB="0" anchor="b"/>
+                </a:tc>
+                <a:tc>
+                  <a:txBody>
+                    <a:bodyPr/>
+                    <a:lstStyle/>
+                    <a:p>
+                      <a:pPr algn="r">
+                        <a:spcAft>
+                          <a:spcPts val="0"/>
+                        </a:spcAft>
+                      </a:pPr>
+                      <a:r>
+                        <a:rPr lang="pt-BR" sz="2000">
+                          <a:effectLst/>
+                        </a:rPr>
+                        <a:t>150</a:t>
+                      </a:r>
+                      <a:endParaRPr lang="pt-BR" sz="2000">
+                        <a:effectLst/>
+                        <a:latin typeface="Times New Roman" panose="02020603050405020304" pitchFamily="18" charset="0"/>
+                        <a:ea typeface="Times New Roman" panose="02020603050405020304" pitchFamily="18" charset="0"/>
+                      </a:endParaRPr>
+                    </a:p>
+                  </a:txBody>
+                  <a:tcPr marL="44450" marR="44450" marT="0" marB="0" anchor="b"/>
+                </a:tc>
+                <a:tc>
+                  <a:txBody>
+                    <a:bodyPr/>
+                    <a:lstStyle/>
+                    <a:p>
+                      <a:pPr algn="r">
+                        <a:spcAft>
+                          <a:spcPts val="0"/>
+                        </a:spcAft>
+                      </a:pPr>
+                      <a:r>
+                        <a:rPr lang="pt-BR" sz="2000">
+                          <a:effectLst/>
+                        </a:rPr>
+                        <a:t>150</a:t>
+                      </a:r>
+                      <a:endParaRPr lang="pt-BR" sz="2000">
+                        <a:effectLst/>
+                        <a:latin typeface="Times New Roman" panose="02020603050405020304" pitchFamily="18" charset="0"/>
+                        <a:ea typeface="Times New Roman" panose="02020603050405020304" pitchFamily="18" charset="0"/>
+                      </a:endParaRPr>
+                    </a:p>
+                  </a:txBody>
+                  <a:tcPr marL="44450" marR="44450" marT="0" marB="0" anchor="b"/>
+                </a:tc>
+                <a:tc>
+                  <a:txBody>
+                    <a:bodyPr/>
+                    <a:lstStyle/>
+                    <a:p>
+                      <a:pPr algn="r">
+                        <a:spcAft>
+                          <a:spcPts val="0"/>
+                        </a:spcAft>
+                      </a:pPr>
+                      <a:r>
+                        <a:rPr lang="pt-BR" sz="2000">
+                          <a:effectLst/>
+                        </a:rPr>
+                        <a:t>1,82</a:t>
+                      </a:r>
+                      <a:endParaRPr lang="pt-BR" sz="2000">
+                        <a:effectLst/>
+                        <a:latin typeface="Times New Roman" panose="02020603050405020304" pitchFamily="18" charset="0"/>
+                        <a:ea typeface="Times New Roman" panose="02020603050405020304" pitchFamily="18" charset="0"/>
+                      </a:endParaRPr>
+                    </a:p>
+                  </a:txBody>
+                  <a:tcPr marL="44450" marR="44450" marT="0" marB="0" anchor="b"/>
+                </a:tc>
+                <a:extLst>
+                  <a:ext uri="{0D108BD9-81ED-4DB2-BD59-A6C34878D82A}">
+                    <a16:rowId xmlns:a16="http://schemas.microsoft.com/office/drawing/2014/main" val="997537647"/>
+                  </a:ext>
+                </a:extLst>
+              </a:tr>
+              <a:tr h="367918">
+                <a:tc>
+                  <a:txBody>
+                    <a:bodyPr/>
+                    <a:lstStyle/>
+                    <a:p>
+                      <a:pPr>
+                        <a:spcAft>
+                          <a:spcPts val="0"/>
+                        </a:spcAft>
+                      </a:pPr>
+                      <a:r>
+                        <a:rPr lang="pt-BR" sz="2000">
+                          <a:effectLst/>
+                        </a:rPr>
+                        <a:t>D</a:t>
+                      </a:r>
+                      <a:endParaRPr lang="pt-BR" sz="2000">
+                        <a:effectLst/>
+                        <a:latin typeface="Times New Roman" panose="02020603050405020304" pitchFamily="18" charset="0"/>
+                        <a:ea typeface="Times New Roman" panose="02020603050405020304" pitchFamily="18" charset="0"/>
+                      </a:endParaRPr>
+                    </a:p>
+                  </a:txBody>
+                  <a:tcPr marL="44450" marR="44450" marT="0" marB="0" anchor="b"/>
+                </a:tc>
+                <a:tc>
+                  <a:txBody>
+                    <a:bodyPr/>
+                    <a:lstStyle/>
+                    <a:p>
+                      <a:pPr algn="r">
+                        <a:spcAft>
+                          <a:spcPts val="0"/>
+                        </a:spcAft>
+                      </a:pPr>
+                      <a:r>
+                        <a:rPr lang="pt-BR" sz="2000">
+                          <a:effectLst/>
+                        </a:rPr>
+                        <a:t>173</a:t>
+                      </a:r>
+                      <a:endParaRPr lang="pt-BR" sz="2000">
+                        <a:effectLst/>
+                        <a:latin typeface="Times New Roman" panose="02020603050405020304" pitchFamily="18" charset="0"/>
+                        <a:ea typeface="Times New Roman" panose="02020603050405020304" pitchFamily="18" charset="0"/>
+                      </a:endParaRPr>
+                    </a:p>
+                  </a:txBody>
+                  <a:tcPr marL="44450" marR="44450" marT="0" marB="0" anchor="b"/>
+                </a:tc>
+                <a:tc>
+                  <a:txBody>
+                    <a:bodyPr/>
+                    <a:lstStyle/>
+                    <a:p>
+                      <a:pPr algn="r">
+                        <a:spcAft>
+                          <a:spcPts val="0"/>
+                        </a:spcAft>
+                      </a:pPr>
+                      <a:r>
+                        <a:rPr lang="pt-BR" sz="2000">
+                          <a:effectLst/>
+                        </a:rPr>
+                        <a:t>173</a:t>
+                      </a:r>
+                      <a:endParaRPr lang="pt-BR" sz="2000">
+                        <a:effectLst/>
+                        <a:latin typeface="Times New Roman" panose="02020603050405020304" pitchFamily="18" charset="0"/>
+                        <a:ea typeface="Times New Roman" panose="02020603050405020304" pitchFamily="18" charset="0"/>
+                      </a:endParaRPr>
+                    </a:p>
+                  </a:txBody>
+                  <a:tcPr marL="44450" marR="44450" marT="0" marB="0" anchor="b"/>
+                </a:tc>
+                <a:tc>
+                  <a:txBody>
+                    <a:bodyPr/>
+                    <a:lstStyle/>
+                    <a:p>
+                      <a:pPr algn="r">
+                        <a:spcAft>
+                          <a:spcPts val="0"/>
+                        </a:spcAft>
+                      </a:pPr>
+                      <a:r>
+                        <a:rPr lang="pt-BR" sz="2000">
+                          <a:effectLst/>
+                        </a:rPr>
+                        <a:t>1,45</a:t>
+                      </a:r>
+                      <a:endParaRPr lang="pt-BR" sz="2000">
+                        <a:effectLst/>
+                        <a:latin typeface="Times New Roman" panose="02020603050405020304" pitchFamily="18" charset="0"/>
+                        <a:ea typeface="Times New Roman" panose="02020603050405020304" pitchFamily="18" charset="0"/>
+                      </a:endParaRPr>
+                    </a:p>
+                  </a:txBody>
+                  <a:tcPr marL="44450" marR="44450" marT="0" marB="0" anchor="b"/>
+                </a:tc>
+                <a:extLst>
+                  <a:ext uri="{0D108BD9-81ED-4DB2-BD59-A6C34878D82A}">
+                    <a16:rowId xmlns:a16="http://schemas.microsoft.com/office/drawing/2014/main" val="2138471121"/>
+                  </a:ext>
+                </a:extLst>
+              </a:tr>
+              <a:tr h="367918">
+                <a:tc>
+                  <a:txBody>
+                    <a:bodyPr/>
+                    <a:lstStyle/>
+                    <a:p>
+                      <a:pPr>
+                        <a:spcAft>
+                          <a:spcPts val="0"/>
+                        </a:spcAft>
+                      </a:pPr>
+                      <a:r>
+                        <a:rPr lang="pt-BR" sz="2000">
+                          <a:effectLst/>
+                        </a:rPr>
+                        <a:t>E</a:t>
+                      </a:r>
+                      <a:endParaRPr lang="pt-BR" sz="2000">
+                        <a:effectLst/>
+                        <a:latin typeface="Times New Roman" panose="02020603050405020304" pitchFamily="18" charset="0"/>
+                        <a:ea typeface="Times New Roman" panose="02020603050405020304" pitchFamily="18" charset="0"/>
+                      </a:endParaRPr>
+                    </a:p>
+                  </a:txBody>
+                  <a:tcPr marL="44450" marR="44450" marT="0" marB="0" anchor="b"/>
+                </a:tc>
+                <a:tc>
+                  <a:txBody>
+                    <a:bodyPr/>
+                    <a:lstStyle/>
+                    <a:p>
+                      <a:pPr algn="r">
+                        <a:spcAft>
+                          <a:spcPts val="0"/>
+                        </a:spcAft>
+                      </a:pPr>
+                      <a:r>
+                        <a:rPr lang="pt-BR" sz="2000">
+                          <a:effectLst/>
+                        </a:rPr>
+                        <a:t>230</a:t>
+                      </a:r>
+                      <a:endParaRPr lang="pt-BR" sz="2000">
+                        <a:effectLst/>
+                        <a:latin typeface="Times New Roman" panose="02020603050405020304" pitchFamily="18" charset="0"/>
+                        <a:ea typeface="Times New Roman" panose="02020603050405020304" pitchFamily="18" charset="0"/>
+                      </a:endParaRPr>
+                    </a:p>
+                  </a:txBody>
+                  <a:tcPr marL="44450" marR="44450" marT="0" marB="0" anchor="b"/>
+                </a:tc>
+                <a:tc>
+                  <a:txBody>
+                    <a:bodyPr/>
+                    <a:lstStyle/>
+                    <a:p>
+                      <a:pPr algn="r">
+                        <a:spcAft>
+                          <a:spcPts val="0"/>
+                        </a:spcAft>
+                      </a:pPr>
+                      <a:r>
+                        <a:rPr lang="pt-BR" sz="2000">
+                          <a:effectLst/>
+                        </a:rPr>
+                        <a:t>133</a:t>
+                      </a:r>
+                      <a:endParaRPr lang="pt-BR" sz="2000">
+                        <a:effectLst/>
+                        <a:latin typeface="Times New Roman" panose="02020603050405020304" pitchFamily="18" charset="0"/>
+                        <a:ea typeface="Times New Roman" panose="02020603050405020304" pitchFamily="18" charset="0"/>
+                      </a:endParaRPr>
+                    </a:p>
+                  </a:txBody>
+                  <a:tcPr marL="44450" marR="44450" marT="0" marB="0" anchor="b"/>
+                </a:tc>
+                <a:tc>
+                  <a:txBody>
+                    <a:bodyPr/>
+                    <a:lstStyle/>
+                    <a:p>
+                      <a:pPr algn="r">
+                        <a:spcAft>
+                          <a:spcPts val="0"/>
+                        </a:spcAft>
+                      </a:pPr>
+                      <a:r>
+                        <a:rPr lang="pt-BR" sz="2000">
+                          <a:effectLst/>
+                        </a:rPr>
+                        <a:t>1</a:t>
+                      </a:r>
+                      <a:endParaRPr lang="pt-BR" sz="2000">
+                        <a:effectLst/>
+                        <a:latin typeface="Times New Roman" panose="02020603050405020304" pitchFamily="18" charset="0"/>
+                        <a:ea typeface="Times New Roman" panose="02020603050405020304" pitchFamily="18" charset="0"/>
+                      </a:endParaRPr>
+                    </a:p>
+                  </a:txBody>
+                  <a:tcPr marL="44450" marR="44450" marT="0" marB="0" anchor="b"/>
+                </a:tc>
+                <a:extLst>
+                  <a:ext uri="{0D108BD9-81ED-4DB2-BD59-A6C34878D82A}">
+                    <a16:rowId xmlns:a16="http://schemas.microsoft.com/office/drawing/2014/main" val="2671644770"/>
+                  </a:ext>
+                </a:extLst>
+              </a:tr>
+              <a:tr h="367918">
+                <a:tc>
+                  <a:txBody>
+                    <a:bodyPr/>
+                    <a:lstStyle/>
+                    <a:p>
+                      <a:pPr>
+                        <a:spcAft>
+                          <a:spcPts val="0"/>
+                        </a:spcAft>
+                      </a:pPr>
+                      <a:r>
+                        <a:rPr lang="pt-BR" sz="2000">
+                          <a:effectLst/>
+                        </a:rPr>
+                        <a:t>F</a:t>
+                      </a:r>
+                      <a:endParaRPr lang="pt-BR" sz="2000">
+                        <a:effectLst/>
+                        <a:latin typeface="Times New Roman" panose="02020603050405020304" pitchFamily="18" charset="0"/>
+                        <a:ea typeface="Times New Roman" panose="02020603050405020304" pitchFamily="18" charset="0"/>
+                      </a:endParaRPr>
+                    </a:p>
+                  </a:txBody>
+                  <a:tcPr marL="44450" marR="44450" marT="0" marB="0" anchor="b"/>
+                </a:tc>
+                <a:tc>
+                  <a:txBody>
+                    <a:bodyPr/>
+                    <a:lstStyle/>
+                    <a:p>
+                      <a:pPr algn="r">
+                        <a:spcAft>
+                          <a:spcPts val="0"/>
+                        </a:spcAft>
+                      </a:pPr>
+                      <a:r>
+                        <a:rPr lang="pt-BR" sz="2000">
+                          <a:effectLst/>
+                        </a:rPr>
+                        <a:t>426</a:t>
+                      </a:r>
+                      <a:endParaRPr lang="pt-BR" sz="2000">
+                        <a:effectLst/>
+                        <a:latin typeface="Times New Roman" panose="02020603050405020304" pitchFamily="18" charset="0"/>
+                        <a:ea typeface="Times New Roman" panose="02020603050405020304" pitchFamily="18" charset="0"/>
+                      </a:endParaRPr>
+                    </a:p>
+                  </a:txBody>
+                  <a:tcPr marL="44450" marR="44450" marT="0" marB="0" anchor="b"/>
+                </a:tc>
+                <a:tc>
+                  <a:txBody>
+                    <a:bodyPr/>
+                    <a:lstStyle/>
+                    <a:p>
+                      <a:pPr algn="r">
+                        <a:spcAft>
+                          <a:spcPts val="0"/>
+                        </a:spcAft>
+                      </a:pPr>
+                      <a:r>
+                        <a:rPr lang="pt-BR" sz="2000">
+                          <a:effectLst/>
+                        </a:rPr>
+                        <a:t>253</a:t>
+                      </a:r>
+                      <a:endParaRPr lang="pt-BR" sz="2000">
+                        <a:effectLst/>
+                        <a:latin typeface="Times New Roman" panose="02020603050405020304" pitchFamily="18" charset="0"/>
+                        <a:ea typeface="Times New Roman" panose="02020603050405020304" pitchFamily="18" charset="0"/>
+                      </a:endParaRPr>
+                    </a:p>
+                  </a:txBody>
+                  <a:tcPr marL="44450" marR="44450" marT="0" marB="0" anchor="b"/>
+                </a:tc>
+                <a:tc>
+                  <a:txBody>
+                    <a:bodyPr/>
+                    <a:lstStyle/>
+                    <a:p>
+                      <a:pPr algn="r">
+                        <a:spcAft>
+                          <a:spcPts val="0"/>
+                        </a:spcAft>
+                      </a:pPr>
+                      <a:r>
+                        <a:rPr lang="pt-BR" sz="2000" dirty="0">
+                          <a:effectLst/>
+                        </a:rPr>
+                        <a:t>1</a:t>
+                      </a:r>
+                      <a:endParaRPr lang="pt-BR" sz="2000" dirty="0">
+                        <a:effectLst/>
+                        <a:latin typeface="Times New Roman" panose="02020603050405020304" pitchFamily="18" charset="0"/>
+                        <a:ea typeface="Times New Roman" panose="02020603050405020304" pitchFamily="18" charset="0"/>
+                      </a:endParaRPr>
+                    </a:p>
+                  </a:txBody>
+                  <a:tcPr marL="44450" marR="44450" marT="0" marB="0" anchor="b"/>
+                </a:tc>
+                <a:extLst>
+                  <a:ext uri="{0D108BD9-81ED-4DB2-BD59-A6C34878D82A}">
+                    <a16:rowId xmlns:a16="http://schemas.microsoft.com/office/drawing/2014/main" val="2971537327"/>
+                  </a:ext>
+                </a:extLst>
+              </a:tr>
+            </a:tbl>
+          </a:graphicData>
+        </a:graphic>
+      </p:graphicFrame>
+      <p:sp>
+        <p:nvSpPr>
+          <p:cNvPr id="5" name="Espaço Reservado para Texto 4"/>
+          <p:cNvSpPr>
+            <a:spLocks noGrp="1"/>
+          </p:cNvSpPr>
+          <p:nvPr>
+            <p:ph type="body" sz="quarter" idx="3"/>
+          </p:nvPr>
+        </p:nvSpPr>
+        <p:spPr>
+          <a:xfrm>
+            <a:off x="6845299" y="1382711"/>
+            <a:ext cx="4572000" cy="847725"/>
+          </a:xfrm>
+        </p:spPr>
+        <p:txBody>
+          <a:bodyPr>
+            <a:normAutofit/>
+          </a:bodyPr>
+          <a:lstStyle/>
+          <a:p>
+            <a:r>
+              <a:rPr lang="pt-BR" sz="2800" dirty="0"/>
+              <a:t>Simulação Noturno</a:t>
+            </a:r>
+          </a:p>
+        </p:txBody>
+      </p:sp>
+      <p:graphicFrame>
+        <p:nvGraphicFramePr>
+          <p:cNvPr id="8" name="Espaço Reservado para Conteúdo 7"/>
+          <p:cNvGraphicFramePr>
+            <a:graphicFrameLocks noGrp="1"/>
+          </p:cNvGraphicFramePr>
+          <p:nvPr>
+            <p:ph sz="quarter" idx="4"/>
+            <p:extLst>
+              <p:ext uri="{D42A27DB-BD31-4B8C-83A1-F6EECF244321}">
+                <p14:modId xmlns:p14="http://schemas.microsoft.com/office/powerpoint/2010/main" val="771864139"/>
+              </p:ext>
+            </p:extLst>
+          </p:nvPr>
+        </p:nvGraphicFramePr>
+        <p:xfrm>
+          <a:off x="6845299" y="2101848"/>
+          <a:ext cx="4394202" cy="3262629"/>
+        </p:xfrm>
+        <a:graphic>
+          <a:graphicData uri="http://schemas.openxmlformats.org/drawingml/2006/table">
+            <a:tbl>
+              <a:tblPr firstRow="1" firstCol="1" bandRow="1">
+                <a:tableStyleId>{5C22544A-7EE6-4342-B048-85BDC9FD1C3A}</a:tableStyleId>
+              </a:tblPr>
+              <a:tblGrid>
+                <a:gridCol w="941615">
+                  <a:extLst>
+                    <a:ext uri="{9D8B030D-6E8A-4147-A177-3AD203B41FA5}">
+                      <a16:colId xmlns:a16="http://schemas.microsoft.com/office/drawing/2014/main" val="2688374308"/>
+                    </a:ext>
+                  </a:extLst>
+                </a:gridCol>
+                <a:gridCol w="941615">
+                  <a:extLst>
+                    <a:ext uri="{9D8B030D-6E8A-4147-A177-3AD203B41FA5}">
+                      <a16:colId xmlns:a16="http://schemas.microsoft.com/office/drawing/2014/main" val="2425370631"/>
+                    </a:ext>
+                  </a:extLst>
+                </a:gridCol>
+                <a:gridCol w="941615">
+                  <a:extLst>
+                    <a:ext uri="{9D8B030D-6E8A-4147-A177-3AD203B41FA5}">
+                      <a16:colId xmlns:a16="http://schemas.microsoft.com/office/drawing/2014/main" val="3628483036"/>
+                    </a:ext>
+                  </a:extLst>
+                </a:gridCol>
+                <a:gridCol w="1569357">
+                  <a:extLst>
+                    <a:ext uri="{9D8B030D-6E8A-4147-A177-3AD203B41FA5}">
+                      <a16:colId xmlns:a16="http://schemas.microsoft.com/office/drawing/2014/main" val="1476819257"/>
+                    </a:ext>
+                  </a:extLst>
+                </a:gridCol>
+              </a:tblGrid>
+              <a:tr h="996915">
+                <a:tc>
+                  <a:txBody>
+                    <a:bodyPr/>
+                    <a:lstStyle/>
+                    <a:p>
+                      <a:pPr>
+                        <a:spcAft>
+                          <a:spcPts val="0"/>
+                        </a:spcAft>
+                      </a:pPr>
+                      <a:r>
+                        <a:rPr lang="pt-BR" sz="2000" dirty="0">
+                          <a:effectLst/>
+                        </a:rPr>
+                        <a:t> Sim. Noturno</a:t>
+                      </a:r>
+                      <a:endParaRPr lang="pt-BR" sz="2000" dirty="0">
+                        <a:effectLst/>
+                        <a:latin typeface="Times New Roman" panose="02020603050405020304" pitchFamily="18" charset="0"/>
+                        <a:ea typeface="Times New Roman" panose="02020603050405020304" pitchFamily="18" charset="0"/>
+                      </a:endParaRPr>
+                    </a:p>
+                  </a:txBody>
+                  <a:tcPr marL="44450" marR="44450" marT="0" marB="0" anchor="b"/>
+                </a:tc>
+                <a:tc>
+                  <a:txBody>
+                    <a:bodyPr/>
+                    <a:lstStyle/>
+                    <a:p>
+                      <a:pPr>
+                        <a:spcAft>
+                          <a:spcPts val="0"/>
+                        </a:spcAft>
+                      </a:pPr>
+                      <a:r>
+                        <a:rPr lang="pt-BR" sz="2000">
+                          <a:effectLst/>
+                        </a:rPr>
+                        <a:t>Vagas</a:t>
+                      </a:r>
+                      <a:endParaRPr lang="pt-BR" sz="2000">
+                        <a:effectLst/>
+                        <a:latin typeface="Times New Roman" panose="02020603050405020304" pitchFamily="18" charset="0"/>
+                        <a:ea typeface="Times New Roman" panose="02020603050405020304" pitchFamily="18" charset="0"/>
+                      </a:endParaRPr>
+                    </a:p>
+                  </a:txBody>
+                  <a:tcPr marL="44450" marR="44450" marT="0" marB="0" anchor="b"/>
+                </a:tc>
+                <a:tc>
+                  <a:txBody>
+                    <a:bodyPr/>
+                    <a:lstStyle/>
+                    <a:p>
+                      <a:pPr>
+                        <a:spcAft>
+                          <a:spcPts val="0"/>
+                        </a:spcAft>
+                      </a:pPr>
+                      <a:r>
+                        <a:rPr lang="pt-BR" sz="2000">
+                          <a:effectLst/>
+                        </a:rPr>
+                        <a:t>Ocupação</a:t>
+                      </a:r>
+                      <a:endParaRPr lang="pt-BR" sz="2000">
+                        <a:effectLst/>
+                        <a:latin typeface="Times New Roman" panose="02020603050405020304" pitchFamily="18" charset="0"/>
+                        <a:ea typeface="Times New Roman" panose="02020603050405020304" pitchFamily="18" charset="0"/>
+                      </a:endParaRPr>
+                    </a:p>
+                  </a:txBody>
+                  <a:tcPr marL="44450" marR="44450" marT="0" marB="0" anchor="b"/>
+                </a:tc>
+                <a:tc>
+                  <a:txBody>
+                    <a:bodyPr/>
+                    <a:lstStyle/>
+                    <a:p>
+                      <a:pPr>
+                        <a:spcAft>
+                          <a:spcPts val="0"/>
+                        </a:spcAft>
+                      </a:pPr>
+                      <a:r>
+                        <a:rPr lang="pt-BR" sz="2000">
+                          <a:effectLst/>
+                        </a:rPr>
+                        <a:t>Disponibilidade</a:t>
+                      </a:r>
+                      <a:endParaRPr lang="pt-BR" sz="2000">
+                        <a:effectLst/>
+                        <a:latin typeface="Times New Roman" panose="02020603050405020304" pitchFamily="18" charset="0"/>
+                        <a:ea typeface="Times New Roman" panose="02020603050405020304" pitchFamily="18" charset="0"/>
+                      </a:endParaRPr>
+                    </a:p>
+                  </a:txBody>
+                  <a:tcPr marL="44450" marR="44450" marT="0" marB="0" anchor="b"/>
+                </a:tc>
+                <a:extLst>
+                  <a:ext uri="{0D108BD9-81ED-4DB2-BD59-A6C34878D82A}">
+                    <a16:rowId xmlns:a16="http://schemas.microsoft.com/office/drawing/2014/main" val="2899022774"/>
+                  </a:ext>
+                </a:extLst>
+              </a:tr>
+              <a:tr h="377619">
+                <a:tc>
+                  <a:txBody>
+                    <a:bodyPr/>
+                    <a:lstStyle/>
+                    <a:p>
+                      <a:pPr>
+                        <a:spcAft>
+                          <a:spcPts val="0"/>
+                        </a:spcAft>
+                      </a:pPr>
+                      <a:r>
+                        <a:rPr lang="pt-BR" sz="2000">
+                          <a:effectLst/>
+                        </a:rPr>
+                        <a:t>A</a:t>
+                      </a:r>
+                      <a:endParaRPr lang="pt-BR" sz="2000">
+                        <a:effectLst/>
+                        <a:latin typeface="Times New Roman" panose="02020603050405020304" pitchFamily="18" charset="0"/>
+                        <a:ea typeface="Times New Roman" panose="02020603050405020304" pitchFamily="18" charset="0"/>
+                      </a:endParaRPr>
+                    </a:p>
+                  </a:txBody>
+                  <a:tcPr marL="44450" marR="44450" marT="0" marB="0" anchor="b"/>
+                </a:tc>
+                <a:tc>
+                  <a:txBody>
+                    <a:bodyPr/>
+                    <a:lstStyle/>
+                    <a:p>
+                      <a:pPr algn="r">
+                        <a:spcAft>
+                          <a:spcPts val="0"/>
+                        </a:spcAft>
+                      </a:pPr>
+                      <a:r>
+                        <a:rPr lang="pt-BR" sz="2000">
+                          <a:effectLst/>
+                        </a:rPr>
+                        <a:t>11</a:t>
+                      </a:r>
+                      <a:endParaRPr lang="pt-BR" sz="2000">
+                        <a:effectLst/>
+                        <a:latin typeface="Times New Roman" panose="02020603050405020304" pitchFamily="18" charset="0"/>
+                        <a:ea typeface="Times New Roman" panose="02020603050405020304" pitchFamily="18" charset="0"/>
+                      </a:endParaRPr>
+                    </a:p>
+                  </a:txBody>
+                  <a:tcPr marL="44450" marR="44450" marT="0" marB="0" anchor="b"/>
+                </a:tc>
+                <a:tc>
+                  <a:txBody>
+                    <a:bodyPr/>
+                    <a:lstStyle/>
+                    <a:p>
+                      <a:pPr algn="r">
+                        <a:spcAft>
+                          <a:spcPts val="0"/>
+                        </a:spcAft>
+                      </a:pPr>
+                      <a:r>
+                        <a:rPr lang="pt-BR" sz="2000">
+                          <a:effectLst/>
+                        </a:rPr>
+                        <a:t>11</a:t>
+                      </a:r>
+                      <a:endParaRPr lang="pt-BR" sz="2000">
+                        <a:effectLst/>
+                        <a:latin typeface="Times New Roman" panose="02020603050405020304" pitchFamily="18" charset="0"/>
+                        <a:ea typeface="Times New Roman" panose="02020603050405020304" pitchFamily="18" charset="0"/>
+                      </a:endParaRPr>
+                    </a:p>
+                  </a:txBody>
+                  <a:tcPr marL="44450" marR="44450" marT="0" marB="0" anchor="b"/>
+                </a:tc>
+                <a:tc>
+                  <a:txBody>
+                    <a:bodyPr/>
+                    <a:lstStyle/>
+                    <a:p>
+                      <a:pPr algn="r">
+                        <a:spcAft>
+                          <a:spcPts val="0"/>
+                        </a:spcAft>
+                      </a:pPr>
+                      <a:r>
+                        <a:rPr lang="pt-BR" sz="2000">
+                          <a:effectLst/>
+                        </a:rPr>
+                        <a:t>1,92</a:t>
+                      </a:r>
+                      <a:endParaRPr lang="pt-BR" sz="2000">
+                        <a:effectLst/>
+                        <a:latin typeface="Times New Roman" panose="02020603050405020304" pitchFamily="18" charset="0"/>
+                        <a:ea typeface="Times New Roman" panose="02020603050405020304" pitchFamily="18" charset="0"/>
+                      </a:endParaRPr>
+                    </a:p>
+                  </a:txBody>
+                  <a:tcPr marL="44450" marR="44450" marT="0" marB="0" anchor="b"/>
+                </a:tc>
+                <a:extLst>
+                  <a:ext uri="{0D108BD9-81ED-4DB2-BD59-A6C34878D82A}">
+                    <a16:rowId xmlns:a16="http://schemas.microsoft.com/office/drawing/2014/main" val="1696707840"/>
+                  </a:ext>
+                </a:extLst>
+              </a:tr>
+              <a:tr h="377619">
+                <a:tc>
+                  <a:txBody>
+                    <a:bodyPr/>
+                    <a:lstStyle/>
+                    <a:p>
+                      <a:pPr>
+                        <a:spcAft>
+                          <a:spcPts val="0"/>
+                        </a:spcAft>
+                      </a:pPr>
+                      <a:r>
+                        <a:rPr lang="pt-BR" sz="2000">
+                          <a:effectLst/>
+                        </a:rPr>
+                        <a:t>B</a:t>
+                      </a:r>
+                      <a:endParaRPr lang="pt-BR" sz="2000">
+                        <a:effectLst/>
+                        <a:latin typeface="Times New Roman" panose="02020603050405020304" pitchFamily="18" charset="0"/>
+                        <a:ea typeface="Times New Roman" panose="02020603050405020304" pitchFamily="18" charset="0"/>
+                      </a:endParaRPr>
+                    </a:p>
+                  </a:txBody>
+                  <a:tcPr marL="44450" marR="44450" marT="0" marB="0" anchor="b"/>
+                </a:tc>
+                <a:tc>
+                  <a:txBody>
+                    <a:bodyPr/>
+                    <a:lstStyle/>
+                    <a:p>
+                      <a:pPr algn="r">
+                        <a:spcAft>
+                          <a:spcPts val="0"/>
+                        </a:spcAft>
+                      </a:pPr>
+                      <a:r>
+                        <a:rPr lang="pt-BR" sz="2000">
+                          <a:effectLst/>
+                        </a:rPr>
+                        <a:t>161</a:t>
+                      </a:r>
+                      <a:endParaRPr lang="pt-BR" sz="2000">
+                        <a:effectLst/>
+                        <a:latin typeface="Times New Roman" panose="02020603050405020304" pitchFamily="18" charset="0"/>
+                        <a:ea typeface="Times New Roman" panose="02020603050405020304" pitchFamily="18" charset="0"/>
+                      </a:endParaRPr>
+                    </a:p>
+                  </a:txBody>
+                  <a:tcPr marL="44450" marR="44450" marT="0" marB="0" anchor="b"/>
+                </a:tc>
+                <a:tc>
+                  <a:txBody>
+                    <a:bodyPr/>
+                    <a:lstStyle/>
+                    <a:p>
+                      <a:pPr algn="r">
+                        <a:spcAft>
+                          <a:spcPts val="0"/>
+                        </a:spcAft>
+                      </a:pPr>
+                      <a:r>
+                        <a:rPr lang="pt-BR" sz="2000">
+                          <a:effectLst/>
+                        </a:rPr>
+                        <a:t>161</a:t>
+                      </a:r>
+                      <a:endParaRPr lang="pt-BR" sz="2000">
+                        <a:effectLst/>
+                        <a:latin typeface="Times New Roman" panose="02020603050405020304" pitchFamily="18" charset="0"/>
+                        <a:ea typeface="Times New Roman" panose="02020603050405020304" pitchFamily="18" charset="0"/>
+                      </a:endParaRPr>
+                    </a:p>
+                  </a:txBody>
+                  <a:tcPr marL="44450" marR="44450" marT="0" marB="0" anchor="b"/>
+                </a:tc>
+                <a:tc>
+                  <a:txBody>
+                    <a:bodyPr/>
+                    <a:lstStyle/>
+                    <a:p>
+                      <a:pPr algn="r">
+                        <a:spcAft>
+                          <a:spcPts val="0"/>
+                        </a:spcAft>
+                      </a:pPr>
+                      <a:r>
+                        <a:rPr lang="pt-BR" sz="2000">
+                          <a:effectLst/>
+                        </a:rPr>
+                        <a:t>2,48</a:t>
+                      </a:r>
+                      <a:endParaRPr lang="pt-BR" sz="2000">
+                        <a:effectLst/>
+                        <a:latin typeface="Times New Roman" panose="02020603050405020304" pitchFamily="18" charset="0"/>
+                        <a:ea typeface="Times New Roman" panose="02020603050405020304" pitchFamily="18" charset="0"/>
+                      </a:endParaRPr>
+                    </a:p>
+                  </a:txBody>
+                  <a:tcPr marL="44450" marR="44450" marT="0" marB="0" anchor="b"/>
+                </a:tc>
+                <a:extLst>
+                  <a:ext uri="{0D108BD9-81ED-4DB2-BD59-A6C34878D82A}">
+                    <a16:rowId xmlns:a16="http://schemas.microsoft.com/office/drawing/2014/main" val="847469547"/>
+                  </a:ext>
+                </a:extLst>
+              </a:tr>
+              <a:tr h="377619">
+                <a:tc>
+                  <a:txBody>
+                    <a:bodyPr/>
+                    <a:lstStyle/>
+                    <a:p>
+                      <a:pPr>
+                        <a:spcAft>
+                          <a:spcPts val="0"/>
+                        </a:spcAft>
+                      </a:pPr>
+                      <a:r>
+                        <a:rPr lang="pt-BR" sz="2000">
+                          <a:effectLst/>
+                        </a:rPr>
+                        <a:t>C</a:t>
+                      </a:r>
+                      <a:endParaRPr lang="pt-BR" sz="2000">
+                        <a:effectLst/>
+                        <a:latin typeface="Times New Roman" panose="02020603050405020304" pitchFamily="18" charset="0"/>
+                        <a:ea typeface="Times New Roman" panose="02020603050405020304" pitchFamily="18" charset="0"/>
+                      </a:endParaRPr>
+                    </a:p>
+                  </a:txBody>
+                  <a:tcPr marL="44450" marR="44450" marT="0" marB="0" anchor="b"/>
+                </a:tc>
+                <a:tc>
+                  <a:txBody>
+                    <a:bodyPr/>
+                    <a:lstStyle/>
+                    <a:p>
+                      <a:pPr algn="r">
+                        <a:spcAft>
+                          <a:spcPts val="0"/>
+                        </a:spcAft>
+                      </a:pPr>
+                      <a:r>
+                        <a:rPr lang="pt-BR" sz="2000">
+                          <a:effectLst/>
+                        </a:rPr>
+                        <a:t>150</a:t>
+                      </a:r>
+                      <a:endParaRPr lang="pt-BR" sz="2000">
+                        <a:effectLst/>
+                        <a:latin typeface="Times New Roman" panose="02020603050405020304" pitchFamily="18" charset="0"/>
+                        <a:ea typeface="Times New Roman" panose="02020603050405020304" pitchFamily="18" charset="0"/>
+                      </a:endParaRPr>
+                    </a:p>
+                  </a:txBody>
+                  <a:tcPr marL="44450" marR="44450" marT="0" marB="0" anchor="b"/>
+                </a:tc>
+                <a:tc>
+                  <a:txBody>
+                    <a:bodyPr/>
+                    <a:lstStyle/>
+                    <a:p>
+                      <a:pPr algn="r">
+                        <a:spcAft>
+                          <a:spcPts val="0"/>
+                        </a:spcAft>
+                      </a:pPr>
+                      <a:r>
+                        <a:rPr lang="pt-BR" sz="2000">
+                          <a:effectLst/>
+                        </a:rPr>
+                        <a:t>150</a:t>
+                      </a:r>
+                      <a:endParaRPr lang="pt-BR" sz="2000">
+                        <a:effectLst/>
+                        <a:latin typeface="Times New Roman" panose="02020603050405020304" pitchFamily="18" charset="0"/>
+                        <a:ea typeface="Times New Roman" panose="02020603050405020304" pitchFamily="18" charset="0"/>
+                      </a:endParaRPr>
+                    </a:p>
+                  </a:txBody>
+                  <a:tcPr marL="44450" marR="44450" marT="0" marB="0" anchor="b"/>
+                </a:tc>
+                <a:tc>
+                  <a:txBody>
+                    <a:bodyPr/>
+                    <a:lstStyle/>
+                    <a:p>
+                      <a:pPr algn="r">
+                        <a:spcAft>
+                          <a:spcPts val="0"/>
+                        </a:spcAft>
+                      </a:pPr>
+                      <a:r>
+                        <a:rPr lang="pt-BR" sz="2000">
+                          <a:effectLst/>
+                        </a:rPr>
+                        <a:t>2,19</a:t>
+                      </a:r>
+                      <a:endParaRPr lang="pt-BR" sz="2000">
+                        <a:effectLst/>
+                        <a:latin typeface="Times New Roman" panose="02020603050405020304" pitchFamily="18" charset="0"/>
+                        <a:ea typeface="Times New Roman" panose="02020603050405020304" pitchFamily="18" charset="0"/>
+                      </a:endParaRPr>
+                    </a:p>
+                  </a:txBody>
+                  <a:tcPr marL="44450" marR="44450" marT="0" marB="0" anchor="b"/>
+                </a:tc>
+                <a:extLst>
+                  <a:ext uri="{0D108BD9-81ED-4DB2-BD59-A6C34878D82A}">
+                    <a16:rowId xmlns:a16="http://schemas.microsoft.com/office/drawing/2014/main" val="665213475"/>
+                  </a:ext>
+                </a:extLst>
+              </a:tr>
+              <a:tr h="377619">
+                <a:tc>
+                  <a:txBody>
+                    <a:bodyPr/>
+                    <a:lstStyle/>
+                    <a:p>
+                      <a:pPr>
+                        <a:spcAft>
+                          <a:spcPts val="0"/>
+                        </a:spcAft>
+                      </a:pPr>
+                      <a:r>
+                        <a:rPr lang="pt-BR" sz="2000">
+                          <a:effectLst/>
+                        </a:rPr>
+                        <a:t>D</a:t>
+                      </a:r>
+                      <a:endParaRPr lang="pt-BR" sz="2000">
+                        <a:effectLst/>
+                        <a:latin typeface="Times New Roman" panose="02020603050405020304" pitchFamily="18" charset="0"/>
+                        <a:ea typeface="Times New Roman" panose="02020603050405020304" pitchFamily="18" charset="0"/>
+                      </a:endParaRPr>
+                    </a:p>
+                  </a:txBody>
+                  <a:tcPr marL="44450" marR="44450" marT="0" marB="0" anchor="b"/>
+                </a:tc>
+                <a:tc>
+                  <a:txBody>
+                    <a:bodyPr/>
+                    <a:lstStyle/>
+                    <a:p>
+                      <a:pPr algn="r">
+                        <a:spcAft>
+                          <a:spcPts val="0"/>
+                        </a:spcAft>
+                      </a:pPr>
+                      <a:r>
+                        <a:rPr lang="pt-BR" sz="2000">
+                          <a:effectLst/>
+                        </a:rPr>
+                        <a:t>173</a:t>
+                      </a:r>
+                      <a:endParaRPr lang="pt-BR" sz="2000">
+                        <a:effectLst/>
+                        <a:latin typeface="Times New Roman" panose="02020603050405020304" pitchFamily="18" charset="0"/>
+                        <a:ea typeface="Times New Roman" panose="02020603050405020304" pitchFamily="18" charset="0"/>
+                      </a:endParaRPr>
+                    </a:p>
+                  </a:txBody>
+                  <a:tcPr marL="44450" marR="44450" marT="0" marB="0" anchor="b"/>
+                </a:tc>
+                <a:tc>
+                  <a:txBody>
+                    <a:bodyPr/>
+                    <a:lstStyle/>
+                    <a:p>
+                      <a:pPr algn="r">
+                        <a:spcAft>
+                          <a:spcPts val="0"/>
+                        </a:spcAft>
+                      </a:pPr>
+                      <a:r>
+                        <a:rPr lang="pt-BR" sz="2000">
+                          <a:effectLst/>
+                        </a:rPr>
+                        <a:t>173</a:t>
+                      </a:r>
+                      <a:endParaRPr lang="pt-BR" sz="2000">
+                        <a:effectLst/>
+                        <a:latin typeface="Times New Roman" panose="02020603050405020304" pitchFamily="18" charset="0"/>
+                        <a:ea typeface="Times New Roman" panose="02020603050405020304" pitchFamily="18" charset="0"/>
+                      </a:endParaRPr>
+                    </a:p>
+                  </a:txBody>
+                  <a:tcPr marL="44450" marR="44450" marT="0" marB="0" anchor="b"/>
+                </a:tc>
+                <a:tc>
+                  <a:txBody>
+                    <a:bodyPr/>
+                    <a:lstStyle/>
+                    <a:p>
+                      <a:pPr algn="r">
+                        <a:spcAft>
+                          <a:spcPts val="0"/>
+                        </a:spcAft>
+                      </a:pPr>
+                      <a:r>
+                        <a:rPr lang="pt-BR" sz="2000">
+                          <a:effectLst/>
+                        </a:rPr>
+                        <a:t>1,94</a:t>
+                      </a:r>
+                      <a:endParaRPr lang="pt-BR" sz="2000">
+                        <a:effectLst/>
+                        <a:latin typeface="Times New Roman" panose="02020603050405020304" pitchFamily="18" charset="0"/>
+                        <a:ea typeface="Times New Roman" panose="02020603050405020304" pitchFamily="18" charset="0"/>
+                      </a:endParaRPr>
+                    </a:p>
+                  </a:txBody>
+                  <a:tcPr marL="44450" marR="44450" marT="0" marB="0" anchor="b"/>
+                </a:tc>
+                <a:extLst>
+                  <a:ext uri="{0D108BD9-81ED-4DB2-BD59-A6C34878D82A}">
+                    <a16:rowId xmlns:a16="http://schemas.microsoft.com/office/drawing/2014/main" val="547799036"/>
+                  </a:ext>
+                </a:extLst>
+              </a:tr>
+              <a:tr h="377619">
+                <a:tc>
+                  <a:txBody>
+                    <a:bodyPr/>
+                    <a:lstStyle/>
+                    <a:p>
+                      <a:pPr>
+                        <a:spcAft>
+                          <a:spcPts val="0"/>
+                        </a:spcAft>
+                      </a:pPr>
+                      <a:r>
+                        <a:rPr lang="pt-BR" sz="2000">
+                          <a:effectLst/>
+                        </a:rPr>
+                        <a:t>E</a:t>
+                      </a:r>
+                      <a:endParaRPr lang="pt-BR" sz="2000">
+                        <a:effectLst/>
+                        <a:latin typeface="Times New Roman" panose="02020603050405020304" pitchFamily="18" charset="0"/>
+                        <a:ea typeface="Times New Roman" panose="02020603050405020304" pitchFamily="18" charset="0"/>
+                      </a:endParaRPr>
+                    </a:p>
+                  </a:txBody>
+                  <a:tcPr marL="44450" marR="44450" marT="0" marB="0" anchor="b"/>
+                </a:tc>
+                <a:tc>
+                  <a:txBody>
+                    <a:bodyPr/>
+                    <a:lstStyle/>
+                    <a:p>
+                      <a:pPr algn="r">
+                        <a:spcAft>
+                          <a:spcPts val="0"/>
+                        </a:spcAft>
+                      </a:pPr>
+                      <a:r>
+                        <a:rPr lang="pt-BR" sz="2000">
+                          <a:effectLst/>
+                        </a:rPr>
+                        <a:t>230</a:t>
+                      </a:r>
+                      <a:endParaRPr lang="pt-BR" sz="2000">
+                        <a:effectLst/>
+                        <a:latin typeface="Times New Roman" panose="02020603050405020304" pitchFamily="18" charset="0"/>
+                        <a:ea typeface="Times New Roman" panose="02020603050405020304" pitchFamily="18" charset="0"/>
+                      </a:endParaRPr>
+                    </a:p>
+                  </a:txBody>
+                  <a:tcPr marL="44450" marR="44450" marT="0" marB="0" anchor="b"/>
+                </a:tc>
+                <a:tc>
+                  <a:txBody>
+                    <a:bodyPr/>
+                    <a:lstStyle/>
+                    <a:p>
+                      <a:pPr algn="r">
+                        <a:spcAft>
+                          <a:spcPts val="0"/>
+                        </a:spcAft>
+                      </a:pPr>
+                      <a:r>
+                        <a:rPr lang="pt-BR" sz="2000">
+                          <a:effectLst/>
+                        </a:rPr>
+                        <a:t>184</a:t>
+                      </a:r>
+                      <a:endParaRPr lang="pt-BR" sz="2000">
+                        <a:effectLst/>
+                        <a:latin typeface="Times New Roman" panose="02020603050405020304" pitchFamily="18" charset="0"/>
+                        <a:ea typeface="Times New Roman" panose="02020603050405020304" pitchFamily="18" charset="0"/>
+                      </a:endParaRPr>
+                    </a:p>
+                  </a:txBody>
+                  <a:tcPr marL="44450" marR="44450" marT="0" marB="0" anchor="b"/>
+                </a:tc>
+                <a:tc>
+                  <a:txBody>
+                    <a:bodyPr/>
+                    <a:lstStyle/>
+                    <a:p>
+                      <a:pPr algn="r">
+                        <a:spcAft>
+                          <a:spcPts val="0"/>
+                        </a:spcAft>
+                      </a:pPr>
+                      <a:r>
+                        <a:rPr lang="pt-BR" sz="2000">
+                          <a:effectLst/>
+                        </a:rPr>
+                        <a:t>1</a:t>
+                      </a:r>
+                      <a:endParaRPr lang="pt-BR" sz="2000">
+                        <a:effectLst/>
+                        <a:latin typeface="Times New Roman" panose="02020603050405020304" pitchFamily="18" charset="0"/>
+                        <a:ea typeface="Times New Roman" panose="02020603050405020304" pitchFamily="18" charset="0"/>
+                      </a:endParaRPr>
+                    </a:p>
+                  </a:txBody>
+                  <a:tcPr marL="44450" marR="44450" marT="0" marB="0" anchor="b"/>
+                </a:tc>
+                <a:extLst>
+                  <a:ext uri="{0D108BD9-81ED-4DB2-BD59-A6C34878D82A}">
+                    <a16:rowId xmlns:a16="http://schemas.microsoft.com/office/drawing/2014/main" val="2312428325"/>
+                  </a:ext>
+                </a:extLst>
+              </a:tr>
+              <a:tr h="377619">
+                <a:tc>
+                  <a:txBody>
+                    <a:bodyPr/>
+                    <a:lstStyle/>
+                    <a:p>
+                      <a:pPr>
+                        <a:spcAft>
+                          <a:spcPts val="0"/>
+                        </a:spcAft>
+                      </a:pPr>
+                      <a:r>
+                        <a:rPr lang="pt-BR" sz="2000">
+                          <a:effectLst/>
+                        </a:rPr>
+                        <a:t>F</a:t>
+                      </a:r>
+                      <a:endParaRPr lang="pt-BR" sz="2000">
+                        <a:effectLst/>
+                        <a:latin typeface="Times New Roman" panose="02020603050405020304" pitchFamily="18" charset="0"/>
+                        <a:ea typeface="Times New Roman" panose="02020603050405020304" pitchFamily="18" charset="0"/>
+                      </a:endParaRPr>
+                    </a:p>
+                  </a:txBody>
+                  <a:tcPr marL="44450" marR="44450" marT="0" marB="0" anchor="b"/>
+                </a:tc>
+                <a:tc>
+                  <a:txBody>
+                    <a:bodyPr/>
+                    <a:lstStyle/>
+                    <a:p>
+                      <a:pPr algn="r">
+                        <a:spcAft>
+                          <a:spcPts val="0"/>
+                        </a:spcAft>
+                      </a:pPr>
+                      <a:r>
+                        <a:rPr lang="pt-BR" sz="2000">
+                          <a:effectLst/>
+                        </a:rPr>
+                        <a:t>426</a:t>
+                      </a:r>
+                      <a:endParaRPr lang="pt-BR" sz="2000">
+                        <a:effectLst/>
+                        <a:latin typeface="Times New Roman" panose="02020603050405020304" pitchFamily="18" charset="0"/>
+                        <a:ea typeface="Times New Roman" panose="02020603050405020304" pitchFamily="18" charset="0"/>
+                      </a:endParaRPr>
+                    </a:p>
+                  </a:txBody>
+                  <a:tcPr marL="44450" marR="44450" marT="0" marB="0" anchor="b"/>
+                </a:tc>
+                <a:tc>
+                  <a:txBody>
+                    <a:bodyPr/>
+                    <a:lstStyle/>
+                    <a:p>
+                      <a:pPr algn="r">
+                        <a:spcAft>
+                          <a:spcPts val="0"/>
+                        </a:spcAft>
+                      </a:pPr>
+                      <a:r>
+                        <a:rPr lang="pt-BR" sz="2000">
+                          <a:effectLst/>
+                        </a:rPr>
+                        <a:t>426</a:t>
+                      </a:r>
+                      <a:endParaRPr lang="pt-BR" sz="2000">
+                        <a:effectLst/>
+                        <a:latin typeface="Times New Roman" panose="02020603050405020304" pitchFamily="18" charset="0"/>
+                        <a:ea typeface="Times New Roman" panose="02020603050405020304" pitchFamily="18" charset="0"/>
+                      </a:endParaRPr>
+                    </a:p>
+                  </a:txBody>
+                  <a:tcPr marL="44450" marR="44450" marT="0" marB="0" anchor="b"/>
+                </a:tc>
+                <a:tc>
+                  <a:txBody>
+                    <a:bodyPr/>
+                    <a:lstStyle/>
+                    <a:p>
+                      <a:pPr algn="r">
+                        <a:spcAft>
+                          <a:spcPts val="0"/>
+                        </a:spcAft>
+                      </a:pPr>
+                      <a:r>
+                        <a:rPr lang="pt-BR" sz="2000" dirty="0">
+                          <a:effectLst/>
+                        </a:rPr>
+                        <a:t>1,92</a:t>
+                      </a:r>
+                      <a:endParaRPr lang="pt-BR" sz="2000" dirty="0">
+                        <a:effectLst/>
+                        <a:latin typeface="Times New Roman" panose="02020603050405020304" pitchFamily="18" charset="0"/>
+                        <a:ea typeface="Times New Roman" panose="02020603050405020304" pitchFamily="18" charset="0"/>
+                      </a:endParaRPr>
+                    </a:p>
+                  </a:txBody>
+                  <a:tcPr marL="44450" marR="44450" marT="0" marB="0" anchor="b"/>
+                </a:tc>
+                <a:extLst>
+                  <a:ext uri="{0D108BD9-81ED-4DB2-BD59-A6C34878D82A}">
+                    <a16:rowId xmlns:a16="http://schemas.microsoft.com/office/drawing/2014/main" val="1471975611"/>
+                  </a:ext>
+                </a:extLst>
+              </a:tr>
+            </a:tbl>
           </a:graphicData>
         </a:graphic>
       </p:graphicFrame>
     </p:spTree>
     <p:extLst>
       <p:ext uri="{BB962C8B-B14F-4D97-AF65-F5344CB8AC3E}">
-        <p14:creationId xmlns:p14="http://schemas.microsoft.com/office/powerpoint/2010/main" val="3574231650"/>
+        <p14:creationId xmlns:p14="http://schemas.microsoft.com/office/powerpoint/2010/main" val="737118897"/>
       </p:ext>
     </p:extLst>
   </p:cSld>
@@ -11588,13 +13820,6 @@
       </p:transition>
     </mc:Fallback>
   </mc:AlternateContent>
-  <p:timing>
-    <p:tnLst>
-      <p:par>
-        <p:cTn id="1" dur="indefinite" restart="never" nodeType="tmRoot"/>
-      </p:par>
-    </p:tnLst>
-  </p:timing>
 </p:sld>
 </file>
 
@@ -11630,90 +13855,96 @@
           <a:bodyPr/>
           <a:lstStyle/>
           <a:p>
-            <a:endParaRPr lang="pt-BR" dirty="0"/>
+            <a:r>
+              <a:rPr lang="pt-BR" dirty="0"/>
+              <a:t>Conclusão</a:t>
+            </a:r>
           </a:p>
         </p:txBody>
       </p:sp>
       <p:sp>
         <p:nvSpPr>
-          <p:cNvPr id="3" name="Espaço Reservado para Texto 2"/>
-          <p:cNvSpPr>
-            <a:spLocks noGrp="1"/>
-          </p:cNvSpPr>
-          <p:nvPr>
-            <p:ph type="body" idx="1"/>
-          </p:nvPr>
+          <p:cNvPr id="3" name="Retângulo 2"/>
+          <p:cNvSpPr/>
+          <p:nvPr/>
         </p:nvSpPr>
-        <p:spPr/>
+        <p:spPr>
+          <a:xfrm>
+            <a:off x="1473200" y="2801136"/>
+            <a:ext cx="7670800" cy="1546577"/>
+          </a:xfrm>
+          <a:prstGeom prst="rect">
+            <a:avLst/>
+          </a:prstGeom>
+        </p:spPr>
         <p:txBody>
-          <a:bodyPr/>
+          <a:bodyPr wrap="square">
+            <a:spAutoFit/>
+          </a:bodyPr>
           <a:lstStyle/>
           <a:p>
-            <a:endParaRPr lang="pt-BR" dirty="0"/>
-          </a:p>
-        </p:txBody>
-      </p:sp>
-      <p:sp>
-        <p:nvSpPr>
-          <p:cNvPr id="4" name="Espaço Reservado para Conteúdo 3"/>
-          <p:cNvSpPr>
-            <a:spLocks noGrp="1"/>
-          </p:cNvSpPr>
-          <p:nvPr>
-            <p:ph sz="half" idx="2"/>
-          </p:nvPr>
-        </p:nvSpPr>
-        <p:spPr/>
-        <p:txBody>
-          <a:bodyPr/>
-          <a:lstStyle/>
-          <a:p>
-            <a:endParaRPr lang="pt-BR" dirty="0"/>
-          </a:p>
-        </p:txBody>
-      </p:sp>
-      <p:sp>
-        <p:nvSpPr>
-          <p:cNvPr id="5" name="Espaço Reservado para Texto 4"/>
-          <p:cNvSpPr>
-            <a:spLocks noGrp="1"/>
-          </p:cNvSpPr>
-          <p:nvPr>
-            <p:ph type="body" sz="quarter" idx="3"/>
-          </p:nvPr>
-        </p:nvSpPr>
-        <p:spPr/>
-        <p:txBody>
-          <a:bodyPr/>
-          <a:lstStyle/>
-          <a:p>
-            <a:endParaRPr lang="pt-BR" dirty="0"/>
-          </a:p>
-        </p:txBody>
-      </p:sp>
-      <p:sp>
-        <p:nvSpPr>
-          <p:cNvPr id="6" name="Espaço Reservado para Conteúdo 5"/>
-          <p:cNvSpPr>
-            <a:spLocks noGrp="1"/>
-          </p:cNvSpPr>
-          <p:nvPr>
-            <p:ph sz="quarter" idx="4"/>
-          </p:nvPr>
-        </p:nvSpPr>
-        <p:spPr/>
-        <p:txBody>
-          <a:bodyPr/>
-          <a:lstStyle/>
-          <a:p>
-            <a:endParaRPr lang="pt-BR" dirty="0"/>
+            <a:pPr marL="342900" lvl="0" indent="-342900" algn="just">
+              <a:lnSpc>
+                <a:spcPct val="105000"/>
+              </a:lnSpc>
+              <a:spcAft>
+                <a:spcPts val="0"/>
+              </a:spcAft>
+              <a:buFont typeface="Wingdings" panose="05000000000000000000" pitchFamily="2" charset="2"/>
+              <a:buChar char=""/>
+            </a:pPr>
+            <a:r>
+              <a:rPr lang="pt-BR" sz="3000" dirty="0">
+                <a:latin typeface="Times New Roman" panose="02020603050405020304" pitchFamily="18" charset="0"/>
+                <a:ea typeface="Times New Roman" panose="02020603050405020304" pitchFamily="18" charset="0"/>
+              </a:rPr>
+              <a:t>Media do Estacionamento: 1,6</a:t>
+            </a:r>
+          </a:p>
+          <a:p>
+            <a:pPr marL="342900" lvl="0" indent="-342900" algn="just">
+              <a:lnSpc>
+                <a:spcPct val="105000"/>
+              </a:lnSpc>
+              <a:spcAft>
+                <a:spcPts val="0"/>
+              </a:spcAft>
+              <a:buFont typeface="Wingdings" panose="05000000000000000000" pitchFamily="2" charset="2"/>
+              <a:buChar char=""/>
+            </a:pPr>
+            <a:r>
+              <a:rPr lang="pt-BR" sz="3000" dirty="0">
+                <a:latin typeface="Times New Roman" panose="02020603050405020304" pitchFamily="18" charset="0"/>
+                <a:ea typeface="Times New Roman" panose="02020603050405020304" pitchFamily="18" charset="0"/>
+              </a:rPr>
+              <a:t>Dentro do valor aceitável, mas...</a:t>
+            </a:r>
+          </a:p>
+          <a:p>
+            <a:pPr marL="342900" lvl="0" indent="-342900" algn="just">
+              <a:lnSpc>
+                <a:spcPct val="105000"/>
+              </a:lnSpc>
+              <a:spcAft>
+                <a:spcPts val="0"/>
+              </a:spcAft>
+              <a:buFont typeface="Wingdings" panose="05000000000000000000" pitchFamily="2" charset="2"/>
+              <a:buChar char=""/>
+            </a:pPr>
+            <a:r>
+              <a:rPr lang="pt-BR" sz="3000" dirty="0">
+                <a:latin typeface="Times New Roman" panose="02020603050405020304" pitchFamily="18" charset="0"/>
+                <a:ea typeface="Times New Roman" panose="02020603050405020304" pitchFamily="18" charset="0"/>
+              </a:rPr>
+              <a:t>Modelado encima de um projeto </a:t>
+            </a:r>
           </a:p>
         </p:txBody>
       </p:sp>
     </p:spTree>
     <p:extLst>
       <p:ext uri="{BB962C8B-B14F-4D97-AF65-F5344CB8AC3E}">
-        <p14:creationId xmlns:p14="http://schemas.microsoft.com/office/powerpoint/2010/main" val="737118897"/>
+        <p14:creationId xmlns:p14="http://schemas.microsoft.com/office/powerpoint/2010/main" val="3061729273"/>
       </p:ext>
     </p:extLst>
   </p:cSld>
@@ -11732,13 +13963,6 @@
       </p:transition>
     </mc:Fallback>
   </mc:AlternateContent>
-  <p:timing>
-    <p:tnLst>
-      <p:par>
-        <p:cTn id="1" dur="indefinite" restart="never" nodeType="tmRoot"/>
-      </p:par>
-    </p:tnLst>
-  </p:timing>
 </p:sld>
 </file>
 
@@ -11774,14 +13998,103 @@
           <a:bodyPr/>
           <a:lstStyle/>
           <a:p>
+            <a:r>
+              <a:rPr lang="pt-BR" dirty="0"/>
+              <a:t>Considerações Finais </a:t>
+            </a:r>
+            <a:r>
+              <a:rPr lang="pt-BR" dirty="0">
+                <a:sym typeface="Wingdings" panose="05000000000000000000" pitchFamily="2" charset="2"/>
+              </a:rPr>
+              <a:t></a:t>
+            </a:r>
             <a:endParaRPr lang="pt-BR" dirty="0"/>
+          </a:p>
+        </p:txBody>
+      </p:sp>
+      <p:sp>
+        <p:nvSpPr>
+          <p:cNvPr id="3" name="Retângulo 2"/>
+          <p:cNvSpPr/>
+          <p:nvPr/>
+        </p:nvSpPr>
+        <p:spPr>
+          <a:xfrm>
+            <a:off x="1295400" y="2534436"/>
+            <a:ext cx="9042400" cy="2031325"/>
+          </a:xfrm>
+          <a:prstGeom prst="rect">
+            <a:avLst/>
+          </a:prstGeom>
+        </p:spPr>
+        <p:txBody>
+          <a:bodyPr wrap="square">
+            <a:spAutoFit/>
+          </a:bodyPr>
+          <a:lstStyle/>
+          <a:p>
+            <a:pPr marL="342900" lvl="0" indent="-342900" algn="just">
+              <a:lnSpc>
+                <a:spcPct val="105000"/>
+              </a:lnSpc>
+              <a:spcAft>
+                <a:spcPts val="0"/>
+              </a:spcAft>
+              <a:buFont typeface="Wingdings" panose="05000000000000000000" pitchFamily="2" charset="2"/>
+              <a:buChar char=""/>
+            </a:pPr>
+            <a:r>
+              <a:rPr lang="pt-BR" sz="3000" dirty="0">
+                <a:latin typeface="Times New Roman" panose="02020603050405020304" pitchFamily="18" charset="0"/>
+                <a:ea typeface="Times New Roman" panose="02020603050405020304" pitchFamily="18" charset="0"/>
+              </a:rPr>
+              <a:t>Utilização de dados mais atualizados;</a:t>
+            </a:r>
+          </a:p>
+          <a:p>
+            <a:pPr marL="342900" lvl="0" indent="-342900" algn="just">
+              <a:lnSpc>
+                <a:spcPct val="105000"/>
+              </a:lnSpc>
+              <a:spcAft>
+                <a:spcPts val="0"/>
+              </a:spcAft>
+              <a:buFont typeface="Wingdings" panose="05000000000000000000" pitchFamily="2" charset="2"/>
+              <a:buChar char=""/>
+            </a:pPr>
+            <a:r>
+              <a:rPr lang="pt-BR" sz="3000" dirty="0">
+                <a:latin typeface="Times New Roman" panose="02020603050405020304" pitchFamily="18" charset="0"/>
+                <a:ea typeface="Times New Roman" panose="02020603050405020304" pitchFamily="18" charset="0"/>
+              </a:rPr>
+              <a:t>Melhor distribuição de valores;</a:t>
+            </a:r>
+          </a:p>
+          <a:p>
+            <a:pPr marL="342900" lvl="0" indent="-342900" algn="just">
+              <a:lnSpc>
+                <a:spcPct val="105000"/>
+              </a:lnSpc>
+              <a:spcAft>
+                <a:spcPts val="0"/>
+              </a:spcAft>
+              <a:buFont typeface="Wingdings" panose="05000000000000000000" pitchFamily="2" charset="2"/>
+              <a:buChar char=""/>
+            </a:pPr>
+            <a:r>
+              <a:rPr lang="pt-BR" sz="3000" dirty="0">
+                <a:latin typeface="Times New Roman" panose="02020603050405020304" pitchFamily="18" charset="0"/>
+                <a:ea typeface="Times New Roman" panose="02020603050405020304" pitchFamily="18" charset="0"/>
+              </a:rPr>
+              <a:t>Uma porcentagem mais precisa das distribuições dos setores;</a:t>
+            </a:r>
           </a:p>
         </p:txBody>
       </p:sp>
     </p:spTree>
     <p:extLst>
       <p:ext uri="{BB962C8B-B14F-4D97-AF65-F5344CB8AC3E}">
-        <p14:creationId xmlns:p14="http://schemas.microsoft.com/office/powerpoint/2010/main" val="3061729273"/>
+        <p14:creationId xmlns:p14="http://schemas.microsoft.com/office/powerpoint/2010/main" val="2674061861"/>
       </p:ext>
     </p:extLst>
   </p:cSld>
@@ -11800,13 +14113,6 @@
       </p:transition>
     </mc:Fallback>
   </mc:AlternateContent>
-  <p:timing>
-    <p:tnLst>
-      <p:par>
-        <p:cTn id="1" dur="indefinite" restart="never" nodeType="tmRoot"/>
-      </p:par>
-    </p:tnLst>
-  </p:timing>
 </p:sld>
 </file>
 
@@ -12010,383 +14316,6 @@
     <p:extLst>
       <p:ext uri="{BB962C8B-B14F-4D97-AF65-F5344CB8AC3E}">
         <p14:creationId xmlns:p14="http://schemas.microsoft.com/office/powerpoint/2010/main" val="3639872359"/>
-      </p:ext>
-    </p:extLst>
-  </p:cSld>
-  <p:clrMapOvr>
-    <a:masterClrMapping/>
-  </p:clrMapOvr>
-  <mc:AlternateContent xmlns:mc="http://schemas.openxmlformats.org/markup-compatibility/2006" xmlns:p14="http://schemas.microsoft.com/office/powerpoint/2010/main">
-    <mc:Choice Requires="p14">
-      <p:transition spd="med" p14:dur="700">
-        <p:fade/>
-      </p:transition>
-    </mc:Choice>
-    <mc:Fallback xmlns="">
-      <p:transition spd="med">
-        <p:fade/>
-      </p:transition>
-    </mc:Fallback>
-  </mc:AlternateContent>
-  <p:timing>
-    <p:tnLst>
-      <p:par>
-        <p:cTn id="1" dur="indefinite" restart="never" nodeType="tmRoot"/>
-      </p:par>
-    </p:tnLst>
-  </p:timing>
-</p:sld>
-</file>
-
-<file path=ppt/slides/slide20.xml><?xml version="1.0" encoding="utf-8"?>
-<p:sld xmlns:a="http://schemas.openxmlformats.org/drawingml/2006/main" xmlns:r="http://schemas.openxmlformats.org/officeDocument/2006/relationships" xmlns:p="http://schemas.openxmlformats.org/presentationml/2006/main">
-  <p:cSld>
-    <p:spTree>
-      <p:nvGrpSpPr>
-        <p:cNvPr id="1" name=""/>
-        <p:cNvGrpSpPr/>
-        <p:nvPr/>
-      </p:nvGrpSpPr>
-      <p:grpSpPr>
-        <a:xfrm>
-          <a:off x="0" y="0"/>
-          <a:ext cx="0" cy="0"/>
-          <a:chOff x="0" y="0"/>
-          <a:chExt cx="0" cy="0"/>
-        </a:xfrm>
-      </p:grpSpPr>
-    </p:spTree>
-    <p:extLst>
-      <p:ext uri="{BB962C8B-B14F-4D97-AF65-F5344CB8AC3E}">
-        <p14:creationId xmlns:p14="http://schemas.microsoft.com/office/powerpoint/2010/main" val="1455343978"/>
-      </p:ext>
-    </p:extLst>
-  </p:cSld>
-  <p:clrMapOvr>
-    <a:masterClrMapping/>
-  </p:clrMapOvr>
-  <mc:AlternateContent xmlns:mc="http://schemas.openxmlformats.org/markup-compatibility/2006" xmlns:p14="http://schemas.microsoft.com/office/powerpoint/2010/main">
-    <mc:Choice Requires="p14">
-      <p:transition spd="med" p14:dur="700">
-        <p:fade/>
-      </p:transition>
-    </mc:Choice>
-    <mc:Fallback xmlns="">
-      <p:transition spd="med">
-        <p:fade/>
-      </p:transition>
-    </mc:Fallback>
-  </mc:AlternateContent>
-  <p:timing>
-    <p:tnLst>
-      <p:par>
-        <p:cTn id="1" dur="indefinite" restart="never" nodeType="tmRoot"/>
-      </p:par>
-    </p:tnLst>
-  </p:timing>
-</p:sld>
-</file>
-
-<file path=ppt/slides/slide21.xml><?xml version="1.0" encoding="utf-8"?>
-<p:sld xmlns:a="http://schemas.openxmlformats.org/drawingml/2006/main" xmlns:r="http://schemas.openxmlformats.org/officeDocument/2006/relationships" xmlns:p="http://schemas.openxmlformats.org/presentationml/2006/main">
-  <p:cSld>
-    <p:spTree>
-      <p:nvGrpSpPr>
-        <p:cNvPr id="1" name=""/>
-        <p:cNvGrpSpPr/>
-        <p:nvPr/>
-      </p:nvGrpSpPr>
-      <p:grpSpPr>
-        <a:xfrm>
-          <a:off x="0" y="0"/>
-          <a:ext cx="0" cy="0"/>
-          <a:chOff x="0" y="0"/>
-          <a:chExt cx="0" cy="0"/>
-        </a:xfrm>
-      </p:grpSpPr>
-      <p:sp>
-        <p:nvSpPr>
-          <p:cNvPr id="2" name="Título 1"/>
-          <p:cNvSpPr>
-            <a:spLocks noGrp="1"/>
-          </p:cNvSpPr>
-          <p:nvPr>
-            <p:ph type="title"/>
-          </p:nvPr>
-        </p:nvSpPr>
-        <p:spPr/>
-        <p:txBody>
-          <a:bodyPr/>
-          <a:lstStyle/>
-          <a:p>
-            <a:endParaRPr lang="pt-BR" dirty="0"/>
-          </a:p>
-        </p:txBody>
-      </p:sp>
-      <p:sp>
-        <p:nvSpPr>
-          <p:cNvPr id="3" name="Espaço Reservado para Conteúdo 2"/>
-          <p:cNvSpPr>
-            <a:spLocks noGrp="1"/>
-          </p:cNvSpPr>
-          <p:nvPr>
-            <p:ph idx="1"/>
-          </p:nvPr>
-        </p:nvSpPr>
-        <p:spPr/>
-        <p:txBody>
-          <a:bodyPr/>
-          <a:lstStyle/>
-          <a:p>
-            <a:endParaRPr lang="pt-BR" dirty="0"/>
-          </a:p>
-        </p:txBody>
-      </p:sp>
-      <p:sp>
-        <p:nvSpPr>
-          <p:cNvPr id="4" name="Espaço Reservado para Texto 3"/>
-          <p:cNvSpPr>
-            <a:spLocks noGrp="1"/>
-          </p:cNvSpPr>
-          <p:nvPr>
-            <p:ph type="body" sz="half" idx="2"/>
-          </p:nvPr>
-        </p:nvSpPr>
-        <p:spPr/>
-        <p:txBody>
-          <a:bodyPr/>
-          <a:lstStyle/>
-          <a:p>
-            <a:endParaRPr lang="pt-BR" dirty="0"/>
-          </a:p>
-        </p:txBody>
-      </p:sp>
-    </p:spTree>
-    <p:extLst>
-      <p:ext uri="{BB962C8B-B14F-4D97-AF65-F5344CB8AC3E}">
-        <p14:creationId xmlns:p14="http://schemas.microsoft.com/office/powerpoint/2010/main" val="332843759"/>
-      </p:ext>
-    </p:extLst>
-  </p:cSld>
-  <p:clrMapOvr>
-    <a:masterClrMapping/>
-  </p:clrMapOvr>
-  <mc:AlternateContent xmlns:mc="http://schemas.openxmlformats.org/markup-compatibility/2006" xmlns:p14="http://schemas.microsoft.com/office/powerpoint/2010/main">
-    <mc:Choice Requires="p14">
-      <p:transition spd="med" p14:dur="700">
-        <p:fade/>
-      </p:transition>
-    </mc:Choice>
-    <mc:Fallback xmlns="">
-      <p:transition spd="med">
-        <p:fade/>
-      </p:transition>
-    </mc:Fallback>
-  </mc:AlternateContent>
-  <p:timing>
-    <p:tnLst>
-      <p:par>
-        <p:cTn id="1" dur="indefinite" restart="never" nodeType="tmRoot"/>
-      </p:par>
-    </p:tnLst>
-  </p:timing>
-</p:sld>
-</file>
-
-<file path=ppt/slides/slide22.xml><?xml version="1.0" encoding="utf-8"?>
-<p:sld xmlns:a="http://schemas.openxmlformats.org/drawingml/2006/main" xmlns:r="http://schemas.openxmlformats.org/officeDocument/2006/relationships" xmlns:p="http://schemas.openxmlformats.org/presentationml/2006/main">
-  <p:cSld>
-    <p:spTree>
-      <p:nvGrpSpPr>
-        <p:cNvPr id="1" name=""/>
-        <p:cNvGrpSpPr/>
-        <p:nvPr/>
-      </p:nvGrpSpPr>
-      <p:grpSpPr>
-        <a:xfrm>
-          <a:off x="0" y="0"/>
-          <a:ext cx="0" cy="0"/>
-          <a:chOff x="0" y="0"/>
-          <a:chExt cx="0" cy="0"/>
-        </a:xfrm>
-      </p:grpSpPr>
-      <p:sp>
-        <p:nvSpPr>
-          <p:cNvPr id="2" name="Título 1"/>
-          <p:cNvSpPr>
-            <a:spLocks noGrp="1"/>
-          </p:cNvSpPr>
-          <p:nvPr>
-            <p:ph type="title"/>
-          </p:nvPr>
-        </p:nvSpPr>
-        <p:spPr/>
-        <p:txBody>
-          <a:bodyPr/>
-          <a:lstStyle/>
-          <a:p>
-            <a:endParaRPr lang="pt-BR" dirty="0"/>
-          </a:p>
-        </p:txBody>
-      </p:sp>
-      <p:sp>
-        <p:nvSpPr>
-          <p:cNvPr id="3" name="Espaço Reservado para Imagem 2"/>
-          <p:cNvSpPr>
-            <a:spLocks noGrp="1"/>
-          </p:cNvSpPr>
-          <p:nvPr>
-            <p:ph type="pic" idx="1"/>
-          </p:nvPr>
-        </p:nvSpPr>
-        <p:spPr/>
-      </p:sp>
-      <p:sp>
-        <p:nvSpPr>
-          <p:cNvPr id="4" name="Espaço Reservado para Texto 3"/>
-          <p:cNvSpPr>
-            <a:spLocks noGrp="1"/>
-          </p:cNvSpPr>
-          <p:nvPr>
-            <p:ph type="body" sz="half" idx="2"/>
-          </p:nvPr>
-        </p:nvSpPr>
-        <p:spPr/>
-        <p:txBody>
-          <a:bodyPr/>
-          <a:lstStyle/>
-          <a:p>
-            <a:endParaRPr lang="pt-BR" dirty="0"/>
-          </a:p>
-        </p:txBody>
-      </p:sp>
-    </p:spTree>
-    <p:extLst>
-      <p:ext uri="{BB962C8B-B14F-4D97-AF65-F5344CB8AC3E}">
-        <p14:creationId xmlns:p14="http://schemas.microsoft.com/office/powerpoint/2010/main" val="4129926194"/>
-      </p:ext>
-    </p:extLst>
-  </p:cSld>
-  <p:clrMapOvr>
-    <a:masterClrMapping/>
-  </p:clrMapOvr>
-  <mc:AlternateContent xmlns:mc="http://schemas.openxmlformats.org/markup-compatibility/2006" xmlns:p14="http://schemas.microsoft.com/office/powerpoint/2010/main">
-    <mc:Choice Requires="p14">
-      <p:transition spd="med" p14:dur="700">
-        <p:fade/>
-      </p:transition>
-    </mc:Choice>
-    <mc:Fallback xmlns="">
-      <p:transition spd="med">
-        <p:fade/>
-      </p:transition>
-    </mc:Fallback>
-  </mc:AlternateContent>
-</p:sld>
-</file>
-
-<file path=ppt/slides/slide23.xml><?xml version="1.0" encoding="utf-8"?>
-<p:sld xmlns:a="http://schemas.openxmlformats.org/drawingml/2006/main" xmlns:r="http://schemas.openxmlformats.org/officeDocument/2006/relationships" xmlns:p="http://schemas.openxmlformats.org/presentationml/2006/main">
-  <p:cSld>
-    <p:spTree>
-      <p:nvGrpSpPr>
-        <p:cNvPr id="1" name=""/>
-        <p:cNvGrpSpPr/>
-        <p:nvPr/>
-      </p:nvGrpSpPr>
-      <p:grpSpPr>
-        <a:xfrm>
-          <a:off x="0" y="0"/>
-          <a:ext cx="0" cy="0"/>
-          <a:chOff x="0" y="0"/>
-          <a:chExt cx="0" cy="0"/>
-        </a:xfrm>
-      </p:grpSpPr>
-      <p:sp>
-        <p:nvSpPr>
-          <p:cNvPr id="2" name="Título 1"/>
-          <p:cNvSpPr>
-            <a:spLocks noGrp="1"/>
-          </p:cNvSpPr>
-          <p:nvPr>
-            <p:ph type="title"/>
-          </p:nvPr>
-        </p:nvSpPr>
-        <p:spPr/>
-        <p:txBody>
-          <a:bodyPr/>
-          <a:lstStyle/>
-          <a:p>
-            <a:endParaRPr lang="pt-BR" dirty="0"/>
-          </a:p>
-        </p:txBody>
-      </p:sp>
-      <p:sp>
-        <p:nvSpPr>
-          <p:cNvPr id="3" name="Espaço Reservado para Texto 2"/>
-          <p:cNvSpPr>
-            <a:spLocks noGrp="1"/>
-          </p:cNvSpPr>
-          <p:nvPr>
-            <p:ph type="body" sz="half" idx="2"/>
-          </p:nvPr>
-        </p:nvSpPr>
-        <p:spPr/>
-        <p:txBody>
-          <a:bodyPr/>
-          <a:lstStyle/>
-          <a:p>
-            <a:endParaRPr lang="pt-BR" dirty="0"/>
-          </a:p>
-        </p:txBody>
-      </p:sp>
-      <p:sp>
-        <p:nvSpPr>
-          <p:cNvPr id="4" name="Espaço Reservado para Texto 3"/>
-          <p:cNvSpPr>
-            <a:spLocks noGrp="1"/>
-          </p:cNvSpPr>
-          <p:nvPr>
-            <p:ph type="body" sz="half" idx="14"/>
-          </p:nvPr>
-        </p:nvSpPr>
-        <p:spPr/>
-        <p:txBody>
-          <a:bodyPr/>
-          <a:lstStyle/>
-          <a:p>
-            <a:endParaRPr lang="pt-BR" dirty="0"/>
-          </a:p>
-        </p:txBody>
-      </p:sp>
-      <p:sp>
-        <p:nvSpPr>
-          <p:cNvPr id="5" name="Espaço Reservado para Imagem 4"/>
-          <p:cNvSpPr>
-            <a:spLocks noGrp="1"/>
-          </p:cNvSpPr>
-          <p:nvPr>
-            <p:ph type="pic" idx="1"/>
-          </p:nvPr>
-        </p:nvSpPr>
-        <p:spPr/>
-      </p:sp>
-      <p:sp>
-        <p:nvSpPr>
-          <p:cNvPr id="6" name="Espaço Reservado para Imagem 5"/>
-          <p:cNvSpPr>
-            <a:spLocks noGrp="1"/>
-          </p:cNvSpPr>
-          <p:nvPr>
-            <p:ph type="pic" idx="13"/>
-          </p:nvPr>
-        </p:nvSpPr>
-        <p:spPr/>
-      </p:sp>
-    </p:spTree>
-    <p:extLst>
-      <p:ext uri="{BB962C8B-B14F-4D97-AF65-F5344CB8AC3E}">
-        <p14:creationId xmlns:p14="http://schemas.microsoft.com/office/powerpoint/2010/main" val="188841400"/>
       </p:ext>
     </p:extLst>
   </p:cSld>
@@ -12491,13 +14420,6 @@
       </p:transition>
     </mc:Fallback>
   </mc:AlternateContent>
-  <p:timing>
-    <p:tnLst>
-      <p:par>
-        <p:cTn id="1" dur="indefinite" restart="never" nodeType="tmRoot"/>
-      </p:par>
-    </p:tnLst>
-  </p:timing>
 </p:sld>
 </file>
 
@@ -12606,13 +14528,8 @@
             </a:pPr>
             <a:r>
               <a:rPr lang="pt-BR" dirty="0"/>
-              <a:t>Serve de estudo para projetos a serem </a:t>
+              <a:t>Serve de estudo para projetos a serem realizados;</a:t>
             </a:r>
-            <a:r>
-              <a:rPr lang="pt-BR" dirty="0" smtClean="0"/>
-              <a:t>realizados;</a:t>
-            </a:r>
-            <a:endParaRPr lang="pt-BR" dirty="0"/>
           </a:p>
         </p:txBody>
       </p:sp>
@@ -12638,13 +14555,6 @@
       </p:transition>
     </mc:Fallback>
   </mc:AlternateContent>
-  <p:timing>
-    <p:tnLst>
-      <p:par>
-        <p:cTn id="1" dur="indefinite" restart="never" nodeType="tmRoot"/>
-      </p:par>
-    </p:tnLst>
-  </p:timing>
 </p:sld>
 </file>
 
@@ -12684,10 +14594,6 @@
               <a:rPr lang="pt-BR" sz="5000" dirty="0"/>
               <a:t>Motivação</a:t>
             </a:r>
-            <a:r>
-              <a:rPr lang="pt-BR" dirty="0"/>
-              <a:t/>
-            </a:r>
             <a:br>
               <a:rPr lang="pt-BR" dirty="0"/>
             </a:br>
@@ -12744,13 +14650,6 @@
       </p:transition>
     </mc:Fallback>
   </mc:AlternateContent>
-  <p:timing>
-    <p:tnLst>
-      <p:par>
-        <p:cTn id="1" dur="indefinite" restart="never" nodeType="tmRoot"/>
-      </p:par>
-    </p:tnLst>
-  </p:timing>
 </p:sld>
 </file>
 
@@ -12888,13 +14787,6 @@
       </p:transition>
     </mc:Fallback>
   </mc:AlternateContent>
-  <p:timing>
-    <p:tnLst>
-      <p:par>
-        <p:cTn id="1" dur="indefinite" restart="never" nodeType="tmRoot"/>
-      </p:par>
-    </p:tnLst>
-  </p:timing>
 </p:sld>
 </file>
 
@@ -12934,10 +14826,6 @@
               <a:rPr lang="pt-BR" sz="5000" dirty="0"/>
               <a:t>Desenvolvimento</a:t>
             </a:r>
-            <a:r>
-              <a:rPr lang="pt-BR" dirty="0"/>
-              <a:t/>
-            </a:r>
             <a:br>
               <a:rPr lang="pt-BR" dirty="0"/>
             </a:br>
@@ -12994,13 +14882,6 @@
       </p:transition>
     </mc:Fallback>
   </mc:AlternateContent>
-  <p:timing>
-    <p:tnLst>
-      <p:par>
-        <p:cTn id="1" dur="indefinite" restart="never" nodeType="tmRoot"/>
-      </p:par>
-    </p:tnLst>
-  </p:timing>
 </p:sld>
 </file>
 
@@ -13105,13 +14986,6 @@
       </p:transition>
     </mc:Fallback>
   </mc:AlternateContent>
-  <p:timing>
-    <p:tnLst>
-      <p:par>
-        <p:cTn id="1" dur="indefinite" restart="never" nodeType="tmRoot"/>
-      </p:par>
-    </p:tnLst>
-  </p:timing>
 </p:sld>
 </file>
 
@@ -13395,13 +15269,6 @@
       </p:transition>
     </mc:Fallback>
   </mc:AlternateContent>
-  <p:timing>
-    <p:tnLst>
-      <p:par>
-        <p:cTn id="1" dur="indefinite" restart="never" nodeType="tmRoot"/>
-      </p:par>
-    </p:tnLst>
-  </p:timing>
 </p:sld>
 </file>
 
